--- a/PP final project.pptx
+++ b/PP final project.pptx
@@ -1,44 +1,44 @@
 
 <file path=ppt/presentation.xml><?xml version="1.0" encoding="utf-8"?>
-<p:presentation xmlns:a="http://schemas.openxmlformats.org/drawingml/2006/main" xmlns:r="http://schemas.openxmlformats.org/officeDocument/2006/relationships" xmlns:mc="http://schemas.openxmlformats.org/markup-compatibility/2006" xmlns:mv="urn:schemas-microsoft-com:mac:vml" xmlns:p="http://schemas.openxmlformats.org/presentationml/2006/main" xmlns:c="http://schemas.openxmlformats.org/drawingml/2006/chart" xmlns:dgm="http://schemas.openxmlformats.org/drawingml/2006/diagram" xmlns:o="urn:schemas-microsoft-com:office:office" xmlns:v="urn:schemas-microsoft-com:vml" xmlns:pvml="urn:schemas-microsoft-com:office:powerpoint" xmlns:com="http://schemas.openxmlformats.org/drawingml/2006/compatibility" xmlns:p14="http://schemas.microsoft.com/office/powerpoint/2010/main" xmlns:p15="http://schemas.microsoft.com/office/powerpoint/2012/main" autoCompressPictures="0" embedTrueTypeFonts="1" strictFirstAndLastChars="0" saveSubsetFonts="1">
+<p:presentation xmlns:a="http://schemas.openxmlformats.org/drawingml/2006/main" xmlns:r="http://schemas.openxmlformats.org/officeDocument/2006/relationships" xmlns:p="http://schemas.openxmlformats.org/presentationml/2006/main" strictFirstAndLastChars="0" embedTrueTypeFonts="1" saveSubsetFonts="1" autoCompressPictures="0">
   <p:sldMasterIdLst>
-    <p:sldMasterId id="2147483659" r:id="rId3"/>
+    <p:sldMasterId id="2147483659" r:id="rId1"/>
   </p:sldMasterIdLst>
   <p:notesMasterIdLst>
-    <p:notesMasterId r:id="rId4"/>
+    <p:notesMasterId r:id="rId12"/>
   </p:notesMasterIdLst>
   <p:sldIdLst>
-    <p:sldId id="256" r:id="rId5"/>
-    <p:sldId id="257" r:id="rId6"/>
-    <p:sldId id="258" r:id="rId7"/>
-    <p:sldId id="259" r:id="rId8"/>
-    <p:sldId id="260" r:id="rId9"/>
-    <p:sldId id="261" r:id="rId10"/>
-    <p:sldId id="262" r:id="rId11"/>
-    <p:sldId id="263" r:id="rId12"/>
-    <p:sldId id="264" r:id="rId13"/>
-    <p:sldId id="265" r:id="rId14"/>
+    <p:sldId id="256" r:id="rId2"/>
+    <p:sldId id="257" r:id="rId3"/>
+    <p:sldId id="258" r:id="rId4"/>
+    <p:sldId id="259" r:id="rId5"/>
+    <p:sldId id="260" r:id="rId6"/>
+    <p:sldId id="261" r:id="rId7"/>
+    <p:sldId id="262" r:id="rId8"/>
+    <p:sldId id="263" r:id="rId9"/>
+    <p:sldId id="264" r:id="rId10"/>
+    <p:sldId id="265" r:id="rId11"/>
   </p:sldIdLst>
-  <p:sldSz cy="5143500" cx="9144000"/>
+  <p:sldSz cx="9144000" cy="5143500" type="screen16x9"/>
   <p:notesSz cx="6858000" cy="9144000"/>
   <p:embeddedFontLst>
     <p:embeddedFont>
-      <p:font typeface="Raleway"/>
-      <p:regular r:id="rId15"/>
-      <p:bold r:id="rId16"/>
-      <p:italic r:id="rId17"/>
-      <p:boldItalic r:id="rId18"/>
+      <p:font typeface="Raleway" panose="02020500000000000000" charset="0"/>
+      <p:regular r:id="rId13"/>
+      <p:bold r:id="rId14"/>
+      <p:italic r:id="rId15"/>
+      <p:boldItalic r:id="rId16"/>
     </p:embeddedFont>
     <p:embeddedFont>
-      <p:font typeface="Lato"/>
-      <p:regular r:id="rId19"/>
-      <p:bold r:id="rId20"/>
-      <p:italic r:id="rId21"/>
-      <p:boldItalic r:id="rId22"/>
+      <p:font typeface="Lato" panose="02020500000000000000" charset="0"/>
+      <p:regular r:id="rId17"/>
+      <p:bold r:id="rId18"/>
+      <p:italic r:id="rId19"/>
+      <p:boldItalic r:id="rId20"/>
     </p:embeddedFont>
   </p:embeddedFontLst>
   <p:defaultTextStyle>
-    <a:defPPr lvl="0" marR="0" rtl="0" algn="l">
+    <a:defPPr marR="0" lvl="0" algn="l" rtl="0">
       <a:lnSpc>
         <a:spcPct val="100000"/>
       </a:lnSpc>
@@ -49,7 +49,7 @@
         <a:spcPts val="0"/>
       </a:spcAft>
     </a:defPPr>
-    <a:lvl1pPr lvl="0" marR="0" rtl="0" algn="l">
+    <a:lvl1pPr marR="0" lvl="0" algn="l" rtl="0">
       <a:lnSpc>
         <a:spcPct val="100000"/>
       </a:lnSpc>
@@ -60,7 +60,7 @@
         <a:spcPts val="0"/>
       </a:spcAft>
       <a:buNone/>
-      <a:defRPr b="0" i="0" sz="1400" u="none" cap="none" strike="noStrike">
+      <a:defRPr sz="1400" b="0" i="0" u="none" strike="noStrike" cap="none">
         <a:solidFill>
           <a:srgbClr val="000000"/>
         </a:solidFill>
@@ -70,7 +70,7 @@
         <a:sym typeface="Arial"/>
       </a:defRPr>
     </a:lvl1pPr>
-    <a:lvl2pPr lvl="1" marR="0" rtl="0" algn="l">
+    <a:lvl2pPr marR="0" lvl="1" algn="l" rtl="0">
       <a:lnSpc>
         <a:spcPct val="100000"/>
       </a:lnSpc>
@@ -81,7 +81,7 @@
         <a:spcPts val="0"/>
       </a:spcAft>
       <a:buNone/>
-      <a:defRPr b="0" i="0" sz="1400" u="none" cap="none" strike="noStrike">
+      <a:defRPr sz="1400" b="0" i="0" u="none" strike="noStrike" cap="none">
         <a:solidFill>
           <a:srgbClr val="000000"/>
         </a:solidFill>
@@ -91,7 +91,7 @@
         <a:sym typeface="Arial"/>
       </a:defRPr>
     </a:lvl2pPr>
-    <a:lvl3pPr lvl="2" marR="0" rtl="0" algn="l">
+    <a:lvl3pPr marR="0" lvl="2" algn="l" rtl="0">
       <a:lnSpc>
         <a:spcPct val="100000"/>
       </a:lnSpc>
@@ -102,7 +102,7 @@
         <a:spcPts val="0"/>
       </a:spcAft>
       <a:buNone/>
-      <a:defRPr b="0" i="0" sz="1400" u="none" cap="none" strike="noStrike">
+      <a:defRPr sz="1400" b="0" i="0" u="none" strike="noStrike" cap="none">
         <a:solidFill>
           <a:srgbClr val="000000"/>
         </a:solidFill>
@@ -112,7 +112,7 @@
         <a:sym typeface="Arial"/>
       </a:defRPr>
     </a:lvl3pPr>
-    <a:lvl4pPr lvl="3" marR="0" rtl="0" algn="l">
+    <a:lvl4pPr marR="0" lvl="3" algn="l" rtl="0">
       <a:lnSpc>
         <a:spcPct val="100000"/>
       </a:lnSpc>
@@ -123,7 +123,7 @@
         <a:spcPts val="0"/>
       </a:spcAft>
       <a:buNone/>
-      <a:defRPr b="0" i="0" sz="1400" u="none" cap="none" strike="noStrike">
+      <a:defRPr sz="1400" b="0" i="0" u="none" strike="noStrike" cap="none">
         <a:solidFill>
           <a:srgbClr val="000000"/>
         </a:solidFill>
@@ -133,7 +133,7 @@
         <a:sym typeface="Arial"/>
       </a:defRPr>
     </a:lvl4pPr>
-    <a:lvl5pPr lvl="4" marR="0" rtl="0" algn="l">
+    <a:lvl5pPr marR="0" lvl="4" algn="l" rtl="0">
       <a:lnSpc>
         <a:spcPct val="100000"/>
       </a:lnSpc>
@@ -144,7 +144,7 @@
         <a:spcPts val="0"/>
       </a:spcAft>
       <a:buNone/>
-      <a:defRPr b="0" i="0" sz="1400" u="none" cap="none" strike="noStrike">
+      <a:defRPr sz="1400" b="0" i="0" u="none" strike="noStrike" cap="none">
         <a:solidFill>
           <a:srgbClr val="000000"/>
         </a:solidFill>
@@ -154,7 +154,7 @@
         <a:sym typeface="Arial"/>
       </a:defRPr>
     </a:lvl5pPr>
-    <a:lvl6pPr lvl="5" marR="0" rtl="0" algn="l">
+    <a:lvl6pPr marR="0" lvl="5" algn="l" rtl="0">
       <a:lnSpc>
         <a:spcPct val="100000"/>
       </a:lnSpc>
@@ -165,7 +165,7 @@
         <a:spcPts val="0"/>
       </a:spcAft>
       <a:buNone/>
-      <a:defRPr b="0" i="0" sz="1400" u="none" cap="none" strike="noStrike">
+      <a:defRPr sz="1400" b="0" i="0" u="none" strike="noStrike" cap="none">
         <a:solidFill>
           <a:srgbClr val="000000"/>
         </a:solidFill>
@@ -175,7 +175,7 @@
         <a:sym typeface="Arial"/>
       </a:defRPr>
     </a:lvl6pPr>
-    <a:lvl7pPr lvl="6" marR="0" rtl="0" algn="l">
+    <a:lvl7pPr marR="0" lvl="6" algn="l" rtl="0">
       <a:lnSpc>
         <a:spcPct val="100000"/>
       </a:lnSpc>
@@ -186,7 +186,7 @@
         <a:spcPts val="0"/>
       </a:spcAft>
       <a:buNone/>
-      <a:defRPr b="0" i="0" sz="1400" u="none" cap="none" strike="noStrike">
+      <a:defRPr sz="1400" b="0" i="0" u="none" strike="noStrike" cap="none">
         <a:solidFill>
           <a:srgbClr val="000000"/>
         </a:solidFill>
@@ -196,7 +196,7 @@
         <a:sym typeface="Arial"/>
       </a:defRPr>
     </a:lvl7pPr>
-    <a:lvl8pPr lvl="7" marR="0" rtl="0" algn="l">
+    <a:lvl8pPr marR="0" lvl="7" algn="l" rtl="0">
       <a:lnSpc>
         <a:spcPct val="100000"/>
       </a:lnSpc>
@@ -207,7 +207,7 @@
         <a:spcPts val="0"/>
       </a:spcAft>
       <a:buNone/>
-      <a:defRPr b="0" i="0" sz="1400" u="none" cap="none" strike="noStrike">
+      <a:defRPr sz="1400" b="0" i="0" u="none" strike="noStrike" cap="none">
         <a:solidFill>
           <a:srgbClr val="000000"/>
         </a:solidFill>
@@ -217,7 +217,7 @@
         <a:sym typeface="Arial"/>
       </a:defRPr>
     </a:lvl8pPr>
-    <a:lvl9pPr lvl="8" marR="0" rtl="0" algn="l">
+    <a:lvl9pPr marR="0" lvl="8" algn="l" rtl="0">
       <a:lnSpc>
         <a:spcPct val="100000"/>
       </a:lnSpc>
@@ -228,7 +228,7 @@
         <a:spcPts val="0"/>
       </a:spcAft>
       <a:buNone/>
-      <a:defRPr b="0" i="0" sz="1400" u="none" cap="none" strike="noStrike">
+      <a:defRPr sz="1400" b="0" i="0" u="none" strike="noStrike" cap="none">
         <a:solidFill>
           <a:srgbClr val="000000"/>
         </a:solidFill>
@@ -243,11 +243,16 @@
 </file>
 
 <file path=ppt/notesMasters/notesMaster1.xml><?xml version="1.0" encoding="utf-8"?>
-<p:notesMaster xmlns:a="http://schemas.openxmlformats.org/drawingml/2006/main" xmlns:r="http://schemas.openxmlformats.org/officeDocument/2006/relationships" xmlns:mc="http://schemas.openxmlformats.org/markup-compatibility/2006" xmlns:mv="urn:schemas-microsoft-com:mac:vml" xmlns:p="http://schemas.openxmlformats.org/presentationml/2006/main" xmlns:c="http://schemas.openxmlformats.org/drawingml/2006/chart" xmlns:dgm="http://schemas.openxmlformats.org/drawingml/2006/diagram" xmlns:o="urn:schemas-microsoft-com:office:office" xmlns:v="urn:schemas-microsoft-com:vml" xmlns:pvml="urn:schemas-microsoft-com:office:powerpoint" xmlns:com="http://schemas.openxmlformats.org/drawingml/2006/compatibility" xmlns:p14="http://schemas.microsoft.com/office/powerpoint/2010/main" xmlns:p15="http://schemas.microsoft.com/office/powerpoint/2012/main">
+<p:notesMaster xmlns:a="http://schemas.openxmlformats.org/drawingml/2006/main" xmlns:r="http://schemas.openxmlformats.org/officeDocument/2006/relationships" xmlns:p="http://schemas.openxmlformats.org/presentationml/2006/main">
   <p:cSld>
+    <p:bg>
+      <p:bgRef idx="1001">
+        <a:schemeClr val="bg1"/>
+      </p:bgRef>
+    </p:bg>
     <p:spTree>
       <p:nvGrpSpPr>
-        <p:cNvPr id="2" name="Shape 2"/>
+        <p:cNvPr id="1" name="Shape 2"/>
         <p:cNvGrpSpPr/>
         <p:nvPr/>
       </p:nvGrpSpPr>
@@ -262,9 +267,11 @@
       <p:sp>
         <p:nvSpPr>
           <p:cNvPr id="3" name="Shape 3"/>
-          <p:cNvSpPr/>
+          <p:cNvSpPr>
+            <a:spLocks noGrp="1" noRot="1" noChangeAspect="1"/>
+          </p:cNvSpPr>
           <p:nvPr>
-            <p:ph idx="2" type="sldImg"/>
+            <p:ph type="sldImg" idx="2"/>
           </p:nvPr>
         </p:nvSpPr>
         <p:spPr>
@@ -273,8 +280,13 @@
             <a:ext cx="6096075" cy="3429000"/>
           </a:xfrm>
           <a:custGeom>
+            <a:avLst/>
+            <a:gdLst/>
+            <a:ahLst/>
+            <a:cxnLst/>
+            <a:rect l="0" t="0" r="0" b="0"/>
             <a:pathLst>
-              <a:path extrusionOk="0" h="120000" w="120000">
+              <a:path w="120000" h="120000" extrusionOk="0">
                 <a:moveTo>
                   <a:pt x="0" y="0"/>
                 </a:moveTo>
@@ -292,23 +304,25 @@
             </a:pathLst>
           </a:custGeom>
           <a:noFill/>
-          <a:ln cap="flat" cmpd="sng" w="9525">
+          <a:ln w="9525" cap="flat" cmpd="sng">
             <a:solidFill>
               <a:srgbClr val="000000"/>
             </a:solidFill>
             <a:prstDash val="solid"/>
             <a:round/>
-            <a:headEnd len="med" w="med" type="none"/>
-            <a:tailEnd len="med" w="med" type="none"/>
+            <a:headEnd type="none" w="med" len="med"/>
+            <a:tailEnd type="none" w="med" len="med"/>
           </a:ln>
         </p:spPr>
       </p:sp>
       <p:sp>
         <p:nvSpPr>
           <p:cNvPr id="4" name="Shape 4"/>
-          <p:cNvSpPr txBox="1"/>
+          <p:cNvSpPr txBox="1">
+            <a:spLocks noGrp="1"/>
+          </p:cNvSpPr>
           <p:nvPr>
-            <p:ph idx="1" type="body"/>
+            <p:ph type="body" idx="1"/>
           </p:nvPr>
         </p:nvSpPr>
         <p:spPr>
@@ -325,7 +339,7 @@
           </a:ln>
         </p:spPr>
         <p:txBody>
-          <a:bodyPr anchorCtr="0" anchor="t" bIns="91425" lIns="91425" rIns="91425" wrap="square" tIns="91425"/>
+          <a:bodyPr wrap="square" lIns="91425" tIns="91425" rIns="91425" bIns="91425" anchor="t" anchorCtr="0"/>
           <a:lstStyle>
             <a:lvl1pPr lvl="0">
               <a:spcBef>
@@ -400,21 +414,115 @@
               <a:defRPr sz="1100"/>
             </a:lvl9pPr>
           </a:lstStyle>
-          <a:p/>
+          <a:p>
+            <a:endParaRPr/>
+          </a:p>
         </p:txBody>
       </p:sp>
     </p:spTree>
   </p:cSld>
-  <p:clrMap accent1="accent1" accent2="accent2" accent3="accent3" accent4="accent4" accent5="accent5" accent6="accent6" bg1="lt1" bg2="dk2" tx1="dk1" tx2="lt2" folHlink="folHlink" hlink="hlink"/>
+  <p:clrMap bg1="lt1" tx1="dk1" bg2="dk2" tx2="lt2" accent1="accent1" accent2="accent2" accent3="accent3" accent4="accent4" accent5="accent5" accent6="accent6" hlink="hlink" folHlink="folHlink"/>
+  <p:notesStyle>
+    <a:lvl1pPr marL="0" algn="l" defTabSz="914400" rtl="0" eaLnBrk="1" latinLnBrk="0" hangingPunct="1">
+      <a:defRPr sz="1200" kern="1200">
+        <a:solidFill>
+          <a:schemeClr val="tx1"/>
+        </a:solidFill>
+        <a:latin typeface="+mn-lt"/>
+        <a:ea typeface="+mn-ea"/>
+        <a:cs typeface="+mn-cs"/>
+      </a:defRPr>
+    </a:lvl1pPr>
+    <a:lvl2pPr marL="457200" algn="l" defTabSz="914400" rtl="0" eaLnBrk="1" latinLnBrk="0" hangingPunct="1">
+      <a:defRPr sz="1200" kern="1200">
+        <a:solidFill>
+          <a:schemeClr val="tx1"/>
+        </a:solidFill>
+        <a:latin typeface="+mn-lt"/>
+        <a:ea typeface="+mn-ea"/>
+        <a:cs typeface="+mn-cs"/>
+      </a:defRPr>
+    </a:lvl2pPr>
+    <a:lvl3pPr marL="914400" algn="l" defTabSz="914400" rtl="0" eaLnBrk="1" latinLnBrk="0" hangingPunct="1">
+      <a:defRPr sz="1200" kern="1200">
+        <a:solidFill>
+          <a:schemeClr val="tx1"/>
+        </a:solidFill>
+        <a:latin typeface="+mn-lt"/>
+        <a:ea typeface="+mn-ea"/>
+        <a:cs typeface="+mn-cs"/>
+      </a:defRPr>
+    </a:lvl3pPr>
+    <a:lvl4pPr marL="1371600" algn="l" defTabSz="914400" rtl="0" eaLnBrk="1" latinLnBrk="0" hangingPunct="1">
+      <a:defRPr sz="1200" kern="1200">
+        <a:solidFill>
+          <a:schemeClr val="tx1"/>
+        </a:solidFill>
+        <a:latin typeface="+mn-lt"/>
+        <a:ea typeface="+mn-ea"/>
+        <a:cs typeface="+mn-cs"/>
+      </a:defRPr>
+    </a:lvl4pPr>
+    <a:lvl5pPr marL="1828800" algn="l" defTabSz="914400" rtl="0" eaLnBrk="1" latinLnBrk="0" hangingPunct="1">
+      <a:defRPr sz="1200" kern="1200">
+        <a:solidFill>
+          <a:schemeClr val="tx1"/>
+        </a:solidFill>
+        <a:latin typeface="+mn-lt"/>
+        <a:ea typeface="+mn-ea"/>
+        <a:cs typeface="+mn-cs"/>
+      </a:defRPr>
+    </a:lvl5pPr>
+    <a:lvl6pPr marL="2286000" algn="l" defTabSz="914400" rtl="0" eaLnBrk="1" latinLnBrk="0" hangingPunct="1">
+      <a:defRPr sz="1200" kern="1200">
+        <a:solidFill>
+          <a:schemeClr val="tx1"/>
+        </a:solidFill>
+        <a:latin typeface="+mn-lt"/>
+        <a:ea typeface="+mn-ea"/>
+        <a:cs typeface="+mn-cs"/>
+      </a:defRPr>
+    </a:lvl6pPr>
+    <a:lvl7pPr marL="2743200" algn="l" defTabSz="914400" rtl="0" eaLnBrk="1" latinLnBrk="0" hangingPunct="1">
+      <a:defRPr sz="1200" kern="1200">
+        <a:solidFill>
+          <a:schemeClr val="tx1"/>
+        </a:solidFill>
+        <a:latin typeface="+mn-lt"/>
+        <a:ea typeface="+mn-ea"/>
+        <a:cs typeface="+mn-cs"/>
+      </a:defRPr>
+    </a:lvl7pPr>
+    <a:lvl8pPr marL="3200400" algn="l" defTabSz="914400" rtl="0" eaLnBrk="1" latinLnBrk="0" hangingPunct="1">
+      <a:defRPr sz="1200" kern="1200">
+        <a:solidFill>
+          <a:schemeClr val="tx1"/>
+        </a:solidFill>
+        <a:latin typeface="+mn-lt"/>
+        <a:ea typeface="+mn-ea"/>
+        <a:cs typeface="+mn-cs"/>
+      </a:defRPr>
+    </a:lvl8pPr>
+    <a:lvl9pPr marL="3657600" algn="l" defTabSz="914400" rtl="0" eaLnBrk="1" latinLnBrk="0" hangingPunct="1">
+      <a:defRPr sz="1200" kern="1200">
+        <a:solidFill>
+          <a:schemeClr val="tx1"/>
+        </a:solidFill>
+        <a:latin typeface="+mn-lt"/>
+        <a:ea typeface="+mn-ea"/>
+        <a:cs typeface="+mn-cs"/>
+      </a:defRPr>
+    </a:lvl9pPr>
+  </p:notesStyle>
 </p:notesMaster>
 </file>
 
 <file path=ppt/notesSlides/notesSlide1.xml><?xml version="1.0" encoding="utf-8"?>
-<p:notes xmlns:a="http://schemas.openxmlformats.org/drawingml/2006/main" xmlns:r="http://schemas.openxmlformats.org/officeDocument/2006/relationships" xmlns:mc="http://schemas.openxmlformats.org/markup-compatibility/2006" xmlns:mv="urn:schemas-microsoft-com:mac:vml" xmlns:p="http://schemas.openxmlformats.org/presentationml/2006/main" xmlns:c="http://schemas.openxmlformats.org/drawingml/2006/chart" xmlns:dgm="http://schemas.openxmlformats.org/drawingml/2006/diagram" xmlns:o="urn:schemas-microsoft-com:office:office" xmlns:v="urn:schemas-microsoft-com:vml" xmlns:pvml="urn:schemas-microsoft-com:office:powerpoint" xmlns:com="http://schemas.openxmlformats.org/drawingml/2006/compatibility" xmlns:p14="http://schemas.microsoft.com/office/powerpoint/2010/main" xmlns:p15="http://schemas.microsoft.com/office/powerpoint/2012/main" showMasterPhAnim="0" showMasterSp="0">
+<p:notes xmlns:a="http://schemas.openxmlformats.org/drawingml/2006/main" xmlns:r="http://schemas.openxmlformats.org/officeDocument/2006/relationships" xmlns:p="http://schemas.openxmlformats.org/presentationml/2006/main" showMasterSp="0" showMasterPhAnim="0">
   <p:cSld>
     <p:spTree>
       <p:nvGrpSpPr>
-        <p:cNvPr id="82" name="Shape 82"/>
+        <p:cNvPr id="1" name="Shape 82"/>
         <p:cNvGrpSpPr/>
         <p:nvPr/>
       </p:nvGrpSpPr>
@@ -429,19 +537,26 @@
       <p:sp>
         <p:nvSpPr>
           <p:cNvPr id="83" name="Shape 83"/>
-          <p:cNvSpPr/>
+          <p:cNvSpPr>
+            <a:spLocks noGrp="1" noRot="1" noChangeAspect="1"/>
+          </p:cNvSpPr>
           <p:nvPr>
-            <p:ph idx="2" type="sldImg"/>
+            <p:ph type="sldImg" idx="2"/>
           </p:nvPr>
         </p:nvSpPr>
         <p:spPr>
           <a:xfrm>
-            <a:off x="381300" y="685800"/>
-            <a:ext cx="6096075" cy="3429000"/>
+            <a:off x="381000" y="685800"/>
+            <a:ext cx="6096000" cy="3429000"/>
           </a:xfrm>
           <a:custGeom>
+            <a:avLst/>
+            <a:gdLst/>
+            <a:ahLst/>
+            <a:cxnLst/>
+            <a:rect l="0" t="0" r="0" b="0"/>
             <a:pathLst>
-              <a:path extrusionOk="0" h="120000" w="120000">
+              <a:path w="120000" h="120000" extrusionOk="0">
                 <a:moveTo>
                   <a:pt x="0" y="0"/>
                 </a:moveTo>
@@ -463,9 +578,11 @@
       <p:sp>
         <p:nvSpPr>
           <p:cNvPr id="84" name="Shape 84"/>
-          <p:cNvSpPr txBox="1"/>
+          <p:cNvSpPr txBox="1">
+            <a:spLocks noGrp="1"/>
+          </p:cNvSpPr>
           <p:nvPr>
-            <p:ph idx="1" type="body"/>
+            <p:ph type="body" idx="1"/>
           </p:nvPr>
         </p:nvSpPr>
         <p:spPr>
@@ -478,20 +595,17 @@
           </a:prstGeom>
         </p:spPr>
         <p:txBody>
-          <a:bodyPr anchorCtr="0" anchor="t" bIns="91425" lIns="91425" rIns="91425" wrap="square" tIns="91425">
+          <a:bodyPr wrap="square" lIns="91425" tIns="91425" rIns="91425" bIns="91425" anchor="t" anchorCtr="0">
             <a:noAutofit/>
           </a:bodyPr>
           <a:lstStyle/>
           <a:p>
-            <a:pPr indent="0" lvl="0" marL="0">
+            <a:pPr marL="0" lvl="0" indent="0">
               <a:spcBef>
                 <a:spcPts val="0"/>
               </a:spcBef>
               <a:buNone/>
             </a:pPr>
-            <a:r>
-              <a:t/>
-            </a:r>
             <a:endParaRPr/>
           </a:p>
         </p:txBody>
@@ -505,11 +619,11 @@
 </file>
 
 <file path=ppt/notesSlides/notesSlide10.xml><?xml version="1.0" encoding="utf-8"?>
-<p:notes xmlns:a="http://schemas.openxmlformats.org/drawingml/2006/main" xmlns:r="http://schemas.openxmlformats.org/officeDocument/2006/relationships" xmlns:mc="http://schemas.openxmlformats.org/markup-compatibility/2006" xmlns:mv="urn:schemas-microsoft-com:mac:vml" xmlns:p="http://schemas.openxmlformats.org/presentationml/2006/main" xmlns:c="http://schemas.openxmlformats.org/drawingml/2006/chart" xmlns:dgm="http://schemas.openxmlformats.org/drawingml/2006/diagram" xmlns:o="urn:schemas-microsoft-com:office:office" xmlns:v="urn:schemas-microsoft-com:vml" xmlns:pvml="urn:schemas-microsoft-com:office:powerpoint" xmlns:com="http://schemas.openxmlformats.org/drawingml/2006/compatibility" xmlns:p14="http://schemas.microsoft.com/office/powerpoint/2010/main" xmlns:p15="http://schemas.microsoft.com/office/powerpoint/2012/main" showMasterPhAnim="0" showMasterSp="0">
+<p:notes xmlns:a="http://schemas.openxmlformats.org/drawingml/2006/main" xmlns:r="http://schemas.openxmlformats.org/officeDocument/2006/relationships" xmlns:p="http://schemas.openxmlformats.org/presentationml/2006/main" showMasterSp="0" showMasterPhAnim="0">
   <p:cSld>
     <p:spTree>
       <p:nvGrpSpPr>
-        <p:cNvPr id="134" name="Shape 134"/>
+        <p:cNvPr id="1" name="Shape 134"/>
         <p:cNvGrpSpPr/>
         <p:nvPr/>
       </p:nvGrpSpPr>
@@ -524,9 +638,11 @@
       <p:sp>
         <p:nvSpPr>
           <p:cNvPr id="135" name="Shape 135"/>
-          <p:cNvSpPr/>
+          <p:cNvSpPr>
+            <a:spLocks noGrp="1" noRot="1" noChangeAspect="1"/>
+          </p:cNvSpPr>
           <p:nvPr>
-            <p:ph idx="2" type="sldImg"/>
+            <p:ph type="sldImg" idx="2"/>
           </p:nvPr>
         </p:nvSpPr>
         <p:spPr>
@@ -535,8 +651,13 @@
             <a:ext cx="6096000" cy="3429000"/>
           </a:xfrm>
           <a:custGeom>
+            <a:avLst/>
+            <a:gdLst/>
+            <a:ahLst/>
+            <a:cxnLst/>
+            <a:rect l="0" t="0" r="0" b="0"/>
             <a:pathLst>
-              <a:path extrusionOk="0" h="120000" w="120000">
+              <a:path w="120000" h="120000" extrusionOk="0">
                 <a:moveTo>
                   <a:pt x="0" y="0"/>
                 </a:moveTo>
@@ -558,9 +679,11 @@
       <p:sp>
         <p:nvSpPr>
           <p:cNvPr id="136" name="Shape 136"/>
-          <p:cNvSpPr txBox="1"/>
+          <p:cNvSpPr txBox="1">
+            <a:spLocks noGrp="1"/>
+          </p:cNvSpPr>
           <p:nvPr>
-            <p:ph idx="1" type="body"/>
+            <p:ph type="body" idx="1"/>
           </p:nvPr>
         </p:nvSpPr>
         <p:spPr>
@@ -573,20 +696,17 @@
           </a:prstGeom>
         </p:spPr>
         <p:txBody>
-          <a:bodyPr anchorCtr="0" anchor="t" bIns="91425" lIns="91425" rIns="91425" wrap="square" tIns="91425">
+          <a:bodyPr wrap="square" lIns="91425" tIns="91425" rIns="91425" bIns="91425" anchor="t" anchorCtr="0">
             <a:noAutofit/>
           </a:bodyPr>
           <a:lstStyle/>
           <a:p>
-            <a:pPr indent="0" lvl="0" marL="0">
+            <a:pPr marL="0" lvl="0" indent="0">
               <a:spcBef>
                 <a:spcPts val="0"/>
               </a:spcBef>
               <a:buNone/>
             </a:pPr>
-            <a:r>
-              <a:t/>
-            </a:r>
             <a:endParaRPr/>
           </a:p>
         </p:txBody>
@@ -600,11 +720,11 @@
 </file>
 
 <file path=ppt/notesSlides/notesSlide2.xml><?xml version="1.0" encoding="utf-8"?>
-<p:notes xmlns:a="http://schemas.openxmlformats.org/drawingml/2006/main" xmlns:r="http://schemas.openxmlformats.org/officeDocument/2006/relationships" xmlns:mc="http://schemas.openxmlformats.org/markup-compatibility/2006" xmlns:mv="urn:schemas-microsoft-com:mac:vml" xmlns:p="http://schemas.openxmlformats.org/presentationml/2006/main" xmlns:c="http://schemas.openxmlformats.org/drawingml/2006/chart" xmlns:dgm="http://schemas.openxmlformats.org/drawingml/2006/diagram" xmlns:o="urn:schemas-microsoft-com:office:office" xmlns:v="urn:schemas-microsoft-com:vml" xmlns:pvml="urn:schemas-microsoft-com:office:powerpoint" xmlns:com="http://schemas.openxmlformats.org/drawingml/2006/compatibility" xmlns:p14="http://schemas.microsoft.com/office/powerpoint/2010/main" xmlns:p15="http://schemas.microsoft.com/office/powerpoint/2012/main" showMasterPhAnim="0" showMasterSp="0">
+<p:notes xmlns:a="http://schemas.openxmlformats.org/drawingml/2006/main" xmlns:r="http://schemas.openxmlformats.org/officeDocument/2006/relationships" xmlns:p="http://schemas.openxmlformats.org/presentationml/2006/main" showMasterSp="0" showMasterPhAnim="0">
   <p:cSld>
     <p:spTree>
       <p:nvGrpSpPr>
-        <p:cNvPr id="88" name="Shape 88"/>
+        <p:cNvPr id="1" name="Shape 88"/>
         <p:cNvGrpSpPr/>
         <p:nvPr/>
       </p:nvGrpSpPr>
@@ -619,9 +739,11 @@
       <p:sp>
         <p:nvSpPr>
           <p:cNvPr id="89" name="Shape 89"/>
-          <p:cNvSpPr/>
+          <p:cNvSpPr>
+            <a:spLocks noGrp="1" noRot="1" noChangeAspect="1"/>
+          </p:cNvSpPr>
           <p:nvPr>
-            <p:ph idx="2" type="sldImg"/>
+            <p:ph type="sldImg" idx="2"/>
           </p:nvPr>
         </p:nvSpPr>
         <p:spPr>
@@ -630,8 +752,13 @@
             <a:ext cx="6096000" cy="3429000"/>
           </a:xfrm>
           <a:custGeom>
+            <a:avLst/>
+            <a:gdLst/>
+            <a:ahLst/>
+            <a:cxnLst/>
+            <a:rect l="0" t="0" r="0" b="0"/>
             <a:pathLst>
-              <a:path extrusionOk="0" h="120000" w="120000">
+              <a:path w="120000" h="120000" extrusionOk="0">
                 <a:moveTo>
                   <a:pt x="0" y="0"/>
                 </a:moveTo>
@@ -653,9 +780,11 @@
       <p:sp>
         <p:nvSpPr>
           <p:cNvPr id="90" name="Shape 90"/>
-          <p:cNvSpPr txBox="1"/>
+          <p:cNvSpPr txBox="1">
+            <a:spLocks noGrp="1"/>
+          </p:cNvSpPr>
           <p:nvPr>
-            <p:ph idx="1" type="body"/>
+            <p:ph type="body" idx="1"/>
           </p:nvPr>
         </p:nvSpPr>
         <p:spPr>
@@ -668,20 +797,17 @@
           </a:prstGeom>
         </p:spPr>
         <p:txBody>
-          <a:bodyPr anchorCtr="0" anchor="t" bIns="91425" lIns="91425" rIns="91425" wrap="square" tIns="91425">
+          <a:bodyPr wrap="square" lIns="91425" tIns="91425" rIns="91425" bIns="91425" anchor="t" anchorCtr="0">
             <a:noAutofit/>
           </a:bodyPr>
           <a:lstStyle/>
           <a:p>
-            <a:pPr indent="0" lvl="0" marL="0">
+            <a:pPr marL="0" lvl="0" indent="0">
               <a:spcBef>
                 <a:spcPts val="0"/>
               </a:spcBef>
               <a:buNone/>
             </a:pPr>
-            <a:r>
-              <a:t/>
-            </a:r>
             <a:endParaRPr/>
           </a:p>
         </p:txBody>
@@ -695,11 +821,11 @@
 </file>
 
 <file path=ppt/notesSlides/notesSlide3.xml><?xml version="1.0" encoding="utf-8"?>
-<p:notes xmlns:a="http://schemas.openxmlformats.org/drawingml/2006/main" xmlns:r="http://schemas.openxmlformats.org/officeDocument/2006/relationships" xmlns:mc="http://schemas.openxmlformats.org/markup-compatibility/2006" xmlns:mv="urn:schemas-microsoft-com:mac:vml" xmlns:p="http://schemas.openxmlformats.org/presentationml/2006/main" xmlns:c="http://schemas.openxmlformats.org/drawingml/2006/chart" xmlns:dgm="http://schemas.openxmlformats.org/drawingml/2006/diagram" xmlns:o="urn:schemas-microsoft-com:office:office" xmlns:v="urn:schemas-microsoft-com:vml" xmlns:pvml="urn:schemas-microsoft-com:office:powerpoint" xmlns:com="http://schemas.openxmlformats.org/drawingml/2006/compatibility" xmlns:p14="http://schemas.microsoft.com/office/powerpoint/2010/main" xmlns:p15="http://schemas.microsoft.com/office/powerpoint/2012/main" showMasterPhAnim="0" showMasterSp="0">
+<p:notes xmlns:a="http://schemas.openxmlformats.org/drawingml/2006/main" xmlns:r="http://schemas.openxmlformats.org/officeDocument/2006/relationships" xmlns:p="http://schemas.openxmlformats.org/presentationml/2006/main" showMasterSp="0" showMasterPhAnim="0">
   <p:cSld>
     <p:spTree>
       <p:nvGrpSpPr>
-        <p:cNvPr id="94" name="Shape 94"/>
+        <p:cNvPr id="1" name="Shape 94"/>
         <p:cNvGrpSpPr/>
         <p:nvPr/>
       </p:nvGrpSpPr>
@@ -714,19 +840,26 @@
       <p:sp>
         <p:nvSpPr>
           <p:cNvPr id="95" name="Shape 95"/>
-          <p:cNvSpPr/>
+          <p:cNvSpPr>
+            <a:spLocks noGrp="1" noRot="1" noChangeAspect="1"/>
+          </p:cNvSpPr>
           <p:nvPr>
-            <p:ph idx="2" type="sldImg"/>
+            <p:ph type="sldImg" idx="2"/>
           </p:nvPr>
         </p:nvSpPr>
         <p:spPr>
           <a:xfrm>
-            <a:off x="381300" y="685800"/>
+            <a:off x="381000" y="685800"/>
             <a:ext cx="6096000" cy="3429000"/>
           </a:xfrm>
           <a:custGeom>
+            <a:avLst/>
+            <a:gdLst/>
+            <a:ahLst/>
+            <a:cxnLst/>
+            <a:rect l="0" t="0" r="0" b="0"/>
             <a:pathLst>
-              <a:path extrusionOk="0" h="120000" w="120000">
+              <a:path w="120000" h="120000" extrusionOk="0">
                 <a:moveTo>
                   <a:pt x="0" y="0"/>
                 </a:moveTo>
@@ -748,9 +881,11 @@
       <p:sp>
         <p:nvSpPr>
           <p:cNvPr id="96" name="Shape 96"/>
-          <p:cNvSpPr txBox="1"/>
+          <p:cNvSpPr txBox="1">
+            <a:spLocks noGrp="1"/>
+          </p:cNvSpPr>
           <p:nvPr>
-            <p:ph idx="1" type="body"/>
+            <p:ph type="body" idx="1"/>
           </p:nvPr>
         </p:nvSpPr>
         <p:spPr>
@@ -763,20 +898,17 @@
           </a:prstGeom>
         </p:spPr>
         <p:txBody>
-          <a:bodyPr anchorCtr="0" anchor="t" bIns="91425" lIns="91425" rIns="91425" wrap="square" tIns="91425">
+          <a:bodyPr wrap="square" lIns="91425" tIns="91425" rIns="91425" bIns="91425" anchor="t" anchorCtr="0">
             <a:noAutofit/>
           </a:bodyPr>
           <a:lstStyle/>
           <a:p>
-            <a:pPr indent="0" lvl="0" marL="0" rtl="0">
+            <a:pPr marL="0" lvl="0" indent="0" rtl="0">
               <a:spcBef>
                 <a:spcPts val="0"/>
               </a:spcBef>
               <a:buNone/>
             </a:pPr>
-            <a:r>
-              <a:t/>
-            </a:r>
             <a:endParaRPr/>
           </a:p>
         </p:txBody>
@@ -790,11 +922,11 @@
 </file>
 
 <file path=ppt/notesSlides/notesSlide4.xml><?xml version="1.0" encoding="utf-8"?>
-<p:notes xmlns:a="http://schemas.openxmlformats.org/drawingml/2006/main" xmlns:r="http://schemas.openxmlformats.org/officeDocument/2006/relationships" xmlns:mc="http://schemas.openxmlformats.org/markup-compatibility/2006" xmlns:mv="urn:schemas-microsoft-com:mac:vml" xmlns:p="http://schemas.openxmlformats.org/presentationml/2006/main" xmlns:c="http://schemas.openxmlformats.org/drawingml/2006/chart" xmlns:dgm="http://schemas.openxmlformats.org/drawingml/2006/diagram" xmlns:o="urn:schemas-microsoft-com:office:office" xmlns:v="urn:schemas-microsoft-com:vml" xmlns:pvml="urn:schemas-microsoft-com:office:powerpoint" xmlns:com="http://schemas.openxmlformats.org/drawingml/2006/compatibility" xmlns:p14="http://schemas.microsoft.com/office/powerpoint/2010/main" xmlns:p15="http://schemas.microsoft.com/office/powerpoint/2012/main" showMasterPhAnim="0" showMasterSp="0">
+<p:notes xmlns:a="http://schemas.openxmlformats.org/drawingml/2006/main" xmlns:r="http://schemas.openxmlformats.org/officeDocument/2006/relationships" xmlns:p="http://schemas.openxmlformats.org/presentationml/2006/main" showMasterSp="0" showMasterPhAnim="0">
   <p:cSld>
     <p:spTree>
       <p:nvGrpSpPr>
-        <p:cNvPr id="100" name="Shape 100"/>
+        <p:cNvPr id="1" name="Shape 100"/>
         <p:cNvGrpSpPr/>
         <p:nvPr/>
       </p:nvGrpSpPr>
@@ -809,19 +941,26 @@
       <p:sp>
         <p:nvSpPr>
           <p:cNvPr id="101" name="Shape 101"/>
-          <p:cNvSpPr/>
+          <p:cNvSpPr>
+            <a:spLocks noGrp="1" noRot="1" noChangeAspect="1"/>
+          </p:cNvSpPr>
           <p:nvPr>
-            <p:ph idx="2" type="sldImg"/>
+            <p:ph type="sldImg" idx="2"/>
           </p:nvPr>
         </p:nvSpPr>
         <p:spPr>
           <a:xfrm>
-            <a:off x="381300" y="685800"/>
+            <a:off x="381000" y="685800"/>
             <a:ext cx="6096000" cy="3429000"/>
           </a:xfrm>
           <a:custGeom>
+            <a:avLst/>
+            <a:gdLst/>
+            <a:ahLst/>
+            <a:cxnLst/>
+            <a:rect l="0" t="0" r="0" b="0"/>
             <a:pathLst>
-              <a:path extrusionOk="0" h="120000" w="120000">
+              <a:path w="120000" h="120000" extrusionOk="0">
                 <a:moveTo>
                   <a:pt x="0" y="0"/>
                 </a:moveTo>
@@ -843,9 +982,11 @@
       <p:sp>
         <p:nvSpPr>
           <p:cNvPr id="102" name="Shape 102"/>
-          <p:cNvSpPr txBox="1"/>
+          <p:cNvSpPr txBox="1">
+            <a:spLocks noGrp="1"/>
+          </p:cNvSpPr>
           <p:nvPr>
-            <p:ph idx="1" type="body"/>
+            <p:ph type="body" idx="1"/>
           </p:nvPr>
         </p:nvSpPr>
         <p:spPr>
@@ -858,20 +999,17 @@
           </a:prstGeom>
         </p:spPr>
         <p:txBody>
-          <a:bodyPr anchorCtr="0" anchor="t" bIns="91425" lIns="91425" rIns="91425" wrap="square" tIns="91425">
+          <a:bodyPr wrap="square" lIns="91425" tIns="91425" rIns="91425" bIns="91425" anchor="t" anchorCtr="0">
             <a:noAutofit/>
           </a:bodyPr>
           <a:lstStyle/>
           <a:p>
-            <a:pPr indent="0" lvl="0" marL="0" rtl="0">
+            <a:pPr marL="0" lvl="0" indent="0" rtl="0">
               <a:spcBef>
                 <a:spcPts val="0"/>
               </a:spcBef>
               <a:buNone/>
             </a:pPr>
-            <a:r>
-              <a:t/>
-            </a:r>
             <a:endParaRPr/>
           </a:p>
         </p:txBody>
@@ -885,11 +1023,11 @@
 </file>
 
 <file path=ppt/notesSlides/notesSlide5.xml><?xml version="1.0" encoding="utf-8"?>
-<p:notes xmlns:a="http://schemas.openxmlformats.org/drawingml/2006/main" xmlns:r="http://schemas.openxmlformats.org/officeDocument/2006/relationships" xmlns:mc="http://schemas.openxmlformats.org/markup-compatibility/2006" xmlns:mv="urn:schemas-microsoft-com:mac:vml" xmlns:p="http://schemas.openxmlformats.org/presentationml/2006/main" xmlns:c="http://schemas.openxmlformats.org/drawingml/2006/chart" xmlns:dgm="http://schemas.openxmlformats.org/drawingml/2006/diagram" xmlns:o="urn:schemas-microsoft-com:office:office" xmlns:v="urn:schemas-microsoft-com:vml" xmlns:pvml="urn:schemas-microsoft-com:office:powerpoint" xmlns:com="http://schemas.openxmlformats.org/drawingml/2006/compatibility" xmlns:p14="http://schemas.microsoft.com/office/powerpoint/2010/main" xmlns:p15="http://schemas.microsoft.com/office/powerpoint/2012/main" showMasterPhAnim="0" showMasterSp="0">
+<p:notes xmlns:a="http://schemas.openxmlformats.org/drawingml/2006/main" xmlns:r="http://schemas.openxmlformats.org/officeDocument/2006/relationships" xmlns:p="http://schemas.openxmlformats.org/presentationml/2006/main" showMasterSp="0" showMasterPhAnim="0">
   <p:cSld>
     <p:spTree>
       <p:nvGrpSpPr>
-        <p:cNvPr id="106" name="Shape 106"/>
+        <p:cNvPr id="1" name="Shape 106"/>
         <p:cNvGrpSpPr/>
         <p:nvPr/>
       </p:nvGrpSpPr>
@@ -904,19 +1042,26 @@
       <p:sp>
         <p:nvSpPr>
           <p:cNvPr id="107" name="Shape 107"/>
-          <p:cNvSpPr/>
+          <p:cNvSpPr>
+            <a:spLocks noGrp="1" noRot="1" noChangeAspect="1"/>
+          </p:cNvSpPr>
           <p:nvPr>
-            <p:ph idx="2" type="sldImg"/>
+            <p:ph type="sldImg" idx="2"/>
           </p:nvPr>
         </p:nvSpPr>
         <p:spPr>
           <a:xfrm>
-            <a:off x="381300" y="685800"/>
+            <a:off x="381000" y="685800"/>
             <a:ext cx="6096000" cy="3429000"/>
           </a:xfrm>
           <a:custGeom>
+            <a:avLst/>
+            <a:gdLst/>
+            <a:ahLst/>
+            <a:cxnLst/>
+            <a:rect l="0" t="0" r="0" b="0"/>
             <a:pathLst>
-              <a:path extrusionOk="0" h="120000" w="120000">
+              <a:path w="120000" h="120000" extrusionOk="0">
                 <a:moveTo>
                   <a:pt x="0" y="0"/>
                 </a:moveTo>
@@ -938,9 +1083,11 @@
       <p:sp>
         <p:nvSpPr>
           <p:cNvPr id="108" name="Shape 108"/>
-          <p:cNvSpPr txBox="1"/>
+          <p:cNvSpPr txBox="1">
+            <a:spLocks noGrp="1"/>
+          </p:cNvSpPr>
           <p:nvPr>
-            <p:ph idx="1" type="body"/>
+            <p:ph type="body" idx="1"/>
           </p:nvPr>
         </p:nvSpPr>
         <p:spPr>
@@ -953,20 +1100,17 @@
           </a:prstGeom>
         </p:spPr>
         <p:txBody>
-          <a:bodyPr anchorCtr="0" anchor="t" bIns="91425" lIns="91425" rIns="91425" wrap="square" tIns="91425">
+          <a:bodyPr wrap="square" lIns="91425" tIns="91425" rIns="91425" bIns="91425" anchor="t" anchorCtr="0">
             <a:noAutofit/>
           </a:bodyPr>
           <a:lstStyle/>
           <a:p>
-            <a:pPr indent="0" lvl="0" marL="0" rtl="0">
+            <a:pPr marL="0" lvl="0" indent="0" rtl="0">
               <a:spcBef>
                 <a:spcPts val="0"/>
               </a:spcBef>
               <a:buNone/>
             </a:pPr>
-            <a:r>
-              <a:t/>
-            </a:r>
             <a:endParaRPr/>
           </a:p>
         </p:txBody>
@@ -980,11 +1124,11 @@
 </file>
 
 <file path=ppt/notesSlides/notesSlide6.xml><?xml version="1.0" encoding="utf-8"?>
-<p:notes xmlns:a="http://schemas.openxmlformats.org/drawingml/2006/main" xmlns:r="http://schemas.openxmlformats.org/officeDocument/2006/relationships" xmlns:mc="http://schemas.openxmlformats.org/markup-compatibility/2006" xmlns:mv="urn:schemas-microsoft-com:mac:vml" xmlns:p="http://schemas.openxmlformats.org/presentationml/2006/main" xmlns:c="http://schemas.openxmlformats.org/drawingml/2006/chart" xmlns:dgm="http://schemas.openxmlformats.org/drawingml/2006/diagram" xmlns:o="urn:schemas-microsoft-com:office:office" xmlns:v="urn:schemas-microsoft-com:vml" xmlns:pvml="urn:schemas-microsoft-com:office:powerpoint" xmlns:com="http://schemas.openxmlformats.org/drawingml/2006/compatibility" xmlns:p14="http://schemas.microsoft.com/office/powerpoint/2010/main" xmlns:p15="http://schemas.microsoft.com/office/powerpoint/2012/main" showMasterPhAnim="0" showMasterSp="0">
+<p:notes xmlns:a="http://schemas.openxmlformats.org/drawingml/2006/main" xmlns:r="http://schemas.openxmlformats.org/officeDocument/2006/relationships" xmlns:p="http://schemas.openxmlformats.org/presentationml/2006/main" showMasterSp="0" showMasterPhAnim="0">
   <p:cSld>
     <p:spTree>
       <p:nvGrpSpPr>
-        <p:cNvPr id="112" name="Shape 112"/>
+        <p:cNvPr id="1" name="Shape 112"/>
         <p:cNvGrpSpPr/>
         <p:nvPr/>
       </p:nvGrpSpPr>
@@ -999,9 +1143,11 @@
       <p:sp>
         <p:nvSpPr>
           <p:cNvPr id="113" name="Shape 113"/>
-          <p:cNvSpPr/>
+          <p:cNvSpPr>
+            <a:spLocks noGrp="1" noRot="1" noChangeAspect="1"/>
+          </p:cNvSpPr>
           <p:nvPr>
-            <p:ph idx="2" type="sldImg"/>
+            <p:ph type="sldImg" idx="2"/>
           </p:nvPr>
         </p:nvSpPr>
         <p:spPr>
@@ -1010,8 +1156,13 @@
             <a:ext cx="6096000" cy="3429000"/>
           </a:xfrm>
           <a:custGeom>
+            <a:avLst/>
+            <a:gdLst/>
+            <a:ahLst/>
+            <a:cxnLst/>
+            <a:rect l="0" t="0" r="0" b="0"/>
             <a:pathLst>
-              <a:path extrusionOk="0" h="120000" w="120000">
+              <a:path w="120000" h="120000" extrusionOk="0">
                 <a:moveTo>
                   <a:pt x="0" y="0"/>
                 </a:moveTo>
@@ -1033,9 +1184,11 @@
       <p:sp>
         <p:nvSpPr>
           <p:cNvPr id="114" name="Shape 114"/>
-          <p:cNvSpPr txBox="1"/>
+          <p:cNvSpPr txBox="1">
+            <a:spLocks noGrp="1"/>
+          </p:cNvSpPr>
           <p:nvPr>
-            <p:ph idx="1" type="body"/>
+            <p:ph type="body" idx="1"/>
           </p:nvPr>
         </p:nvSpPr>
         <p:spPr>
@@ -1048,20 +1201,17 @@
           </a:prstGeom>
         </p:spPr>
         <p:txBody>
-          <a:bodyPr anchorCtr="0" anchor="t" bIns="91425" lIns="91425" rIns="91425" wrap="square" tIns="91425">
+          <a:bodyPr wrap="square" lIns="91425" tIns="91425" rIns="91425" bIns="91425" anchor="t" anchorCtr="0">
             <a:noAutofit/>
           </a:bodyPr>
           <a:lstStyle/>
           <a:p>
-            <a:pPr indent="0" lvl="0" marL="0" rtl="0">
+            <a:pPr marL="0" lvl="0" indent="0" rtl="0">
               <a:spcBef>
                 <a:spcPts val="0"/>
               </a:spcBef>
               <a:buNone/>
             </a:pPr>
-            <a:r>
-              <a:t/>
-            </a:r>
             <a:endParaRPr/>
           </a:p>
         </p:txBody>
@@ -1075,11 +1225,11 @@
 </file>
 
 <file path=ppt/notesSlides/notesSlide7.xml><?xml version="1.0" encoding="utf-8"?>
-<p:notes xmlns:a="http://schemas.openxmlformats.org/drawingml/2006/main" xmlns:r="http://schemas.openxmlformats.org/officeDocument/2006/relationships" xmlns:mc="http://schemas.openxmlformats.org/markup-compatibility/2006" xmlns:mv="urn:schemas-microsoft-com:mac:vml" xmlns:p="http://schemas.openxmlformats.org/presentationml/2006/main" xmlns:c="http://schemas.openxmlformats.org/drawingml/2006/chart" xmlns:dgm="http://schemas.openxmlformats.org/drawingml/2006/diagram" xmlns:o="urn:schemas-microsoft-com:office:office" xmlns:v="urn:schemas-microsoft-com:vml" xmlns:pvml="urn:schemas-microsoft-com:office:powerpoint" xmlns:com="http://schemas.openxmlformats.org/drawingml/2006/compatibility" xmlns:p14="http://schemas.microsoft.com/office/powerpoint/2010/main" xmlns:p15="http://schemas.microsoft.com/office/powerpoint/2012/main" showMasterPhAnim="0" showMasterSp="0">
+<p:notes xmlns:a="http://schemas.openxmlformats.org/drawingml/2006/main" xmlns:r="http://schemas.openxmlformats.org/officeDocument/2006/relationships" xmlns:p="http://schemas.openxmlformats.org/presentationml/2006/main" showMasterSp="0" showMasterPhAnim="0">
   <p:cSld>
     <p:spTree>
       <p:nvGrpSpPr>
-        <p:cNvPr id="118" name="Shape 118"/>
+        <p:cNvPr id="1" name="Shape 118"/>
         <p:cNvGrpSpPr/>
         <p:nvPr/>
       </p:nvGrpSpPr>
@@ -1094,19 +1244,26 @@
       <p:sp>
         <p:nvSpPr>
           <p:cNvPr id="119" name="Shape 119"/>
-          <p:cNvSpPr/>
+          <p:cNvSpPr>
+            <a:spLocks noGrp="1" noRot="1" noChangeAspect="1"/>
+          </p:cNvSpPr>
           <p:nvPr>
-            <p:ph idx="2" type="sldImg"/>
+            <p:ph type="sldImg" idx="2"/>
           </p:nvPr>
         </p:nvSpPr>
         <p:spPr>
           <a:xfrm>
-            <a:off x="381300" y="685800"/>
+            <a:off x="381000" y="685800"/>
             <a:ext cx="6096000" cy="3429000"/>
           </a:xfrm>
           <a:custGeom>
+            <a:avLst/>
+            <a:gdLst/>
+            <a:ahLst/>
+            <a:cxnLst/>
+            <a:rect l="0" t="0" r="0" b="0"/>
             <a:pathLst>
-              <a:path extrusionOk="0" h="120000" w="120000">
+              <a:path w="120000" h="120000" extrusionOk="0">
                 <a:moveTo>
                   <a:pt x="0" y="0"/>
                 </a:moveTo>
@@ -1128,9 +1285,11 @@
       <p:sp>
         <p:nvSpPr>
           <p:cNvPr id="120" name="Shape 120"/>
-          <p:cNvSpPr txBox="1"/>
+          <p:cNvSpPr txBox="1">
+            <a:spLocks noGrp="1"/>
+          </p:cNvSpPr>
           <p:nvPr>
-            <p:ph idx="1" type="body"/>
+            <p:ph type="body" idx="1"/>
           </p:nvPr>
         </p:nvSpPr>
         <p:spPr>
@@ -1143,20 +1302,17 @@
           </a:prstGeom>
         </p:spPr>
         <p:txBody>
-          <a:bodyPr anchorCtr="0" anchor="t" bIns="91425" lIns="91425" rIns="91425" wrap="square" tIns="91425">
+          <a:bodyPr wrap="square" lIns="91425" tIns="91425" rIns="91425" bIns="91425" anchor="t" anchorCtr="0">
             <a:noAutofit/>
           </a:bodyPr>
           <a:lstStyle/>
           <a:p>
-            <a:pPr indent="0" lvl="0" marL="0" rtl="0">
+            <a:pPr marL="0" lvl="0" indent="0" rtl="0">
               <a:spcBef>
                 <a:spcPts val="0"/>
               </a:spcBef>
               <a:buNone/>
             </a:pPr>
-            <a:r>
-              <a:t/>
-            </a:r>
             <a:endParaRPr/>
           </a:p>
         </p:txBody>
@@ -1170,11 +1326,11 @@
 </file>
 
 <file path=ppt/notesSlides/notesSlide8.xml><?xml version="1.0" encoding="utf-8"?>
-<p:notes xmlns:a="http://schemas.openxmlformats.org/drawingml/2006/main" xmlns:r="http://schemas.openxmlformats.org/officeDocument/2006/relationships" xmlns:mc="http://schemas.openxmlformats.org/markup-compatibility/2006" xmlns:mv="urn:schemas-microsoft-com:mac:vml" xmlns:p="http://schemas.openxmlformats.org/presentationml/2006/main" xmlns:c="http://schemas.openxmlformats.org/drawingml/2006/chart" xmlns:dgm="http://schemas.openxmlformats.org/drawingml/2006/diagram" xmlns:o="urn:schemas-microsoft-com:office:office" xmlns:v="urn:schemas-microsoft-com:vml" xmlns:pvml="urn:schemas-microsoft-com:office:powerpoint" xmlns:com="http://schemas.openxmlformats.org/drawingml/2006/compatibility" xmlns:p14="http://schemas.microsoft.com/office/powerpoint/2010/main" xmlns:p15="http://schemas.microsoft.com/office/powerpoint/2012/main" showMasterPhAnim="0" showMasterSp="0">
+<p:notes xmlns:a="http://schemas.openxmlformats.org/drawingml/2006/main" xmlns:r="http://schemas.openxmlformats.org/officeDocument/2006/relationships" xmlns:p="http://schemas.openxmlformats.org/presentationml/2006/main" showMasterSp="0" showMasterPhAnim="0">
   <p:cSld>
     <p:spTree>
       <p:nvGrpSpPr>
-        <p:cNvPr id="124" name="Shape 124"/>
+        <p:cNvPr id="1" name="Shape 124"/>
         <p:cNvGrpSpPr/>
         <p:nvPr/>
       </p:nvGrpSpPr>
@@ -1189,9 +1345,11 @@
       <p:sp>
         <p:nvSpPr>
           <p:cNvPr id="125" name="Shape 125"/>
-          <p:cNvSpPr/>
+          <p:cNvSpPr>
+            <a:spLocks noGrp="1" noRot="1" noChangeAspect="1"/>
+          </p:cNvSpPr>
           <p:nvPr>
-            <p:ph idx="2" type="sldImg"/>
+            <p:ph type="sldImg" idx="2"/>
           </p:nvPr>
         </p:nvSpPr>
         <p:spPr>
@@ -1200,8 +1358,13 @@
             <a:ext cx="6096000" cy="3429000"/>
           </a:xfrm>
           <a:custGeom>
+            <a:avLst/>
+            <a:gdLst/>
+            <a:ahLst/>
+            <a:cxnLst/>
+            <a:rect l="0" t="0" r="0" b="0"/>
             <a:pathLst>
-              <a:path extrusionOk="0" h="120000" w="120000">
+              <a:path w="120000" h="120000" extrusionOk="0">
                 <a:moveTo>
                   <a:pt x="0" y="0"/>
                 </a:moveTo>
@@ -1223,9 +1386,11 @@
       <p:sp>
         <p:nvSpPr>
           <p:cNvPr id="126" name="Shape 126"/>
-          <p:cNvSpPr txBox="1"/>
+          <p:cNvSpPr txBox="1">
+            <a:spLocks noGrp="1"/>
+          </p:cNvSpPr>
           <p:nvPr>
-            <p:ph idx="1" type="body"/>
+            <p:ph type="body" idx="1"/>
           </p:nvPr>
         </p:nvSpPr>
         <p:spPr>
@@ -1238,20 +1403,17 @@
           </a:prstGeom>
         </p:spPr>
         <p:txBody>
-          <a:bodyPr anchorCtr="0" anchor="t" bIns="91425" lIns="91425" rIns="91425" wrap="square" tIns="91425">
+          <a:bodyPr wrap="square" lIns="91425" tIns="91425" rIns="91425" bIns="91425" anchor="t" anchorCtr="0">
             <a:noAutofit/>
           </a:bodyPr>
           <a:lstStyle/>
           <a:p>
-            <a:pPr indent="0" lvl="0" marL="0" rtl="0">
+            <a:pPr marL="0" lvl="0" indent="0" rtl="0">
               <a:spcBef>
                 <a:spcPts val="0"/>
               </a:spcBef>
               <a:buNone/>
             </a:pPr>
-            <a:r>
-              <a:t/>
-            </a:r>
             <a:endParaRPr/>
           </a:p>
         </p:txBody>
@@ -1265,11 +1427,11 @@
 </file>
 
 <file path=ppt/notesSlides/notesSlide9.xml><?xml version="1.0" encoding="utf-8"?>
-<p:notes xmlns:a="http://schemas.openxmlformats.org/drawingml/2006/main" xmlns:r="http://schemas.openxmlformats.org/officeDocument/2006/relationships" xmlns:mc="http://schemas.openxmlformats.org/markup-compatibility/2006" xmlns:mv="urn:schemas-microsoft-com:mac:vml" xmlns:p="http://schemas.openxmlformats.org/presentationml/2006/main" xmlns:c="http://schemas.openxmlformats.org/drawingml/2006/chart" xmlns:dgm="http://schemas.openxmlformats.org/drawingml/2006/diagram" xmlns:o="urn:schemas-microsoft-com:office:office" xmlns:v="urn:schemas-microsoft-com:vml" xmlns:pvml="urn:schemas-microsoft-com:office:powerpoint" xmlns:com="http://schemas.openxmlformats.org/drawingml/2006/compatibility" xmlns:p14="http://schemas.microsoft.com/office/powerpoint/2010/main" xmlns:p15="http://schemas.microsoft.com/office/powerpoint/2012/main" showMasterPhAnim="0" showMasterSp="0">
+<p:notes xmlns:a="http://schemas.openxmlformats.org/drawingml/2006/main" xmlns:r="http://schemas.openxmlformats.org/officeDocument/2006/relationships" xmlns:p="http://schemas.openxmlformats.org/presentationml/2006/main" showMasterSp="0" showMasterPhAnim="0">
   <p:cSld>
     <p:spTree>
       <p:nvGrpSpPr>
-        <p:cNvPr id="129" name="Shape 129"/>
+        <p:cNvPr id="1" name="Shape 129"/>
         <p:cNvGrpSpPr/>
         <p:nvPr/>
       </p:nvGrpSpPr>
@@ -1284,9 +1446,11 @@
       <p:sp>
         <p:nvSpPr>
           <p:cNvPr id="130" name="Shape 130"/>
-          <p:cNvSpPr/>
+          <p:cNvSpPr>
+            <a:spLocks noGrp="1" noRot="1" noChangeAspect="1"/>
+          </p:cNvSpPr>
           <p:nvPr>
-            <p:ph idx="2" type="sldImg"/>
+            <p:ph type="sldImg" idx="2"/>
           </p:nvPr>
         </p:nvSpPr>
         <p:spPr>
@@ -1295,8 +1459,13 @@
             <a:ext cx="6096000" cy="3429000"/>
           </a:xfrm>
           <a:custGeom>
+            <a:avLst/>
+            <a:gdLst/>
+            <a:ahLst/>
+            <a:cxnLst/>
+            <a:rect l="0" t="0" r="0" b="0"/>
             <a:pathLst>
-              <a:path extrusionOk="0" h="120000" w="120000">
+              <a:path w="120000" h="120000" extrusionOk="0">
                 <a:moveTo>
                   <a:pt x="0" y="0"/>
                 </a:moveTo>
@@ -1318,9 +1487,11 @@
       <p:sp>
         <p:nvSpPr>
           <p:cNvPr id="131" name="Shape 131"/>
-          <p:cNvSpPr txBox="1"/>
+          <p:cNvSpPr txBox="1">
+            <a:spLocks noGrp="1"/>
+          </p:cNvSpPr>
           <p:nvPr>
-            <p:ph idx="1" type="body"/>
+            <p:ph type="body" idx="1"/>
           </p:nvPr>
         </p:nvSpPr>
         <p:spPr>
@@ -1333,20 +1504,17 @@
           </a:prstGeom>
         </p:spPr>
         <p:txBody>
-          <a:bodyPr anchorCtr="0" anchor="t" bIns="91425" lIns="91425" rIns="91425" wrap="square" tIns="91425">
+          <a:bodyPr wrap="square" lIns="91425" tIns="91425" rIns="91425" bIns="91425" anchor="t" anchorCtr="0">
             <a:noAutofit/>
           </a:bodyPr>
           <a:lstStyle/>
           <a:p>
-            <a:pPr indent="0" lvl="0" marL="0">
+            <a:pPr marL="0" lvl="0" indent="0">
               <a:spcBef>
                 <a:spcPts val="0"/>
               </a:spcBef>
               <a:buNone/>
             </a:pPr>
-            <a:r>
-              <a:t/>
-            </a:r>
             <a:endParaRPr/>
           </a:p>
         </p:txBody>
@@ -1360,18 +1528,19 @@
 </file>
 
 <file path=ppt/slideLayouts/slideLayout1.xml><?xml version="1.0" encoding="utf-8"?>
-<p:sldLayout xmlns:a="http://schemas.openxmlformats.org/drawingml/2006/main" xmlns:r="http://schemas.openxmlformats.org/officeDocument/2006/relationships" xmlns:mc="http://schemas.openxmlformats.org/markup-compatibility/2006" xmlns:mv="urn:schemas-microsoft-com:mac:vml" xmlns:p="http://schemas.openxmlformats.org/presentationml/2006/main" xmlns:c="http://schemas.openxmlformats.org/drawingml/2006/chart" xmlns:dgm="http://schemas.openxmlformats.org/drawingml/2006/diagram" xmlns:o="urn:schemas-microsoft-com:office:office" xmlns:v="urn:schemas-microsoft-com:vml" xmlns:pvml="urn:schemas-microsoft-com:office:powerpoint" xmlns:com="http://schemas.openxmlformats.org/drawingml/2006/compatibility" xmlns:p14="http://schemas.microsoft.com/office/powerpoint/2010/main" xmlns:p15="http://schemas.microsoft.com/office/powerpoint/2012/main" type="title">
+<p:sldLayout xmlns:a="http://schemas.openxmlformats.org/drawingml/2006/main" xmlns:r="http://schemas.openxmlformats.org/officeDocument/2006/relationships" xmlns:p="http://schemas.openxmlformats.org/presentationml/2006/main" type="title">
   <p:cSld name="Title slide">
     <p:bg>
       <p:bgPr>
         <a:solidFill>
           <a:schemeClr val="lt2"/>
         </a:solidFill>
+        <a:effectLst/>
       </p:bgPr>
     </p:bg>
     <p:spTree>
       <p:nvGrpSpPr>
-        <p:cNvPr id="9" name="Shape 9"/>
+        <p:cNvPr id="1" name="Shape 9"/>
         <p:cNvGrpSpPr/>
         <p:nvPr/>
       </p:nvGrpSpPr>
@@ -1405,20 +1574,17 @@
           </a:ln>
         </p:spPr>
         <p:txBody>
-          <a:bodyPr anchorCtr="0" anchor="ctr" bIns="91425" lIns="91425" rIns="91425" wrap="square" tIns="91425">
+          <a:bodyPr wrap="square" lIns="91425" tIns="91425" rIns="91425" bIns="91425" anchor="ctr" anchorCtr="0">
             <a:noAutofit/>
           </a:bodyPr>
           <a:lstStyle/>
           <a:p>
-            <a:pPr indent="0" lvl="0" marL="0">
+            <a:pPr marL="0" lvl="0" indent="0">
               <a:spcBef>
                 <a:spcPts val="0"/>
               </a:spcBef>
               <a:buNone/>
             </a:pPr>
-            <a:r>
-              <a:t/>
-            </a:r>
             <a:endParaRPr/>
           </a:p>
         </p:txBody>
@@ -1459,20 +1625,17 @@
             </a:ln>
           </p:spPr>
           <p:txBody>
-            <a:bodyPr anchorCtr="0" anchor="ctr" bIns="91425" lIns="91425" rIns="91425" wrap="square" tIns="91425">
+            <a:bodyPr wrap="square" lIns="91425" tIns="91425" rIns="91425" bIns="91425" anchor="ctr" anchorCtr="0">
               <a:noAutofit/>
             </a:bodyPr>
             <a:lstStyle/>
             <a:p>
-              <a:pPr indent="0" lvl="0" marL="0">
+              <a:pPr marL="0" lvl="0" indent="0">
                 <a:spcBef>
                   <a:spcPts val="0"/>
                 </a:spcBef>
                 <a:buNone/>
               </a:pPr>
-              <a:r>
-                <a:t/>
-              </a:r>
               <a:endParaRPr/>
             </a:p>
           </p:txBody>
@@ -1499,20 +1662,17 @@
             </a:ln>
           </p:spPr>
           <p:txBody>
-            <a:bodyPr anchorCtr="0" anchor="ctr" bIns="91425" lIns="91425" rIns="91425" wrap="square" tIns="91425">
+            <a:bodyPr wrap="square" lIns="91425" tIns="91425" rIns="91425" bIns="91425" anchor="ctr" anchorCtr="0">
               <a:noAutofit/>
             </a:bodyPr>
             <a:lstStyle/>
             <a:p>
-              <a:pPr indent="0" lvl="0" marL="0">
+              <a:pPr marL="0" lvl="0" indent="0">
                 <a:spcBef>
                   <a:spcPts val="0"/>
                 </a:spcBef>
                 <a:buNone/>
               </a:pPr>
-              <a:r>
-                <a:t/>
-              </a:r>
               <a:endParaRPr/>
             </a:p>
           </p:txBody>
@@ -1521,7 +1681,9 @@
       <p:sp>
         <p:nvSpPr>
           <p:cNvPr id="14" name="Shape 14"/>
-          <p:cNvSpPr txBox="1"/>
+          <p:cNvSpPr txBox="1">
+            <a:spLocks noGrp="1"/>
+          </p:cNvSpPr>
           <p:nvPr>
             <p:ph type="ctrTitle"/>
           </p:nvPr>
@@ -1536,7 +1698,7 @@
           </a:prstGeom>
         </p:spPr>
         <p:txBody>
-          <a:bodyPr anchorCtr="0" anchor="t" bIns="91425" lIns="91425" rIns="91425" wrap="square" tIns="91425"/>
+          <a:bodyPr wrap="square" lIns="91425" tIns="91425" rIns="91425" bIns="91425" anchor="t" anchorCtr="0"/>
           <a:lstStyle>
             <a:lvl1pPr lvl="0">
               <a:spcBef>
@@ -1674,15 +1836,19 @@
               </a:defRPr>
             </a:lvl9pPr>
           </a:lstStyle>
-          <a:p/>
+          <a:p>
+            <a:endParaRPr/>
+          </a:p>
         </p:txBody>
       </p:sp>
       <p:sp>
         <p:nvSpPr>
           <p:cNvPr id="15" name="Shape 15"/>
-          <p:cNvSpPr txBox="1"/>
+          <p:cNvSpPr txBox="1">
+            <a:spLocks noGrp="1"/>
+          </p:cNvSpPr>
           <p:nvPr>
-            <p:ph idx="1" type="subTitle"/>
+            <p:ph type="subTitle" idx="1"/>
           </p:nvPr>
         </p:nvSpPr>
         <p:spPr>
@@ -1695,7 +1861,7 @@
           </a:prstGeom>
         </p:spPr>
         <p:txBody>
-          <a:bodyPr anchorCtr="0" anchor="t" bIns="91425" lIns="91425" rIns="91425" wrap="square" tIns="91425"/>
+          <a:bodyPr wrap="square" lIns="91425" tIns="91425" rIns="91425" bIns="91425" anchor="t" anchorCtr="0"/>
           <a:lstStyle>
             <a:lvl1pPr lvl="0">
               <a:lnSpc>
@@ -1824,15 +1990,19 @@
               <a:defRPr sz="1600"/>
             </a:lvl9pPr>
           </a:lstStyle>
-          <a:p/>
+          <a:p>
+            <a:endParaRPr/>
+          </a:p>
         </p:txBody>
       </p:sp>
       <p:sp>
         <p:nvSpPr>
           <p:cNvPr id="16" name="Shape 16"/>
-          <p:cNvSpPr txBox="1"/>
+          <p:cNvSpPr txBox="1">
+            <a:spLocks noGrp="1"/>
+          </p:cNvSpPr>
           <p:nvPr>
-            <p:ph idx="12" type="sldNum"/>
+            <p:ph type="sldNum" idx="12"/>
           </p:nvPr>
         </p:nvSpPr>
         <p:spPr>
@@ -1845,12 +2015,12 @@
           </a:prstGeom>
         </p:spPr>
         <p:txBody>
-          <a:bodyPr anchorCtr="0" anchor="ctr" bIns="91425" lIns="91425" rIns="91425" wrap="square" tIns="91425">
+          <a:bodyPr wrap="square" lIns="91425" tIns="91425" rIns="91425" bIns="91425" anchor="ctr" anchorCtr="0">
             <a:noAutofit/>
           </a:bodyPr>
           <a:lstStyle/>
           <a:p>
-            <a:pPr indent="0" lvl="0" marL="0">
+            <a:pPr marL="0" lvl="0" indent="0">
               <a:spcBef>
                 <a:spcPts val="0"/>
               </a:spcBef>
@@ -1860,6 +2030,7 @@
               <a:rPr lang="zh-TW"/>
               <a:t>‹#›</a:t>
             </a:fld>
+            <a:endParaRPr lang="zh-TW"/>
           </a:p>
         </p:txBody>
       </p:sp>
@@ -1872,18 +2043,19 @@
 </file>
 
 <file path=ppt/slideLayouts/slideLayout10.xml><?xml version="1.0" encoding="utf-8"?>
-<p:sldLayout xmlns:a="http://schemas.openxmlformats.org/drawingml/2006/main" xmlns:r="http://schemas.openxmlformats.org/officeDocument/2006/relationships" xmlns:mc="http://schemas.openxmlformats.org/markup-compatibility/2006" xmlns:mv="urn:schemas-microsoft-com:mac:vml" xmlns:p="http://schemas.openxmlformats.org/presentationml/2006/main" xmlns:c="http://schemas.openxmlformats.org/drawingml/2006/chart" xmlns:dgm="http://schemas.openxmlformats.org/drawingml/2006/diagram" xmlns:o="urn:schemas-microsoft-com:office:office" xmlns:v="urn:schemas-microsoft-com:vml" xmlns:pvml="urn:schemas-microsoft-com:office:powerpoint" xmlns:com="http://schemas.openxmlformats.org/drawingml/2006/compatibility" xmlns:p14="http://schemas.microsoft.com/office/powerpoint/2010/main" xmlns:p15="http://schemas.microsoft.com/office/powerpoint/2012/main">
+<p:sldLayout xmlns:a="http://schemas.openxmlformats.org/drawingml/2006/main" xmlns:r="http://schemas.openxmlformats.org/officeDocument/2006/relationships" xmlns:p="http://schemas.openxmlformats.org/presentationml/2006/main">
   <p:cSld name="Big number">
     <p:bg>
       <p:bgPr>
         <a:solidFill>
           <a:schemeClr val="dk1"/>
         </a:solidFill>
+        <a:effectLst/>
       </p:bgPr>
     </p:bg>
     <p:spTree>
       <p:nvGrpSpPr>
-        <p:cNvPr id="73" name="Shape 73"/>
+        <p:cNvPr id="1" name="Shape 73"/>
         <p:cNvGrpSpPr/>
         <p:nvPr/>
       </p:nvGrpSpPr>
@@ -1931,20 +2103,17 @@
             </a:ln>
           </p:spPr>
           <p:txBody>
-            <a:bodyPr anchorCtr="0" anchor="ctr" bIns="91425" lIns="91425" rIns="91425" wrap="square" tIns="91425">
+            <a:bodyPr wrap="square" lIns="91425" tIns="91425" rIns="91425" bIns="91425" anchor="ctr" anchorCtr="0">
               <a:noAutofit/>
             </a:bodyPr>
             <a:lstStyle/>
             <a:p>
-              <a:pPr indent="0" lvl="0" marL="0">
+              <a:pPr marL="0" lvl="0" indent="0">
                 <a:spcBef>
                   <a:spcPts val="0"/>
                 </a:spcBef>
                 <a:buNone/>
               </a:pPr>
-              <a:r>
-                <a:t/>
-              </a:r>
               <a:endParaRPr/>
             </a:p>
           </p:txBody>
@@ -1971,20 +2140,17 @@
             </a:ln>
           </p:spPr>
           <p:txBody>
-            <a:bodyPr anchorCtr="0" anchor="ctr" bIns="91425" lIns="91425" rIns="91425" wrap="square" tIns="91425">
+            <a:bodyPr wrap="square" lIns="91425" tIns="91425" rIns="91425" bIns="91425" anchor="ctr" anchorCtr="0">
               <a:noAutofit/>
             </a:bodyPr>
             <a:lstStyle/>
             <a:p>
-              <a:pPr indent="0" lvl="0" marL="0">
+              <a:pPr marL="0" lvl="0" indent="0">
                 <a:spcBef>
                   <a:spcPts val="0"/>
                 </a:spcBef>
                 <a:buNone/>
               </a:pPr>
-              <a:r>
-                <a:t/>
-              </a:r>
               <a:endParaRPr/>
             </a:p>
           </p:txBody>
@@ -1993,7 +2159,9 @@
       <p:sp>
         <p:nvSpPr>
           <p:cNvPr id="77" name="Shape 77"/>
-          <p:cNvSpPr txBox="1"/>
+          <p:cNvSpPr txBox="1">
+            <a:spLocks noGrp="1"/>
+          </p:cNvSpPr>
           <p:nvPr>
             <p:ph type="title"/>
           </p:nvPr>
@@ -2008,7 +2176,7 @@
           </a:prstGeom>
         </p:spPr>
         <p:txBody>
-          <a:bodyPr anchorCtr="0" anchor="t" bIns="91425" lIns="91425" rIns="91425" wrap="square" tIns="91425"/>
+          <a:bodyPr wrap="square" lIns="91425" tIns="91425" rIns="91425" bIns="91425" anchor="t" anchorCtr="0"/>
           <a:lstStyle>
             <a:lvl1pPr lvl="0">
               <a:spcBef>
@@ -2146,15 +2314,19 @@
               </a:defRPr>
             </a:lvl9pPr>
           </a:lstStyle>
-          <a:p/>
+          <a:p>
+            <a:endParaRPr/>
+          </a:p>
         </p:txBody>
       </p:sp>
       <p:sp>
         <p:nvSpPr>
           <p:cNvPr id="78" name="Shape 78"/>
-          <p:cNvSpPr txBox="1"/>
+          <p:cNvSpPr txBox="1">
+            <a:spLocks noGrp="1"/>
+          </p:cNvSpPr>
           <p:nvPr>
-            <p:ph idx="1" type="body"/>
+            <p:ph type="body" idx="1"/>
           </p:nvPr>
         </p:nvSpPr>
         <p:spPr>
@@ -2167,7 +2339,7 @@
           </a:prstGeom>
         </p:spPr>
         <p:txBody>
-          <a:bodyPr anchorCtr="0" anchor="t" bIns="91425" lIns="91425" rIns="91425" wrap="square" tIns="91425"/>
+          <a:bodyPr wrap="square" lIns="91425" tIns="91425" rIns="91425" bIns="91425" anchor="t" anchorCtr="0"/>
           <a:lstStyle>
             <a:lvl1pPr lvl="0">
               <a:spcBef>
@@ -2305,15 +2477,19 @@
               </a:defRPr>
             </a:lvl9pPr>
           </a:lstStyle>
-          <a:p/>
+          <a:p>
+            <a:endParaRPr/>
+          </a:p>
         </p:txBody>
       </p:sp>
       <p:sp>
         <p:nvSpPr>
           <p:cNvPr id="79" name="Shape 79"/>
-          <p:cNvSpPr txBox="1"/>
+          <p:cNvSpPr txBox="1">
+            <a:spLocks noGrp="1"/>
+          </p:cNvSpPr>
           <p:nvPr>
-            <p:ph idx="12" type="sldNum"/>
+            <p:ph type="sldNum" idx="12"/>
           </p:nvPr>
         </p:nvSpPr>
         <p:spPr>
@@ -2326,12 +2502,12 @@
           </a:prstGeom>
         </p:spPr>
         <p:txBody>
-          <a:bodyPr anchorCtr="0" anchor="ctr" bIns="91425" lIns="91425" rIns="91425" wrap="square" tIns="91425">
+          <a:bodyPr wrap="square" lIns="91425" tIns="91425" rIns="91425" bIns="91425" anchor="ctr" anchorCtr="0">
             <a:noAutofit/>
           </a:bodyPr>
           <a:lstStyle/>
           <a:p>
-            <a:pPr indent="0" lvl="0" marL="0">
+            <a:pPr marL="0" lvl="0" indent="0">
               <a:spcBef>
                 <a:spcPts val="0"/>
               </a:spcBef>
@@ -2345,6 +2521,11 @@
               </a:rPr>
               <a:t>‹#›</a:t>
             </a:fld>
+            <a:endParaRPr lang="zh-TW">
+              <a:solidFill>
+                <a:schemeClr val="lt1"/>
+              </a:solidFill>
+            </a:endParaRPr>
           </a:p>
         </p:txBody>
       </p:sp>
@@ -2357,11 +2538,11 @@
 </file>
 
 <file path=ppt/slideLayouts/slideLayout11.xml><?xml version="1.0" encoding="utf-8"?>
-<p:sldLayout xmlns:a="http://schemas.openxmlformats.org/drawingml/2006/main" xmlns:r="http://schemas.openxmlformats.org/officeDocument/2006/relationships" xmlns:mc="http://schemas.openxmlformats.org/markup-compatibility/2006" xmlns:mv="urn:schemas-microsoft-com:mac:vml" xmlns:p="http://schemas.openxmlformats.org/presentationml/2006/main" xmlns:c="http://schemas.openxmlformats.org/drawingml/2006/chart" xmlns:dgm="http://schemas.openxmlformats.org/drawingml/2006/diagram" xmlns:o="urn:schemas-microsoft-com:office:office" xmlns:v="urn:schemas-microsoft-com:vml" xmlns:pvml="urn:schemas-microsoft-com:office:powerpoint" xmlns:com="http://schemas.openxmlformats.org/drawingml/2006/compatibility" xmlns:p14="http://schemas.microsoft.com/office/powerpoint/2010/main" xmlns:p15="http://schemas.microsoft.com/office/powerpoint/2012/main" type="blank">
+<p:sldLayout xmlns:a="http://schemas.openxmlformats.org/drawingml/2006/main" xmlns:r="http://schemas.openxmlformats.org/officeDocument/2006/relationships" xmlns:p="http://schemas.openxmlformats.org/presentationml/2006/main" type="blank">
   <p:cSld name="Blank">
     <p:spTree>
       <p:nvGrpSpPr>
-        <p:cNvPr id="80" name="Shape 80"/>
+        <p:cNvPr id="1" name="Shape 80"/>
         <p:cNvGrpSpPr/>
         <p:nvPr/>
       </p:nvGrpSpPr>
@@ -2376,9 +2557,11 @@
       <p:sp>
         <p:nvSpPr>
           <p:cNvPr id="81" name="Shape 81"/>
-          <p:cNvSpPr txBox="1"/>
+          <p:cNvSpPr txBox="1">
+            <a:spLocks noGrp="1"/>
+          </p:cNvSpPr>
           <p:nvPr>
-            <p:ph idx="12" type="sldNum"/>
+            <p:ph type="sldNum" idx="12"/>
           </p:nvPr>
         </p:nvSpPr>
         <p:spPr>
@@ -2391,12 +2574,12 @@
           </a:prstGeom>
         </p:spPr>
         <p:txBody>
-          <a:bodyPr anchorCtr="0" anchor="ctr" bIns="91425" lIns="91425" rIns="91425" wrap="square" tIns="91425">
+          <a:bodyPr wrap="square" lIns="91425" tIns="91425" rIns="91425" bIns="91425" anchor="ctr" anchorCtr="0">
             <a:noAutofit/>
           </a:bodyPr>
           <a:lstStyle/>
           <a:p>
-            <a:pPr indent="0" lvl="0" marL="0">
+            <a:pPr marL="0" lvl="0" indent="0">
               <a:spcBef>
                 <a:spcPts val="0"/>
               </a:spcBef>
@@ -2406,6 +2589,7 @@
               <a:rPr lang="zh-TW"/>
               <a:t>‹#›</a:t>
             </a:fld>
+            <a:endParaRPr lang="zh-TW"/>
           </a:p>
         </p:txBody>
       </p:sp>
@@ -2418,18 +2602,19 @@
 </file>
 
 <file path=ppt/slideLayouts/slideLayout2.xml><?xml version="1.0" encoding="utf-8"?>
-<p:sldLayout xmlns:a="http://schemas.openxmlformats.org/drawingml/2006/main" xmlns:r="http://schemas.openxmlformats.org/officeDocument/2006/relationships" xmlns:mc="http://schemas.openxmlformats.org/markup-compatibility/2006" xmlns:mv="urn:schemas-microsoft-com:mac:vml" xmlns:p="http://schemas.openxmlformats.org/presentationml/2006/main" xmlns:c="http://schemas.openxmlformats.org/drawingml/2006/chart" xmlns:dgm="http://schemas.openxmlformats.org/drawingml/2006/diagram" xmlns:o="urn:schemas-microsoft-com:office:office" xmlns:v="urn:schemas-microsoft-com:vml" xmlns:pvml="urn:schemas-microsoft-com:office:powerpoint" xmlns:com="http://schemas.openxmlformats.org/drawingml/2006/compatibility" xmlns:p14="http://schemas.microsoft.com/office/powerpoint/2010/main" xmlns:p15="http://schemas.microsoft.com/office/powerpoint/2012/main" type="secHead">
+<p:sldLayout xmlns:a="http://schemas.openxmlformats.org/drawingml/2006/main" xmlns:r="http://schemas.openxmlformats.org/officeDocument/2006/relationships" xmlns:p="http://schemas.openxmlformats.org/presentationml/2006/main" type="secHead">
   <p:cSld name="Section header">
     <p:bg>
       <p:bgPr>
         <a:solidFill>
           <a:schemeClr val="dk1"/>
         </a:solidFill>
+        <a:effectLst/>
       </p:bgPr>
     </p:bg>
     <p:spTree>
       <p:nvGrpSpPr>
-        <p:cNvPr id="17" name="Shape 17"/>
+        <p:cNvPr id="1" name="Shape 17"/>
         <p:cNvGrpSpPr/>
         <p:nvPr/>
       </p:nvGrpSpPr>
@@ -2477,20 +2662,17 @@
             </a:ln>
           </p:spPr>
           <p:txBody>
-            <a:bodyPr anchorCtr="0" anchor="ctr" bIns="91425" lIns="91425" rIns="91425" wrap="square" tIns="91425">
+            <a:bodyPr wrap="square" lIns="91425" tIns="91425" rIns="91425" bIns="91425" anchor="ctr" anchorCtr="0">
               <a:noAutofit/>
             </a:bodyPr>
             <a:lstStyle/>
             <a:p>
-              <a:pPr indent="0" lvl="0" marL="0">
+              <a:pPr marL="0" lvl="0" indent="0">
                 <a:spcBef>
                   <a:spcPts val="0"/>
                 </a:spcBef>
                 <a:buNone/>
               </a:pPr>
-              <a:r>
-                <a:t/>
-              </a:r>
               <a:endParaRPr/>
             </a:p>
           </p:txBody>
@@ -2517,20 +2699,17 @@
             </a:ln>
           </p:spPr>
           <p:txBody>
-            <a:bodyPr anchorCtr="0" anchor="ctr" bIns="91425" lIns="91425" rIns="91425" wrap="square" tIns="91425">
+            <a:bodyPr wrap="square" lIns="91425" tIns="91425" rIns="91425" bIns="91425" anchor="ctr" anchorCtr="0">
               <a:noAutofit/>
             </a:bodyPr>
             <a:lstStyle/>
             <a:p>
-              <a:pPr indent="0" lvl="0" marL="0">
+              <a:pPr marL="0" lvl="0" indent="0">
                 <a:spcBef>
                   <a:spcPts val="0"/>
                 </a:spcBef>
                 <a:buNone/>
               </a:pPr>
-              <a:r>
-                <a:t/>
-              </a:r>
               <a:endParaRPr/>
             </a:p>
           </p:txBody>
@@ -2539,7 +2718,9 @@
       <p:sp>
         <p:nvSpPr>
           <p:cNvPr id="21" name="Shape 21"/>
-          <p:cNvSpPr txBox="1"/>
+          <p:cNvSpPr txBox="1">
+            <a:spLocks noGrp="1"/>
+          </p:cNvSpPr>
           <p:nvPr>
             <p:ph type="title"/>
           </p:nvPr>
@@ -2554,7 +2735,7 @@
           </a:prstGeom>
         </p:spPr>
         <p:txBody>
-          <a:bodyPr anchorCtr="0" anchor="t" bIns="91425" lIns="91425" rIns="91425" wrap="square" tIns="91425"/>
+          <a:bodyPr wrap="square" lIns="91425" tIns="91425" rIns="91425" bIns="91425" anchor="t" anchorCtr="0"/>
           <a:lstStyle>
             <a:lvl1pPr lvl="0">
               <a:spcBef>
@@ -2692,15 +2873,19 @@
               </a:defRPr>
             </a:lvl9pPr>
           </a:lstStyle>
-          <a:p/>
+          <a:p>
+            <a:endParaRPr/>
+          </a:p>
         </p:txBody>
       </p:sp>
       <p:sp>
         <p:nvSpPr>
           <p:cNvPr id="22" name="Shape 22"/>
-          <p:cNvSpPr txBox="1"/>
+          <p:cNvSpPr txBox="1">
+            <a:spLocks noGrp="1"/>
+          </p:cNvSpPr>
           <p:nvPr>
-            <p:ph idx="12" type="sldNum"/>
+            <p:ph type="sldNum" idx="12"/>
           </p:nvPr>
         </p:nvSpPr>
         <p:spPr>
@@ -2713,12 +2898,12 @@
           </a:prstGeom>
         </p:spPr>
         <p:txBody>
-          <a:bodyPr anchorCtr="0" anchor="ctr" bIns="91425" lIns="91425" rIns="91425" wrap="square" tIns="91425">
+          <a:bodyPr wrap="square" lIns="91425" tIns="91425" rIns="91425" bIns="91425" anchor="ctr" anchorCtr="0">
             <a:noAutofit/>
           </a:bodyPr>
           <a:lstStyle/>
           <a:p>
-            <a:pPr indent="0" lvl="0" marL="0">
+            <a:pPr marL="0" lvl="0" indent="0">
               <a:spcBef>
                 <a:spcPts val="0"/>
               </a:spcBef>
@@ -2732,6 +2917,11 @@
               </a:rPr>
               <a:t>‹#›</a:t>
             </a:fld>
+            <a:endParaRPr lang="zh-TW">
+              <a:solidFill>
+                <a:schemeClr val="lt1"/>
+              </a:solidFill>
+            </a:endParaRPr>
           </a:p>
         </p:txBody>
       </p:sp>
@@ -2744,11 +2934,11 @@
 </file>
 
 <file path=ppt/slideLayouts/slideLayout3.xml><?xml version="1.0" encoding="utf-8"?>
-<p:sldLayout xmlns:a="http://schemas.openxmlformats.org/drawingml/2006/main" xmlns:r="http://schemas.openxmlformats.org/officeDocument/2006/relationships" xmlns:mc="http://schemas.openxmlformats.org/markup-compatibility/2006" xmlns:mv="urn:schemas-microsoft-com:mac:vml" xmlns:p="http://schemas.openxmlformats.org/presentationml/2006/main" xmlns:c="http://schemas.openxmlformats.org/drawingml/2006/chart" xmlns:dgm="http://schemas.openxmlformats.org/drawingml/2006/diagram" xmlns:o="urn:schemas-microsoft-com:office:office" xmlns:v="urn:schemas-microsoft-com:vml" xmlns:pvml="urn:schemas-microsoft-com:office:powerpoint" xmlns:com="http://schemas.openxmlformats.org/drawingml/2006/compatibility" xmlns:p14="http://schemas.microsoft.com/office/powerpoint/2010/main" xmlns:p15="http://schemas.microsoft.com/office/powerpoint/2012/main" type="tx">
+<p:sldLayout xmlns:a="http://schemas.openxmlformats.org/drawingml/2006/main" xmlns:r="http://schemas.openxmlformats.org/officeDocument/2006/relationships" xmlns:p="http://schemas.openxmlformats.org/presentationml/2006/main" type="tx">
   <p:cSld name="Title and body">
     <p:spTree>
       <p:nvGrpSpPr>
-        <p:cNvPr id="23" name="Shape 23"/>
+        <p:cNvPr id="1" name="Shape 23"/>
         <p:cNvGrpSpPr/>
         <p:nvPr/>
       </p:nvGrpSpPr>
@@ -2782,20 +2972,17 @@
           </a:ln>
         </p:spPr>
         <p:txBody>
-          <a:bodyPr anchorCtr="0" anchor="ctr" bIns="91425" lIns="91425" rIns="91425" wrap="square" tIns="91425">
+          <a:bodyPr wrap="square" lIns="91425" tIns="91425" rIns="91425" bIns="91425" anchor="ctr" anchorCtr="0">
             <a:noAutofit/>
           </a:bodyPr>
           <a:lstStyle/>
           <a:p>
-            <a:pPr indent="0" lvl="0" marL="0">
+            <a:pPr marL="0" lvl="0" indent="0">
               <a:spcBef>
                 <a:spcPts val="0"/>
               </a:spcBef>
               <a:buNone/>
             </a:pPr>
-            <a:r>
-              <a:t/>
-            </a:r>
             <a:endParaRPr/>
           </a:p>
         </p:txBody>
@@ -2836,20 +3023,17 @@
             </a:ln>
           </p:spPr>
           <p:txBody>
-            <a:bodyPr anchorCtr="0" anchor="ctr" bIns="91425" lIns="91425" rIns="91425" wrap="square" tIns="91425">
+            <a:bodyPr wrap="square" lIns="91425" tIns="91425" rIns="91425" bIns="91425" anchor="ctr" anchorCtr="0">
               <a:noAutofit/>
             </a:bodyPr>
             <a:lstStyle/>
             <a:p>
-              <a:pPr indent="0" lvl="0" marL="0">
+              <a:pPr marL="0" lvl="0" indent="0">
                 <a:spcBef>
                   <a:spcPts val="0"/>
                 </a:spcBef>
                 <a:buNone/>
               </a:pPr>
-              <a:r>
-                <a:t/>
-              </a:r>
               <a:endParaRPr/>
             </a:p>
           </p:txBody>
@@ -2876,20 +3060,17 @@
             </a:ln>
           </p:spPr>
           <p:txBody>
-            <a:bodyPr anchorCtr="0" anchor="ctr" bIns="91425" lIns="91425" rIns="91425" wrap="square" tIns="91425">
+            <a:bodyPr wrap="square" lIns="91425" tIns="91425" rIns="91425" bIns="91425" anchor="ctr" anchorCtr="0">
               <a:noAutofit/>
             </a:bodyPr>
             <a:lstStyle/>
             <a:p>
-              <a:pPr indent="0" lvl="0" marL="0">
+              <a:pPr marL="0" lvl="0" indent="0">
                 <a:spcBef>
                   <a:spcPts val="0"/>
                 </a:spcBef>
                 <a:buNone/>
               </a:pPr>
-              <a:r>
-                <a:t/>
-              </a:r>
               <a:endParaRPr/>
             </a:p>
           </p:txBody>
@@ -2898,7 +3079,9 @@
       <p:sp>
         <p:nvSpPr>
           <p:cNvPr id="28" name="Shape 28"/>
-          <p:cNvSpPr txBox="1"/>
+          <p:cNvSpPr txBox="1">
+            <a:spLocks noGrp="1"/>
+          </p:cNvSpPr>
           <p:nvPr>
             <p:ph type="title"/>
           </p:nvPr>
@@ -2913,7 +3096,7 @@
           </a:prstGeom>
         </p:spPr>
         <p:txBody>
-          <a:bodyPr anchorCtr="0" anchor="t" bIns="91425" lIns="91425" rIns="91425" wrap="square" tIns="91425"/>
+          <a:bodyPr wrap="square" lIns="91425" tIns="91425" rIns="91425" bIns="91425" anchor="t" anchorCtr="0"/>
           <a:lstStyle>
             <a:lvl1pPr lvl="0">
               <a:spcBef>
@@ -3051,15 +3234,19 @@
               </a:defRPr>
             </a:lvl9pPr>
           </a:lstStyle>
-          <a:p/>
+          <a:p>
+            <a:endParaRPr/>
+          </a:p>
         </p:txBody>
       </p:sp>
       <p:sp>
         <p:nvSpPr>
           <p:cNvPr id="29" name="Shape 29"/>
-          <p:cNvSpPr txBox="1"/>
+          <p:cNvSpPr txBox="1">
+            <a:spLocks noGrp="1"/>
+          </p:cNvSpPr>
           <p:nvPr>
-            <p:ph idx="1" type="body"/>
+            <p:ph type="body" idx="1"/>
           </p:nvPr>
         </p:nvSpPr>
         <p:spPr>
@@ -3072,7 +3259,7 @@
           </a:prstGeom>
         </p:spPr>
         <p:txBody>
-          <a:bodyPr anchorCtr="0" anchor="t" bIns="91425" lIns="91425" rIns="91425" wrap="square" tIns="91425"/>
+          <a:bodyPr wrap="square" lIns="91425" tIns="91425" rIns="91425" bIns="91425" anchor="t" anchorCtr="0"/>
           <a:lstStyle>
             <a:lvl1pPr lvl="0">
               <a:spcBef>
@@ -3147,15 +3334,19 @@
               <a:defRPr/>
             </a:lvl9pPr>
           </a:lstStyle>
-          <a:p/>
+          <a:p>
+            <a:endParaRPr/>
+          </a:p>
         </p:txBody>
       </p:sp>
       <p:sp>
         <p:nvSpPr>
           <p:cNvPr id="30" name="Shape 30"/>
-          <p:cNvSpPr txBox="1"/>
+          <p:cNvSpPr txBox="1">
+            <a:spLocks noGrp="1"/>
+          </p:cNvSpPr>
           <p:nvPr>
-            <p:ph idx="12" type="sldNum"/>
+            <p:ph type="sldNum" idx="12"/>
           </p:nvPr>
         </p:nvSpPr>
         <p:spPr>
@@ -3168,12 +3359,12 @@
           </a:prstGeom>
         </p:spPr>
         <p:txBody>
-          <a:bodyPr anchorCtr="0" anchor="ctr" bIns="91425" lIns="91425" rIns="91425" wrap="square" tIns="91425">
+          <a:bodyPr wrap="square" lIns="91425" tIns="91425" rIns="91425" bIns="91425" anchor="ctr" anchorCtr="0">
             <a:noAutofit/>
           </a:bodyPr>
           <a:lstStyle/>
           <a:p>
-            <a:pPr indent="0" lvl="0" marL="0">
+            <a:pPr marL="0" lvl="0" indent="0">
               <a:spcBef>
                 <a:spcPts val="0"/>
               </a:spcBef>
@@ -3183,6 +3374,7 @@
               <a:rPr lang="zh-TW"/>
               <a:t>‹#›</a:t>
             </a:fld>
+            <a:endParaRPr lang="zh-TW"/>
           </a:p>
         </p:txBody>
       </p:sp>
@@ -3195,11 +3387,11 @@
 </file>
 
 <file path=ppt/slideLayouts/slideLayout4.xml><?xml version="1.0" encoding="utf-8"?>
-<p:sldLayout xmlns:a="http://schemas.openxmlformats.org/drawingml/2006/main" xmlns:r="http://schemas.openxmlformats.org/officeDocument/2006/relationships" xmlns:mc="http://schemas.openxmlformats.org/markup-compatibility/2006" xmlns:mv="urn:schemas-microsoft-com:mac:vml" xmlns:p="http://schemas.openxmlformats.org/presentationml/2006/main" xmlns:c="http://schemas.openxmlformats.org/drawingml/2006/chart" xmlns:dgm="http://schemas.openxmlformats.org/drawingml/2006/diagram" xmlns:o="urn:schemas-microsoft-com:office:office" xmlns:v="urn:schemas-microsoft-com:vml" xmlns:pvml="urn:schemas-microsoft-com:office:powerpoint" xmlns:com="http://schemas.openxmlformats.org/drawingml/2006/compatibility" xmlns:p14="http://schemas.microsoft.com/office/powerpoint/2010/main" xmlns:p15="http://schemas.microsoft.com/office/powerpoint/2012/main" type="twoColTx">
+<p:sldLayout xmlns:a="http://schemas.openxmlformats.org/drawingml/2006/main" xmlns:r="http://schemas.openxmlformats.org/officeDocument/2006/relationships" xmlns:p="http://schemas.openxmlformats.org/presentationml/2006/main" type="twoColTx">
   <p:cSld name="Title and two columns">
     <p:spTree>
       <p:nvGrpSpPr>
-        <p:cNvPr id="31" name="Shape 31"/>
+        <p:cNvPr id="1" name="Shape 31"/>
         <p:cNvGrpSpPr/>
         <p:nvPr/>
       </p:nvGrpSpPr>
@@ -3233,20 +3425,17 @@
           </a:ln>
         </p:spPr>
         <p:txBody>
-          <a:bodyPr anchorCtr="0" anchor="ctr" bIns="91425" lIns="91425" rIns="91425" wrap="square" tIns="91425">
+          <a:bodyPr wrap="square" lIns="91425" tIns="91425" rIns="91425" bIns="91425" anchor="ctr" anchorCtr="0">
             <a:noAutofit/>
           </a:bodyPr>
           <a:lstStyle/>
           <a:p>
-            <a:pPr indent="0" lvl="0" marL="0">
+            <a:pPr marL="0" lvl="0" indent="0">
               <a:spcBef>
                 <a:spcPts val="0"/>
               </a:spcBef>
               <a:buNone/>
             </a:pPr>
-            <a:r>
-              <a:t/>
-            </a:r>
             <a:endParaRPr/>
           </a:p>
         </p:txBody>
@@ -3287,20 +3476,17 @@
             </a:ln>
           </p:spPr>
           <p:txBody>
-            <a:bodyPr anchorCtr="0" anchor="ctr" bIns="91425" lIns="91425" rIns="91425" wrap="square" tIns="91425">
+            <a:bodyPr wrap="square" lIns="91425" tIns="91425" rIns="91425" bIns="91425" anchor="ctr" anchorCtr="0">
               <a:noAutofit/>
             </a:bodyPr>
             <a:lstStyle/>
             <a:p>
-              <a:pPr indent="0" lvl="0" marL="0">
+              <a:pPr marL="0" lvl="0" indent="0">
                 <a:spcBef>
                   <a:spcPts val="0"/>
                 </a:spcBef>
                 <a:buNone/>
               </a:pPr>
-              <a:r>
-                <a:t/>
-              </a:r>
               <a:endParaRPr/>
             </a:p>
           </p:txBody>
@@ -3327,20 +3513,17 @@
             </a:ln>
           </p:spPr>
           <p:txBody>
-            <a:bodyPr anchorCtr="0" anchor="ctr" bIns="91425" lIns="91425" rIns="91425" wrap="square" tIns="91425">
+            <a:bodyPr wrap="square" lIns="91425" tIns="91425" rIns="91425" bIns="91425" anchor="ctr" anchorCtr="0">
               <a:noAutofit/>
             </a:bodyPr>
             <a:lstStyle/>
             <a:p>
-              <a:pPr indent="0" lvl="0" marL="0">
+              <a:pPr marL="0" lvl="0" indent="0">
                 <a:spcBef>
                   <a:spcPts val="0"/>
                 </a:spcBef>
                 <a:buNone/>
               </a:pPr>
-              <a:r>
-                <a:t/>
-              </a:r>
               <a:endParaRPr/>
             </a:p>
           </p:txBody>
@@ -3349,7 +3532,9 @@
       <p:sp>
         <p:nvSpPr>
           <p:cNvPr id="36" name="Shape 36"/>
-          <p:cNvSpPr txBox="1"/>
+          <p:cNvSpPr txBox="1">
+            <a:spLocks noGrp="1"/>
+          </p:cNvSpPr>
           <p:nvPr>
             <p:ph type="title"/>
           </p:nvPr>
@@ -3364,7 +3549,7 @@
           </a:prstGeom>
         </p:spPr>
         <p:txBody>
-          <a:bodyPr anchorCtr="0" anchor="t" bIns="91425" lIns="91425" rIns="91425" wrap="square" tIns="91425"/>
+          <a:bodyPr wrap="square" lIns="91425" tIns="91425" rIns="91425" bIns="91425" anchor="t" anchorCtr="0"/>
           <a:lstStyle>
             <a:lvl1pPr lvl="0">
               <a:spcBef>
@@ -3502,15 +3687,19 @@
               </a:defRPr>
             </a:lvl9pPr>
           </a:lstStyle>
-          <a:p/>
+          <a:p>
+            <a:endParaRPr/>
+          </a:p>
         </p:txBody>
       </p:sp>
       <p:sp>
         <p:nvSpPr>
           <p:cNvPr id="37" name="Shape 37"/>
-          <p:cNvSpPr txBox="1"/>
+          <p:cNvSpPr txBox="1">
+            <a:spLocks noGrp="1"/>
+          </p:cNvSpPr>
           <p:nvPr>
-            <p:ph idx="1" type="body"/>
+            <p:ph type="body" idx="1"/>
           </p:nvPr>
         </p:nvSpPr>
         <p:spPr>
@@ -3523,7 +3712,7 @@
           </a:prstGeom>
         </p:spPr>
         <p:txBody>
-          <a:bodyPr anchorCtr="0" anchor="t" bIns="91425" lIns="91425" rIns="91425" wrap="square" tIns="91425"/>
+          <a:bodyPr wrap="square" lIns="91425" tIns="91425" rIns="91425" bIns="91425" anchor="t" anchorCtr="0"/>
           <a:lstStyle>
             <a:lvl1pPr lvl="0">
               <a:spcBef>
@@ -3598,15 +3787,19 @@
               <a:defRPr/>
             </a:lvl9pPr>
           </a:lstStyle>
-          <a:p/>
+          <a:p>
+            <a:endParaRPr/>
+          </a:p>
         </p:txBody>
       </p:sp>
       <p:sp>
         <p:nvSpPr>
           <p:cNvPr id="38" name="Shape 38"/>
-          <p:cNvSpPr txBox="1"/>
+          <p:cNvSpPr txBox="1">
+            <a:spLocks noGrp="1"/>
+          </p:cNvSpPr>
           <p:nvPr>
-            <p:ph idx="2" type="body"/>
+            <p:ph type="body" idx="2"/>
           </p:nvPr>
         </p:nvSpPr>
         <p:spPr>
@@ -3619,7 +3812,7 @@
           </a:prstGeom>
         </p:spPr>
         <p:txBody>
-          <a:bodyPr anchorCtr="0" anchor="t" bIns="91425" lIns="91425" rIns="91425" wrap="square" tIns="91425"/>
+          <a:bodyPr wrap="square" lIns="91425" tIns="91425" rIns="91425" bIns="91425" anchor="t" anchorCtr="0"/>
           <a:lstStyle>
             <a:lvl1pPr lvl="0">
               <a:spcBef>
@@ -3694,15 +3887,19 @@
               <a:defRPr/>
             </a:lvl9pPr>
           </a:lstStyle>
-          <a:p/>
+          <a:p>
+            <a:endParaRPr/>
+          </a:p>
         </p:txBody>
       </p:sp>
       <p:sp>
         <p:nvSpPr>
           <p:cNvPr id="39" name="Shape 39"/>
-          <p:cNvSpPr txBox="1"/>
+          <p:cNvSpPr txBox="1">
+            <a:spLocks noGrp="1"/>
+          </p:cNvSpPr>
           <p:nvPr>
-            <p:ph idx="12" type="sldNum"/>
+            <p:ph type="sldNum" idx="12"/>
           </p:nvPr>
         </p:nvSpPr>
         <p:spPr>
@@ -3715,12 +3912,12 @@
           </a:prstGeom>
         </p:spPr>
         <p:txBody>
-          <a:bodyPr anchorCtr="0" anchor="ctr" bIns="91425" lIns="91425" rIns="91425" wrap="square" tIns="91425">
+          <a:bodyPr wrap="square" lIns="91425" tIns="91425" rIns="91425" bIns="91425" anchor="ctr" anchorCtr="0">
             <a:noAutofit/>
           </a:bodyPr>
           <a:lstStyle/>
           <a:p>
-            <a:pPr indent="0" lvl="0" marL="0">
+            <a:pPr marL="0" lvl="0" indent="0">
               <a:spcBef>
                 <a:spcPts val="0"/>
               </a:spcBef>
@@ -3730,6 +3927,7 @@
               <a:rPr lang="zh-TW"/>
               <a:t>‹#›</a:t>
             </a:fld>
+            <a:endParaRPr lang="zh-TW"/>
           </a:p>
         </p:txBody>
       </p:sp>
@@ -3742,11 +3940,11 @@
 </file>
 
 <file path=ppt/slideLayouts/slideLayout5.xml><?xml version="1.0" encoding="utf-8"?>
-<p:sldLayout xmlns:a="http://schemas.openxmlformats.org/drawingml/2006/main" xmlns:r="http://schemas.openxmlformats.org/officeDocument/2006/relationships" xmlns:mc="http://schemas.openxmlformats.org/markup-compatibility/2006" xmlns:mv="urn:schemas-microsoft-com:mac:vml" xmlns:p="http://schemas.openxmlformats.org/presentationml/2006/main" xmlns:c="http://schemas.openxmlformats.org/drawingml/2006/chart" xmlns:dgm="http://schemas.openxmlformats.org/drawingml/2006/diagram" xmlns:o="urn:schemas-microsoft-com:office:office" xmlns:v="urn:schemas-microsoft-com:vml" xmlns:pvml="urn:schemas-microsoft-com:office:powerpoint" xmlns:com="http://schemas.openxmlformats.org/drawingml/2006/compatibility" xmlns:p14="http://schemas.microsoft.com/office/powerpoint/2010/main" xmlns:p15="http://schemas.microsoft.com/office/powerpoint/2012/main" type="titleOnly">
+<p:sldLayout xmlns:a="http://schemas.openxmlformats.org/drawingml/2006/main" xmlns:r="http://schemas.openxmlformats.org/officeDocument/2006/relationships" xmlns:p="http://schemas.openxmlformats.org/presentationml/2006/main" type="titleOnly">
   <p:cSld name="Title only">
     <p:spTree>
       <p:nvGrpSpPr>
-        <p:cNvPr id="40" name="Shape 40"/>
+        <p:cNvPr id="1" name="Shape 40"/>
         <p:cNvGrpSpPr/>
         <p:nvPr/>
       </p:nvGrpSpPr>
@@ -3780,20 +3978,17 @@
           </a:ln>
         </p:spPr>
         <p:txBody>
-          <a:bodyPr anchorCtr="0" anchor="ctr" bIns="91425" lIns="91425" rIns="91425" wrap="square" tIns="91425">
+          <a:bodyPr wrap="square" lIns="91425" tIns="91425" rIns="91425" bIns="91425" anchor="ctr" anchorCtr="0">
             <a:noAutofit/>
           </a:bodyPr>
           <a:lstStyle/>
           <a:p>
-            <a:pPr indent="0" lvl="0" marL="0">
+            <a:pPr marL="0" lvl="0" indent="0">
               <a:spcBef>
                 <a:spcPts val="0"/>
               </a:spcBef>
               <a:buNone/>
             </a:pPr>
-            <a:r>
-              <a:t/>
-            </a:r>
             <a:endParaRPr/>
           </a:p>
         </p:txBody>
@@ -3834,20 +4029,17 @@
             </a:ln>
           </p:spPr>
           <p:txBody>
-            <a:bodyPr anchorCtr="0" anchor="ctr" bIns="91425" lIns="91425" rIns="91425" wrap="square" tIns="91425">
+            <a:bodyPr wrap="square" lIns="91425" tIns="91425" rIns="91425" bIns="91425" anchor="ctr" anchorCtr="0">
               <a:noAutofit/>
             </a:bodyPr>
             <a:lstStyle/>
             <a:p>
-              <a:pPr indent="0" lvl="0" marL="0">
+              <a:pPr marL="0" lvl="0" indent="0">
                 <a:spcBef>
                   <a:spcPts val="0"/>
                 </a:spcBef>
                 <a:buNone/>
               </a:pPr>
-              <a:r>
-                <a:t/>
-              </a:r>
               <a:endParaRPr/>
             </a:p>
           </p:txBody>
@@ -3874,20 +4066,17 @@
             </a:ln>
           </p:spPr>
           <p:txBody>
-            <a:bodyPr anchorCtr="0" anchor="ctr" bIns="91425" lIns="91425" rIns="91425" wrap="square" tIns="91425">
+            <a:bodyPr wrap="square" lIns="91425" tIns="91425" rIns="91425" bIns="91425" anchor="ctr" anchorCtr="0">
               <a:noAutofit/>
             </a:bodyPr>
             <a:lstStyle/>
             <a:p>
-              <a:pPr indent="0" lvl="0" marL="0">
+              <a:pPr marL="0" lvl="0" indent="0">
                 <a:spcBef>
                   <a:spcPts val="0"/>
                 </a:spcBef>
                 <a:buNone/>
               </a:pPr>
-              <a:r>
-                <a:t/>
-              </a:r>
               <a:endParaRPr/>
             </a:p>
           </p:txBody>
@@ -3896,7 +4085,9 @@
       <p:sp>
         <p:nvSpPr>
           <p:cNvPr id="45" name="Shape 45"/>
-          <p:cNvSpPr txBox="1"/>
+          <p:cNvSpPr txBox="1">
+            <a:spLocks noGrp="1"/>
+          </p:cNvSpPr>
           <p:nvPr>
             <p:ph type="title"/>
           </p:nvPr>
@@ -3911,7 +4102,7 @@
           </a:prstGeom>
         </p:spPr>
         <p:txBody>
-          <a:bodyPr anchorCtr="0" anchor="t" bIns="91425" lIns="91425" rIns="91425" wrap="square" tIns="91425"/>
+          <a:bodyPr wrap="square" lIns="91425" tIns="91425" rIns="91425" bIns="91425" anchor="t" anchorCtr="0"/>
           <a:lstStyle>
             <a:lvl1pPr lvl="0">
               <a:spcBef>
@@ -4049,15 +4240,19 @@
               </a:defRPr>
             </a:lvl9pPr>
           </a:lstStyle>
-          <a:p/>
+          <a:p>
+            <a:endParaRPr/>
+          </a:p>
         </p:txBody>
       </p:sp>
       <p:sp>
         <p:nvSpPr>
           <p:cNvPr id="46" name="Shape 46"/>
-          <p:cNvSpPr txBox="1"/>
+          <p:cNvSpPr txBox="1">
+            <a:spLocks noGrp="1"/>
+          </p:cNvSpPr>
           <p:nvPr>
-            <p:ph idx="12" type="sldNum"/>
+            <p:ph type="sldNum" idx="12"/>
           </p:nvPr>
         </p:nvSpPr>
         <p:spPr>
@@ -4070,12 +4265,12 @@
           </a:prstGeom>
         </p:spPr>
         <p:txBody>
-          <a:bodyPr anchorCtr="0" anchor="ctr" bIns="91425" lIns="91425" rIns="91425" wrap="square" tIns="91425">
+          <a:bodyPr wrap="square" lIns="91425" tIns="91425" rIns="91425" bIns="91425" anchor="ctr" anchorCtr="0">
             <a:noAutofit/>
           </a:bodyPr>
           <a:lstStyle/>
           <a:p>
-            <a:pPr indent="0" lvl="0" marL="0">
+            <a:pPr marL="0" lvl="0" indent="0">
               <a:spcBef>
                 <a:spcPts val="0"/>
               </a:spcBef>
@@ -4085,6 +4280,7 @@
               <a:rPr lang="zh-TW"/>
               <a:t>‹#›</a:t>
             </a:fld>
+            <a:endParaRPr lang="zh-TW"/>
           </a:p>
         </p:txBody>
       </p:sp>
@@ -4097,11 +4293,11 @@
 </file>
 
 <file path=ppt/slideLayouts/slideLayout6.xml><?xml version="1.0" encoding="utf-8"?>
-<p:sldLayout xmlns:a="http://schemas.openxmlformats.org/drawingml/2006/main" xmlns:r="http://schemas.openxmlformats.org/officeDocument/2006/relationships" xmlns:mc="http://schemas.openxmlformats.org/markup-compatibility/2006" xmlns:mv="urn:schemas-microsoft-com:mac:vml" xmlns:p="http://schemas.openxmlformats.org/presentationml/2006/main" xmlns:c="http://schemas.openxmlformats.org/drawingml/2006/chart" xmlns:dgm="http://schemas.openxmlformats.org/drawingml/2006/diagram" xmlns:o="urn:schemas-microsoft-com:office:office" xmlns:v="urn:schemas-microsoft-com:vml" xmlns:pvml="urn:schemas-microsoft-com:office:powerpoint" xmlns:com="http://schemas.openxmlformats.org/drawingml/2006/compatibility" xmlns:p14="http://schemas.microsoft.com/office/powerpoint/2010/main" xmlns:p15="http://schemas.microsoft.com/office/powerpoint/2012/main">
+<p:sldLayout xmlns:a="http://schemas.openxmlformats.org/drawingml/2006/main" xmlns:r="http://schemas.openxmlformats.org/officeDocument/2006/relationships" xmlns:p="http://schemas.openxmlformats.org/presentationml/2006/main">
   <p:cSld name="One column text">
     <p:spTree>
       <p:nvGrpSpPr>
-        <p:cNvPr id="47" name="Shape 47"/>
+        <p:cNvPr id="1" name="Shape 47"/>
         <p:cNvGrpSpPr/>
         <p:nvPr/>
       </p:nvGrpSpPr>
@@ -4135,20 +4331,17 @@
           </a:ln>
         </p:spPr>
         <p:txBody>
-          <a:bodyPr anchorCtr="0" anchor="ctr" bIns="91425" lIns="91425" rIns="91425" wrap="square" tIns="91425">
+          <a:bodyPr wrap="square" lIns="91425" tIns="91425" rIns="91425" bIns="91425" anchor="ctr" anchorCtr="0">
             <a:noAutofit/>
           </a:bodyPr>
           <a:lstStyle/>
           <a:p>
-            <a:pPr indent="0" lvl="0" marL="0">
+            <a:pPr marL="0" lvl="0" indent="0">
               <a:spcBef>
                 <a:spcPts val="0"/>
               </a:spcBef>
               <a:buNone/>
             </a:pPr>
-            <a:r>
-              <a:t/>
-            </a:r>
             <a:endParaRPr/>
           </a:p>
         </p:txBody>
@@ -4189,20 +4382,17 @@
             </a:ln>
           </p:spPr>
           <p:txBody>
-            <a:bodyPr anchorCtr="0" anchor="ctr" bIns="91425" lIns="91425" rIns="91425" wrap="square" tIns="91425">
+            <a:bodyPr wrap="square" lIns="91425" tIns="91425" rIns="91425" bIns="91425" anchor="ctr" anchorCtr="0">
               <a:noAutofit/>
             </a:bodyPr>
             <a:lstStyle/>
             <a:p>
-              <a:pPr indent="0" lvl="0" marL="0">
+              <a:pPr marL="0" lvl="0" indent="0">
                 <a:spcBef>
                   <a:spcPts val="0"/>
                 </a:spcBef>
                 <a:buNone/>
               </a:pPr>
-              <a:r>
-                <a:t/>
-              </a:r>
               <a:endParaRPr/>
             </a:p>
           </p:txBody>
@@ -4229,20 +4419,17 @@
             </a:ln>
           </p:spPr>
           <p:txBody>
-            <a:bodyPr anchorCtr="0" anchor="ctr" bIns="91425" lIns="91425" rIns="91425" wrap="square" tIns="91425">
+            <a:bodyPr wrap="square" lIns="91425" tIns="91425" rIns="91425" bIns="91425" anchor="ctr" anchorCtr="0">
               <a:noAutofit/>
             </a:bodyPr>
             <a:lstStyle/>
             <a:p>
-              <a:pPr indent="0" lvl="0" marL="0">
+              <a:pPr marL="0" lvl="0" indent="0">
                 <a:spcBef>
                   <a:spcPts val="0"/>
                 </a:spcBef>
                 <a:buNone/>
               </a:pPr>
-              <a:r>
-                <a:t/>
-              </a:r>
               <a:endParaRPr/>
             </a:p>
           </p:txBody>
@@ -4251,7 +4438,9 @@
       <p:sp>
         <p:nvSpPr>
           <p:cNvPr id="52" name="Shape 52"/>
-          <p:cNvSpPr txBox="1"/>
+          <p:cNvSpPr txBox="1">
+            <a:spLocks noGrp="1"/>
+          </p:cNvSpPr>
           <p:nvPr>
             <p:ph type="title"/>
           </p:nvPr>
@@ -4266,7 +4455,7 @@
           </a:prstGeom>
         </p:spPr>
         <p:txBody>
-          <a:bodyPr anchorCtr="0" anchor="t" bIns="91425" lIns="91425" rIns="91425" wrap="square" tIns="91425"/>
+          <a:bodyPr wrap="square" lIns="91425" tIns="91425" rIns="91425" bIns="91425" anchor="t" anchorCtr="0"/>
           <a:lstStyle>
             <a:lvl1pPr lvl="0">
               <a:spcBef>
@@ -4404,15 +4593,19 @@
               </a:defRPr>
             </a:lvl9pPr>
           </a:lstStyle>
-          <a:p/>
+          <a:p>
+            <a:endParaRPr/>
+          </a:p>
         </p:txBody>
       </p:sp>
       <p:sp>
         <p:nvSpPr>
           <p:cNvPr id="53" name="Shape 53"/>
-          <p:cNvSpPr txBox="1"/>
+          <p:cNvSpPr txBox="1">
+            <a:spLocks noGrp="1"/>
+          </p:cNvSpPr>
           <p:nvPr>
-            <p:ph idx="1" type="body"/>
+            <p:ph type="body" idx="1"/>
           </p:nvPr>
         </p:nvSpPr>
         <p:spPr>
@@ -4425,7 +4618,7 @@
           </a:prstGeom>
         </p:spPr>
         <p:txBody>
-          <a:bodyPr anchorCtr="0" anchor="t" bIns="91425" lIns="91425" rIns="91425" wrap="square" tIns="91425"/>
+          <a:bodyPr wrap="square" lIns="91425" tIns="91425" rIns="91425" bIns="91425" anchor="t" anchorCtr="0"/>
           <a:lstStyle>
             <a:lvl1pPr lvl="0">
               <a:spcBef>
@@ -4500,15 +4693,19 @@
               <a:defRPr/>
             </a:lvl9pPr>
           </a:lstStyle>
-          <a:p/>
+          <a:p>
+            <a:endParaRPr/>
+          </a:p>
         </p:txBody>
       </p:sp>
       <p:sp>
         <p:nvSpPr>
           <p:cNvPr id="54" name="Shape 54"/>
-          <p:cNvSpPr txBox="1"/>
+          <p:cNvSpPr txBox="1">
+            <a:spLocks noGrp="1"/>
+          </p:cNvSpPr>
           <p:nvPr>
-            <p:ph idx="12" type="sldNum"/>
+            <p:ph type="sldNum" idx="12"/>
           </p:nvPr>
         </p:nvSpPr>
         <p:spPr>
@@ -4521,12 +4718,12 @@
           </a:prstGeom>
         </p:spPr>
         <p:txBody>
-          <a:bodyPr anchorCtr="0" anchor="ctr" bIns="91425" lIns="91425" rIns="91425" wrap="square" tIns="91425">
+          <a:bodyPr wrap="square" lIns="91425" tIns="91425" rIns="91425" bIns="91425" anchor="ctr" anchorCtr="0">
             <a:noAutofit/>
           </a:bodyPr>
           <a:lstStyle/>
           <a:p>
-            <a:pPr indent="0" lvl="0" marL="0">
+            <a:pPr marL="0" lvl="0" indent="0">
               <a:spcBef>
                 <a:spcPts val="0"/>
               </a:spcBef>
@@ -4536,6 +4733,7 @@
               <a:rPr lang="zh-TW"/>
               <a:t>‹#›</a:t>
             </a:fld>
+            <a:endParaRPr lang="zh-TW"/>
           </a:p>
         </p:txBody>
       </p:sp>
@@ -4548,18 +4746,19 @@
 </file>
 
 <file path=ppt/slideLayouts/slideLayout7.xml><?xml version="1.0" encoding="utf-8"?>
-<p:sldLayout xmlns:a="http://schemas.openxmlformats.org/drawingml/2006/main" xmlns:r="http://schemas.openxmlformats.org/officeDocument/2006/relationships" xmlns:mc="http://schemas.openxmlformats.org/markup-compatibility/2006" xmlns:mv="urn:schemas-microsoft-com:mac:vml" xmlns:p="http://schemas.openxmlformats.org/presentationml/2006/main" xmlns:c="http://schemas.openxmlformats.org/drawingml/2006/chart" xmlns:dgm="http://schemas.openxmlformats.org/drawingml/2006/diagram" xmlns:o="urn:schemas-microsoft-com:office:office" xmlns:v="urn:schemas-microsoft-com:vml" xmlns:pvml="urn:schemas-microsoft-com:office:powerpoint" xmlns:com="http://schemas.openxmlformats.org/drawingml/2006/compatibility" xmlns:p14="http://schemas.microsoft.com/office/powerpoint/2010/main" xmlns:p15="http://schemas.microsoft.com/office/powerpoint/2012/main">
+<p:sldLayout xmlns:a="http://schemas.openxmlformats.org/drawingml/2006/main" xmlns:r="http://schemas.openxmlformats.org/officeDocument/2006/relationships" xmlns:p="http://schemas.openxmlformats.org/presentationml/2006/main">
   <p:cSld name="Main point">
     <p:bg>
       <p:bgPr>
         <a:solidFill>
           <a:schemeClr val="accent3"/>
         </a:solidFill>
+        <a:effectLst/>
       </p:bgPr>
     </p:bg>
     <p:spTree>
       <p:nvGrpSpPr>
-        <p:cNvPr id="55" name="Shape 55"/>
+        <p:cNvPr id="1" name="Shape 55"/>
         <p:cNvGrpSpPr/>
         <p:nvPr/>
       </p:nvGrpSpPr>
@@ -4607,20 +4806,17 @@
             </a:ln>
           </p:spPr>
           <p:txBody>
-            <a:bodyPr anchorCtr="0" anchor="ctr" bIns="91425" lIns="91425" rIns="91425" wrap="square" tIns="91425">
+            <a:bodyPr wrap="square" lIns="91425" tIns="91425" rIns="91425" bIns="91425" anchor="ctr" anchorCtr="0">
               <a:noAutofit/>
             </a:bodyPr>
             <a:lstStyle/>
             <a:p>
-              <a:pPr indent="0" lvl="0" marL="0">
+              <a:pPr marL="0" lvl="0" indent="0">
                 <a:spcBef>
                   <a:spcPts val="0"/>
                 </a:spcBef>
                 <a:buNone/>
               </a:pPr>
-              <a:r>
-                <a:t/>
-              </a:r>
               <a:endParaRPr/>
             </a:p>
           </p:txBody>
@@ -4647,20 +4843,17 @@
             </a:ln>
           </p:spPr>
           <p:txBody>
-            <a:bodyPr anchorCtr="0" anchor="ctr" bIns="91425" lIns="91425" rIns="91425" wrap="square" tIns="91425">
+            <a:bodyPr wrap="square" lIns="91425" tIns="91425" rIns="91425" bIns="91425" anchor="ctr" anchorCtr="0">
               <a:noAutofit/>
             </a:bodyPr>
             <a:lstStyle/>
             <a:p>
-              <a:pPr indent="0" lvl="0" marL="0">
+              <a:pPr marL="0" lvl="0" indent="0">
                 <a:spcBef>
                   <a:spcPts val="0"/>
                 </a:spcBef>
                 <a:buNone/>
               </a:pPr>
-              <a:r>
-                <a:t/>
-              </a:r>
               <a:endParaRPr/>
             </a:p>
           </p:txBody>
@@ -4669,7 +4862,9 @@
       <p:sp>
         <p:nvSpPr>
           <p:cNvPr id="59" name="Shape 59"/>
-          <p:cNvSpPr txBox="1"/>
+          <p:cNvSpPr txBox="1">
+            <a:spLocks noGrp="1"/>
+          </p:cNvSpPr>
           <p:nvPr>
             <p:ph type="title"/>
           </p:nvPr>
@@ -4684,7 +4879,7 @@
           </a:prstGeom>
         </p:spPr>
         <p:txBody>
-          <a:bodyPr anchorCtr="0" anchor="ctr" bIns="91425" lIns="91425" rIns="91425" wrap="square" tIns="91425"/>
+          <a:bodyPr wrap="square" lIns="91425" tIns="91425" rIns="91425" bIns="91425" anchor="ctr" anchorCtr="0"/>
           <a:lstStyle>
             <a:lvl1pPr lvl="0">
               <a:spcBef>
@@ -4822,15 +5017,19 @@
               </a:defRPr>
             </a:lvl9pPr>
           </a:lstStyle>
-          <a:p/>
+          <a:p>
+            <a:endParaRPr/>
+          </a:p>
         </p:txBody>
       </p:sp>
       <p:sp>
         <p:nvSpPr>
           <p:cNvPr id="60" name="Shape 60"/>
-          <p:cNvSpPr txBox="1"/>
+          <p:cNvSpPr txBox="1">
+            <a:spLocks noGrp="1"/>
+          </p:cNvSpPr>
           <p:nvPr>
-            <p:ph idx="12" type="sldNum"/>
+            <p:ph type="sldNum" idx="12"/>
           </p:nvPr>
         </p:nvSpPr>
         <p:spPr>
@@ -4843,12 +5042,12 @@
           </a:prstGeom>
         </p:spPr>
         <p:txBody>
-          <a:bodyPr anchorCtr="0" anchor="ctr" bIns="91425" lIns="91425" rIns="91425" wrap="square" tIns="91425">
+          <a:bodyPr wrap="square" lIns="91425" tIns="91425" rIns="91425" bIns="91425" anchor="ctr" anchorCtr="0">
             <a:noAutofit/>
           </a:bodyPr>
           <a:lstStyle/>
           <a:p>
-            <a:pPr indent="0" lvl="0" marL="0">
+            <a:pPr marL="0" lvl="0" indent="0">
               <a:spcBef>
                 <a:spcPts val="0"/>
               </a:spcBef>
@@ -4862,6 +5061,11 @@
               </a:rPr>
               <a:t>‹#›</a:t>
             </a:fld>
+            <a:endParaRPr lang="zh-TW">
+              <a:solidFill>
+                <a:schemeClr val="lt1"/>
+              </a:solidFill>
+            </a:endParaRPr>
           </a:p>
         </p:txBody>
       </p:sp>
@@ -4874,11 +5078,11 @@
 </file>
 
 <file path=ppt/slideLayouts/slideLayout8.xml><?xml version="1.0" encoding="utf-8"?>
-<p:sldLayout xmlns:a="http://schemas.openxmlformats.org/drawingml/2006/main" xmlns:r="http://schemas.openxmlformats.org/officeDocument/2006/relationships" xmlns:mc="http://schemas.openxmlformats.org/markup-compatibility/2006" xmlns:mv="urn:schemas-microsoft-com:mac:vml" xmlns:p="http://schemas.openxmlformats.org/presentationml/2006/main" xmlns:c="http://schemas.openxmlformats.org/drawingml/2006/chart" xmlns:dgm="http://schemas.openxmlformats.org/drawingml/2006/diagram" xmlns:o="urn:schemas-microsoft-com:office:office" xmlns:v="urn:schemas-microsoft-com:vml" xmlns:pvml="urn:schemas-microsoft-com:office:powerpoint" xmlns:com="http://schemas.openxmlformats.org/drawingml/2006/compatibility" xmlns:p14="http://schemas.microsoft.com/office/powerpoint/2010/main" xmlns:p15="http://schemas.microsoft.com/office/powerpoint/2012/main">
+<p:sldLayout xmlns:a="http://schemas.openxmlformats.org/drawingml/2006/main" xmlns:r="http://schemas.openxmlformats.org/officeDocument/2006/relationships" xmlns:p="http://schemas.openxmlformats.org/presentationml/2006/main">
   <p:cSld name="Section title and description">
     <p:spTree>
       <p:nvGrpSpPr>
-        <p:cNvPr id="61" name="Shape 61"/>
+        <p:cNvPr id="1" name="Shape 61"/>
         <p:cNvGrpSpPr/>
         <p:nvPr/>
       </p:nvGrpSpPr>
@@ -4912,20 +5116,17 @@
           </a:ln>
         </p:spPr>
         <p:txBody>
-          <a:bodyPr anchorCtr="0" anchor="ctr" bIns="91425" lIns="91425" rIns="91425" wrap="square" tIns="91425">
+          <a:bodyPr wrap="square" lIns="91425" tIns="91425" rIns="91425" bIns="91425" anchor="ctr" anchorCtr="0">
             <a:noAutofit/>
           </a:bodyPr>
           <a:lstStyle/>
           <a:p>
-            <a:pPr indent="0" lvl="0" marL="0">
+            <a:pPr marL="0" lvl="0" indent="0">
               <a:spcBef>
                 <a:spcPts val="0"/>
               </a:spcBef>
               <a:buNone/>
             </a:pPr>
-            <a:r>
-              <a:t/>
-            </a:r>
             <a:endParaRPr/>
           </a:p>
         </p:txBody>
@@ -4966,20 +5167,17 @@
             </a:ln>
           </p:spPr>
           <p:txBody>
-            <a:bodyPr anchorCtr="0" anchor="ctr" bIns="91425" lIns="91425" rIns="91425" wrap="square" tIns="91425">
+            <a:bodyPr wrap="square" lIns="91425" tIns="91425" rIns="91425" bIns="91425" anchor="ctr" anchorCtr="0">
               <a:noAutofit/>
             </a:bodyPr>
             <a:lstStyle/>
             <a:p>
-              <a:pPr indent="0" lvl="0" marL="0">
+              <a:pPr marL="0" lvl="0" indent="0">
                 <a:spcBef>
                   <a:spcPts val="0"/>
                 </a:spcBef>
                 <a:buNone/>
               </a:pPr>
-              <a:r>
-                <a:t/>
-              </a:r>
               <a:endParaRPr/>
             </a:p>
           </p:txBody>
@@ -5006,20 +5204,17 @@
             </a:ln>
           </p:spPr>
           <p:txBody>
-            <a:bodyPr anchorCtr="0" anchor="ctr" bIns="91425" lIns="91425" rIns="91425" wrap="square" tIns="91425">
+            <a:bodyPr wrap="square" lIns="91425" tIns="91425" rIns="91425" bIns="91425" anchor="ctr" anchorCtr="0">
               <a:noAutofit/>
             </a:bodyPr>
             <a:lstStyle/>
             <a:p>
-              <a:pPr indent="0" lvl="0" marL="0">
+              <a:pPr marL="0" lvl="0" indent="0">
                 <a:spcBef>
                   <a:spcPts val="0"/>
                 </a:spcBef>
                 <a:buNone/>
               </a:pPr>
-              <a:r>
-                <a:t/>
-              </a:r>
               <a:endParaRPr/>
             </a:p>
           </p:txBody>
@@ -5028,7 +5223,9 @@
       <p:sp>
         <p:nvSpPr>
           <p:cNvPr id="66" name="Shape 66"/>
-          <p:cNvSpPr txBox="1"/>
+          <p:cNvSpPr txBox="1">
+            <a:spLocks noGrp="1"/>
+          </p:cNvSpPr>
           <p:nvPr>
             <p:ph type="title"/>
           </p:nvPr>
@@ -5043,7 +5240,7 @@
           </a:prstGeom>
         </p:spPr>
         <p:txBody>
-          <a:bodyPr anchorCtr="0" anchor="t" bIns="91425" lIns="91425" rIns="91425" wrap="square" tIns="91425"/>
+          <a:bodyPr wrap="square" lIns="91425" tIns="91425" rIns="91425" bIns="91425" anchor="t" anchorCtr="0"/>
           <a:lstStyle>
             <a:lvl1pPr lvl="0">
               <a:spcBef>
@@ -5181,15 +5378,19 @@
               </a:defRPr>
             </a:lvl9pPr>
           </a:lstStyle>
-          <a:p/>
+          <a:p>
+            <a:endParaRPr/>
+          </a:p>
         </p:txBody>
       </p:sp>
       <p:sp>
         <p:nvSpPr>
           <p:cNvPr id="67" name="Shape 67"/>
-          <p:cNvSpPr txBox="1"/>
+          <p:cNvSpPr txBox="1">
+            <a:spLocks noGrp="1"/>
+          </p:cNvSpPr>
           <p:nvPr>
-            <p:ph idx="1" type="subTitle"/>
+            <p:ph type="subTitle" idx="1"/>
           </p:nvPr>
         </p:nvSpPr>
         <p:spPr>
@@ -5202,7 +5403,7 @@
           </a:prstGeom>
         </p:spPr>
         <p:txBody>
-          <a:bodyPr anchorCtr="0" anchor="t" bIns="91425" lIns="91425" rIns="91425" wrap="square" tIns="91425"/>
+          <a:bodyPr wrap="square" lIns="91425" tIns="91425" rIns="91425" bIns="91425" anchor="t" anchorCtr="0"/>
           <a:lstStyle>
             <a:lvl1pPr lvl="0">
               <a:lnSpc>
@@ -5331,15 +5532,19 @@
               <a:defRPr sz="1600"/>
             </a:lvl9pPr>
           </a:lstStyle>
-          <a:p/>
+          <a:p>
+            <a:endParaRPr/>
+          </a:p>
         </p:txBody>
       </p:sp>
       <p:sp>
         <p:nvSpPr>
           <p:cNvPr id="68" name="Shape 68"/>
-          <p:cNvSpPr txBox="1"/>
+          <p:cNvSpPr txBox="1">
+            <a:spLocks noGrp="1"/>
+          </p:cNvSpPr>
           <p:nvPr>
-            <p:ph idx="2" type="body"/>
+            <p:ph type="body" idx="2"/>
           </p:nvPr>
         </p:nvSpPr>
         <p:spPr>
@@ -5352,7 +5557,7 @@
           </a:prstGeom>
         </p:spPr>
         <p:txBody>
-          <a:bodyPr anchorCtr="0" anchor="t" bIns="91425" lIns="91425" rIns="91425" wrap="square" tIns="91425"/>
+          <a:bodyPr wrap="square" lIns="91425" tIns="91425" rIns="91425" bIns="91425" anchor="t" anchorCtr="0"/>
           <a:lstStyle>
             <a:lvl1pPr lvl="0">
               <a:spcBef>
@@ -5427,15 +5632,19 @@
               <a:defRPr/>
             </a:lvl9pPr>
           </a:lstStyle>
-          <a:p/>
+          <a:p>
+            <a:endParaRPr/>
+          </a:p>
         </p:txBody>
       </p:sp>
       <p:sp>
         <p:nvSpPr>
           <p:cNvPr id="69" name="Shape 69"/>
-          <p:cNvSpPr txBox="1"/>
+          <p:cNvSpPr txBox="1">
+            <a:spLocks noGrp="1"/>
+          </p:cNvSpPr>
           <p:nvPr>
-            <p:ph idx="12" type="sldNum"/>
+            <p:ph type="sldNum" idx="12"/>
           </p:nvPr>
         </p:nvSpPr>
         <p:spPr>
@@ -5448,12 +5657,12 @@
           </a:prstGeom>
         </p:spPr>
         <p:txBody>
-          <a:bodyPr anchorCtr="0" anchor="ctr" bIns="91425" lIns="91425" rIns="91425" wrap="square" tIns="91425">
+          <a:bodyPr wrap="square" lIns="91425" tIns="91425" rIns="91425" bIns="91425" anchor="ctr" anchorCtr="0">
             <a:noAutofit/>
           </a:bodyPr>
           <a:lstStyle/>
           <a:p>
-            <a:pPr indent="0" lvl="0" marL="0">
+            <a:pPr marL="0" lvl="0" indent="0">
               <a:spcBef>
                 <a:spcPts val="0"/>
               </a:spcBef>
@@ -5463,6 +5672,7 @@
               <a:rPr lang="zh-TW"/>
               <a:t>‹#›</a:t>
             </a:fld>
+            <a:endParaRPr lang="zh-TW"/>
           </a:p>
         </p:txBody>
       </p:sp>
@@ -5475,11 +5685,11 @@
 </file>
 
 <file path=ppt/slideLayouts/slideLayout9.xml><?xml version="1.0" encoding="utf-8"?>
-<p:sldLayout xmlns:a="http://schemas.openxmlformats.org/drawingml/2006/main" xmlns:r="http://schemas.openxmlformats.org/officeDocument/2006/relationships" xmlns:mc="http://schemas.openxmlformats.org/markup-compatibility/2006" xmlns:mv="urn:schemas-microsoft-com:mac:vml" xmlns:p="http://schemas.openxmlformats.org/presentationml/2006/main" xmlns:c="http://schemas.openxmlformats.org/drawingml/2006/chart" xmlns:dgm="http://schemas.openxmlformats.org/drawingml/2006/diagram" xmlns:o="urn:schemas-microsoft-com:office:office" xmlns:v="urn:schemas-microsoft-com:vml" xmlns:pvml="urn:schemas-microsoft-com:office:powerpoint" xmlns:com="http://schemas.openxmlformats.org/drawingml/2006/compatibility" xmlns:p14="http://schemas.microsoft.com/office/powerpoint/2010/main" xmlns:p15="http://schemas.microsoft.com/office/powerpoint/2012/main">
+<p:sldLayout xmlns:a="http://schemas.openxmlformats.org/drawingml/2006/main" xmlns:r="http://schemas.openxmlformats.org/officeDocument/2006/relationships" xmlns:p="http://schemas.openxmlformats.org/presentationml/2006/main">
   <p:cSld name="Caption">
     <p:spTree>
       <p:nvGrpSpPr>
-        <p:cNvPr id="70" name="Shape 70"/>
+        <p:cNvPr id="1" name="Shape 70"/>
         <p:cNvGrpSpPr/>
         <p:nvPr/>
       </p:nvGrpSpPr>
@@ -5494,9 +5704,11 @@
       <p:sp>
         <p:nvSpPr>
           <p:cNvPr id="71" name="Shape 71"/>
-          <p:cNvSpPr txBox="1"/>
+          <p:cNvSpPr txBox="1">
+            <a:spLocks noGrp="1"/>
+          </p:cNvSpPr>
           <p:nvPr>
-            <p:ph idx="1" type="body"/>
+            <p:ph type="body" idx="1"/>
           </p:nvPr>
         </p:nvSpPr>
         <p:spPr>
@@ -5509,7 +5721,7 @@
           </a:prstGeom>
         </p:spPr>
         <p:txBody>
-          <a:bodyPr anchorCtr="0" anchor="ctr" bIns="91425" lIns="91425" rIns="91425" wrap="square" tIns="91425"/>
+          <a:bodyPr wrap="square" lIns="91425" tIns="91425" rIns="91425" bIns="91425" anchor="ctr" anchorCtr="0"/>
           <a:lstStyle>
             <a:lvl1pPr lvl="0">
               <a:lnSpc>
@@ -5526,15 +5738,19 @@
               <a:defRPr/>
             </a:lvl1pPr>
           </a:lstStyle>
-          <a:p/>
+          <a:p>
+            <a:endParaRPr/>
+          </a:p>
         </p:txBody>
       </p:sp>
       <p:sp>
         <p:nvSpPr>
           <p:cNvPr id="72" name="Shape 72"/>
-          <p:cNvSpPr txBox="1"/>
+          <p:cNvSpPr txBox="1">
+            <a:spLocks noGrp="1"/>
+          </p:cNvSpPr>
           <p:nvPr>
-            <p:ph idx="12" type="sldNum"/>
+            <p:ph type="sldNum" idx="12"/>
           </p:nvPr>
         </p:nvSpPr>
         <p:spPr>
@@ -5547,12 +5763,12 @@
           </a:prstGeom>
         </p:spPr>
         <p:txBody>
-          <a:bodyPr anchorCtr="0" anchor="ctr" bIns="91425" lIns="91425" rIns="91425" wrap="square" tIns="91425">
+          <a:bodyPr wrap="square" lIns="91425" tIns="91425" rIns="91425" bIns="91425" anchor="ctr" anchorCtr="0">
             <a:noAutofit/>
           </a:bodyPr>
           <a:lstStyle/>
           <a:p>
-            <a:pPr indent="0" lvl="0" marL="0">
+            <a:pPr marL="0" lvl="0" indent="0">
               <a:spcBef>
                 <a:spcPts val="0"/>
               </a:spcBef>
@@ -5562,6 +5778,7 @@
               <a:rPr lang="zh-TW"/>
               <a:t>‹#›</a:t>
             </a:fld>
+            <a:endParaRPr lang="zh-TW"/>
           </a:p>
         </p:txBody>
       </p:sp>
@@ -5574,18 +5791,19 @@
 </file>
 
 <file path=ppt/slideMasters/slideMaster1.xml><?xml version="1.0" encoding="utf-8"?>
-<p:sldMaster xmlns:a="http://schemas.openxmlformats.org/drawingml/2006/main" xmlns:r="http://schemas.openxmlformats.org/officeDocument/2006/relationships" xmlns:mc="http://schemas.openxmlformats.org/markup-compatibility/2006" xmlns:mv="urn:schemas-microsoft-com:mac:vml" xmlns:p="http://schemas.openxmlformats.org/presentationml/2006/main" xmlns:c="http://schemas.openxmlformats.org/drawingml/2006/chart" xmlns:dgm="http://schemas.openxmlformats.org/drawingml/2006/diagram" xmlns:o="urn:schemas-microsoft-com:office:office" xmlns:v="urn:schemas-microsoft-com:vml" xmlns:pvml="urn:schemas-microsoft-com:office:powerpoint" xmlns:com="http://schemas.openxmlformats.org/drawingml/2006/compatibility" xmlns:p14="http://schemas.microsoft.com/office/powerpoint/2010/main" xmlns:p15="http://schemas.microsoft.com/office/powerpoint/2012/main">
+<p:sldMaster xmlns:a="http://schemas.openxmlformats.org/drawingml/2006/main" xmlns:r="http://schemas.openxmlformats.org/officeDocument/2006/relationships" xmlns:p="http://schemas.openxmlformats.org/presentationml/2006/main">
   <p:cSld name="streamline">
     <p:bg>
       <p:bgPr>
         <a:solidFill>
           <a:schemeClr val="lt1"/>
         </a:solidFill>
+        <a:effectLst/>
       </p:bgPr>
     </p:bg>
     <p:spTree>
       <p:nvGrpSpPr>
-        <p:cNvPr id="5" name="Shape 5"/>
+        <p:cNvPr id="1" name="Shape 5"/>
         <p:cNvGrpSpPr/>
         <p:nvPr/>
       </p:nvGrpSpPr>
@@ -5600,7 +5818,9 @@
       <p:sp>
         <p:nvSpPr>
           <p:cNvPr id="6" name="Shape 6"/>
-          <p:cNvSpPr txBox="1"/>
+          <p:cNvSpPr txBox="1">
+            <a:spLocks noGrp="1"/>
+          </p:cNvSpPr>
           <p:nvPr>
             <p:ph type="title"/>
           </p:nvPr>
@@ -5619,7 +5839,7 @@
           </a:ln>
         </p:spPr>
         <p:txBody>
-          <a:bodyPr anchorCtr="0" anchor="t" bIns="91425" lIns="91425" rIns="91425" wrap="square" tIns="91425"/>
+          <a:bodyPr wrap="square" lIns="91425" tIns="91425" rIns="91425" bIns="91425" anchor="t" anchorCtr="0"/>
           <a:lstStyle>
             <a:lvl1pPr lvl="0">
               <a:spcBef>
@@ -5628,7 +5848,7 @@
               <a:buSzPts val="2800"/>
               <a:buFont typeface="Raleway"/>
               <a:buNone/>
-              <a:defRPr b="1" sz="2800">
+              <a:defRPr sz="2800" b="1">
                 <a:latin typeface="Raleway"/>
                 <a:ea typeface="Raleway"/>
                 <a:cs typeface="Raleway"/>
@@ -5642,7 +5862,7 @@
               <a:buSzPts val="2800"/>
               <a:buFont typeface="Raleway"/>
               <a:buNone/>
-              <a:defRPr b="1" sz="2800">
+              <a:defRPr sz="2800" b="1">
                 <a:latin typeface="Raleway"/>
                 <a:ea typeface="Raleway"/>
                 <a:cs typeface="Raleway"/>
@@ -5656,7 +5876,7 @@
               <a:buSzPts val="2800"/>
               <a:buFont typeface="Raleway"/>
               <a:buNone/>
-              <a:defRPr b="1" sz="2800">
+              <a:defRPr sz="2800" b="1">
                 <a:latin typeface="Raleway"/>
                 <a:ea typeface="Raleway"/>
                 <a:cs typeface="Raleway"/>
@@ -5670,7 +5890,7 @@
               <a:buSzPts val="2800"/>
               <a:buFont typeface="Raleway"/>
               <a:buNone/>
-              <a:defRPr b="1" sz="2800">
+              <a:defRPr sz="2800" b="1">
                 <a:latin typeface="Raleway"/>
                 <a:ea typeface="Raleway"/>
                 <a:cs typeface="Raleway"/>
@@ -5684,7 +5904,7 @@
               <a:buSzPts val="2800"/>
               <a:buFont typeface="Raleway"/>
               <a:buNone/>
-              <a:defRPr b="1" sz="2800">
+              <a:defRPr sz="2800" b="1">
                 <a:latin typeface="Raleway"/>
                 <a:ea typeface="Raleway"/>
                 <a:cs typeface="Raleway"/>
@@ -5698,7 +5918,7 @@
               <a:buSzPts val="2800"/>
               <a:buFont typeface="Raleway"/>
               <a:buNone/>
-              <a:defRPr b="1" sz="2800">
+              <a:defRPr sz="2800" b="1">
                 <a:latin typeface="Raleway"/>
                 <a:ea typeface="Raleway"/>
                 <a:cs typeface="Raleway"/>
@@ -5712,7 +5932,7 @@
               <a:buSzPts val="2800"/>
               <a:buFont typeface="Raleway"/>
               <a:buNone/>
-              <a:defRPr b="1" sz="2800">
+              <a:defRPr sz="2800" b="1">
                 <a:latin typeface="Raleway"/>
                 <a:ea typeface="Raleway"/>
                 <a:cs typeface="Raleway"/>
@@ -5726,7 +5946,7 @@
               <a:buSzPts val="2800"/>
               <a:buFont typeface="Raleway"/>
               <a:buNone/>
-              <a:defRPr b="1" sz="2800">
+              <a:defRPr sz="2800" b="1">
                 <a:latin typeface="Raleway"/>
                 <a:ea typeface="Raleway"/>
                 <a:cs typeface="Raleway"/>
@@ -5740,7 +5960,7 @@
               <a:buSzPts val="2800"/>
               <a:buFont typeface="Raleway"/>
               <a:buNone/>
-              <a:defRPr b="1" sz="2800">
+              <a:defRPr sz="2800" b="1">
                 <a:latin typeface="Raleway"/>
                 <a:ea typeface="Raleway"/>
                 <a:cs typeface="Raleway"/>
@@ -5748,15 +5968,19 @@
               </a:defRPr>
             </a:lvl9pPr>
           </a:lstStyle>
-          <a:p/>
+          <a:p>
+            <a:endParaRPr/>
+          </a:p>
         </p:txBody>
       </p:sp>
       <p:sp>
         <p:nvSpPr>
           <p:cNvPr id="7" name="Shape 7"/>
-          <p:cNvSpPr txBox="1"/>
+          <p:cNvSpPr txBox="1">
+            <a:spLocks noGrp="1"/>
+          </p:cNvSpPr>
           <p:nvPr>
-            <p:ph idx="1" type="body"/>
+            <p:ph type="body" idx="1"/>
           </p:nvPr>
         </p:nvSpPr>
         <p:spPr>
@@ -5773,7 +5997,7 @@
           </a:ln>
         </p:spPr>
         <p:txBody>
-          <a:bodyPr anchorCtr="0" anchor="t" bIns="91425" lIns="91425" rIns="91425" wrap="square" tIns="91425"/>
+          <a:bodyPr wrap="square" lIns="91425" tIns="91425" rIns="91425" bIns="91425" anchor="t" anchorCtr="0"/>
           <a:lstStyle>
             <a:lvl1pPr lvl="0">
               <a:lnSpc>
@@ -6010,15 +6234,19 @@
               </a:defRPr>
             </a:lvl9pPr>
           </a:lstStyle>
-          <a:p/>
+          <a:p>
+            <a:endParaRPr/>
+          </a:p>
         </p:txBody>
       </p:sp>
       <p:sp>
         <p:nvSpPr>
           <p:cNvPr id="8" name="Shape 8"/>
-          <p:cNvSpPr txBox="1"/>
+          <p:cNvSpPr txBox="1">
+            <a:spLocks noGrp="1"/>
+          </p:cNvSpPr>
           <p:nvPr>
-            <p:ph idx="12" type="sldNum"/>
+            <p:ph type="sldNum" idx="12"/>
           </p:nvPr>
         </p:nvSpPr>
         <p:spPr>
@@ -6035,12 +6263,12 @@
           </a:ln>
         </p:spPr>
         <p:txBody>
-          <a:bodyPr anchorCtr="0" anchor="ctr" bIns="91425" lIns="91425" rIns="91425" wrap="square" tIns="91425">
+          <a:bodyPr wrap="square" lIns="91425" tIns="91425" rIns="91425" bIns="91425" anchor="ctr" anchorCtr="0">
             <a:noAutofit/>
           </a:bodyPr>
           <a:lstStyle/>
           <a:p>
-            <a:pPr indent="0" lvl="0" marL="0" algn="r">
+            <a:pPr marL="0" lvl="0" indent="0" algn="r">
               <a:spcBef>
                 <a:spcPts val="0"/>
               </a:spcBef>
@@ -6058,12 +6286,21 @@
               </a:rPr>
               <a:t>‹#›</a:t>
             </a:fld>
+            <a:endParaRPr lang="zh-TW" sz="1000">
+              <a:solidFill>
+                <a:schemeClr val="accent1"/>
+              </a:solidFill>
+              <a:latin typeface="Lato"/>
+              <a:ea typeface="Lato"/>
+              <a:cs typeface="Lato"/>
+              <a:sym typeface="Lato"/>
+            </a:endParaRPr>
           </a:p>
         </p:txBody>
       </p:sp>
     </p:spTree>
   </p:cSld>
-  <p:clrMap accent1="accent1" accent2="accent2" accent3="accent3" accent4="accent4" accent5="accent5" accent6="accent6" bg1="lt1" bg2="dk2" tx1="dk1" tx2="lt2" folHlink="folHlink" hlink="hlink"/>
+  <p:clrMap bg1="lt1" tx1="dk1" bg2="dk2" tx2="lt2" accent1="accent1" accent2="accent2" accent3="accent3" accent4="accent4" accent5="accent5" accent6="accent6" hlink="hlink" folHlink="folHlink"/>
   <p:sldLayoutIdLst>
     <p:sldLayoutId id="2147483648" r:id="rId1"/>
     <p:sldLayoutId id="2147483649" r:id="rId2"/>
@@ -6077,10 +6314,10 @@
     <p:sldLayoutId id="2147483657" r:id="rId10"/>
     <p:sldLayoutId id="2147483658" r:id="rId11"/>
   </p:sldLayoutIdLst>
-  <p:hf dt="0" ftr="0" hdr="0" sldNum="0"/>
+  <p:hf sldNum="0" hdr="0" ftr="0" dt="0"/>
   <p:txStyles>
     <p:titleStyle>
-      <a:defPPr lvl="0" marR="0" rtl="0" algn="l">
+      <a:defPPr marR="0" lvl="0" algn="l" rtl="0">
         <a:lnSpc>
           <a:spcPct val="100000"/>
         </a:lnSpc>
@@ -6091,7 +6328,7 @@
           <a:spcPts val="0"/>
         </a:spcAft>
       </a:defPPr>
-      <a:lvl1pPr lvl="0" marR="0" rtl="0" algn="l">
+      <a:lvl1pPr marR="0" lvl="0" algn="l" rtl="0">
         <a:lnSpc>
           <a:spcPct val="100000"/>
         </a:lnSpc>
@@ -6102,7 +6339,7 @@
           <a:spcPts val="0"/>
         </a:spcAft>
         <a:buNone/>
-        <a:defRPr b="0" i="0" sz="1400" u="none" cap="none" strike="noStrike">
+        <a:defRPr sz="1400" b="0" i="0" u="none" strike="noStrike" cap="none">
           <a:solidFill>
             <a:srgbClr val="000000"/>
           </a:solidFill>
@@ -6114,7 +6351,7 @@
       </a:lvl1pPr>
     </p:titleStyle>
     <p:bodyStyle>
-      <a:defPPr lvl="0" marR="0" rtl="0" algn="l">
+      <a:defPPr marR="0" lvl="0" algn="l" rtl="0">
         <a:lnSpc>
           <a:spcPct val="100000"/>
         </a:lnSpc>
@@ -6125,7 +6362,7 @@
           <a:spcPts val="0"/>
         </a:spcAft>
       </a:defPPr>
-      <a:lvl1pPr lvl="0" marR="0" rtl="0" algn="l">
+      <a:lvl1pPr marR="0" lvl="0" algn="l" rtl="0">
         <a:lnSpc>
           <a:spcPct val="100000"/>
         </a:lnSpc>
@@ -6136,7 +6373,7 @@
           <a:spcPts val="0"/>
         </a:spcAft>
         <a:buNone/>
-        <a:defRPr b="0" i="0" sz="1400" u="none" cap="none" strike="noStrike">
+        <a:defRPr sz="1400" b="0" i="0" u="none" strike="noStrike" cap="none">
           <a:solidFill>
             <a:srgbClr val="000000"/>
           </a:solidFill>
@@ -6146,7 +6383,7 @@
           <a:sym typeface="Arial"/>
         </a:defRPr>
       </a:lvl1pPr>
-      <a:lvl2pPr lvl="1" marR="0" rtl="0" algn="l">
+      <a:lvl2pPr marR="0" lvl="1" algn="l" rtl="0">
         <a:lnSpc>
           <a:spcPct val="100000"/>
         </a:lnSpc>
@@ -6157,7 +6394,7 @@
           <a:spcPts val="0"/>
         </a:spcAft>
         <a:buNone/>
-        <a:defRPr b="0" i="0" sz="1400" u="none" cap="none" strike="noStrike">
+        <a:defRPr sz="1400" b="0" i="0" u="none" strike="noStrike" cap="none">
           <a:solidFill>
             <a:srgbClr val="000000"/>
           </a:solidFill>
@@ -6167,7 +6404,7 @@
           <a:sym typeface="Arial"/>
         </a:defRPr>
       </a:lvl2pPr>
-      <a:lvl3pPr lvl="2" marR="0" rtl="0" algn="l">
+      <a:lvl3pPr marR="0" lvl="2" algn="l" rtl="0">
         <a:lnSpc>
           <a:spcPct val="100000"/>
         </a:lnSpc>
@@ -6178,7 +6415,7 @@
           <a:spcPts val="0"/>
         </a:spcAft>
         <a:buNone/>
-        <a:defRPr b="0" i="0" sz="1400" u="none" cap="none" strike="noStrike">
+        <a:defRPr sz="1400" b="0" i="0" u="none" strike="noStrike" cap="none">
           <a:solidFill>
             <a:srgbClr val="000000"/>
           </a:solidFill>
@@ -6188,7 +6425,7 @@
           <a:sym typeface="Arial"/>
         </a:defRPr>
       </a:lvl3pPr>
-      <a:lvl4pPr lvl="3" marR="0" rtl="0" algn="l">
+      <a:lvl4pPr marR="0" lvl="3" algn="l" rtl="0">
         <a:lnSpc>
           <a:spcPct val="100000"/>
         </a:lnSpc>
@@ -6199,7 +6436,7 @@
           <a:spcPts val="0"/>
         </a:spcAft>
         <a:buNone/>
-        <a:defRPr b="0" i="0" sz="1400" u="none" cap="none" strike="noStrike">
+        <a:defRPr sz="1400" b="0" i="0" u="none" strike="noStrike" cap="none">
           <a:solidFill>
             <a:srgbClr val="000000"/>
           </a:solidFill>
@@ -6209,7 +6446,7 @@
           <a:sym typeface="Arial"/>
         </a:defRPr>
       </a:lvl4pPr>
-      <a:lvl5pPr lvl="4" marR="0" rtl="0" algn="l">
+      <a:lvl5pPr marR="0" lvl="4" algn="l" rtl="0">
         <a:lnSpc>
           <a:spcPct val="100000"/>
         </a:lnSpc>
@@ -6220,7 +6457,7 @@
           <a:spcPts val="0"/>
         </a:spcAft>
         <a:buNone/>
-        <a:defRPr b="0" i="0" sz="1400" u="none" cap="none" strike="noStrike">
+        <a:defRPr sz="1400" b="0" i="0" u="none" strike="noStrike" cap="none">
           <a:solidFill>
             <a:srgbClr val="000000"/>
           </a:solidFill>
@@ -6230,7 +6467,7 @@
           <a:sym typeface="Arial"/>
         </a:defRPr>
       </a:lvl5pPr>
-      <a:lvl6pPr lvl="5" marR="0" rtl="0" algn="l">
+      <a:lvl6pPr marR="0" lvl="5" algn="l" rtl="0">
         <a:lnSpc>
           <a:spcPct val="100000"/>
         </a:lnSpc>
@@ -6241,7 +6478,7 @@
           <a:spcPts val="0"/>
         </a:spcAft>
         <a:buNone/>
-        <a:defRPr b="0" i="0" sz="1400" u="none" cap="none" strike="noStrike">
+        <a:defRPr sz="1400" b="0" i="0" u="none" strike="noStrike" cap="none">
           <a:solidFill>
             <a:srgbClr val="000000"/>
           </a:solidFill>
@@ -6251,7 +6488,7 @@
           <a:sym typeface="Arial"/>
         </a:defRPr>
       </a:lvl6pPr>
-      <a:lvl7pPr lvl="6" marR="0" rtl="0" algn="l">
+      <a:lvl7pPr marR="0" lvl="6" algn="l" rtl="0">
         <a:lnSpc>
           <a:spcPct val="100000"/>
         </a:lnSpc>
@@ -6262,7 +6499,7 @@
           <a:spcPts val="0"/>
         </a:spcAft>
         <a:buNone/>
-        <a:defRPr b="0" i="0" sz="1400" u="none" cap="none" strike="noStrike">
+        <a:defRPr sz="1400" b="0" i="0" u="none" strike="noStrike" cap="none">
           <a:solidFill>
             <a:srgbClr val="000000"/>
           </a:solidFill>
@@ -6272,7 +6509,7 @@
           <a:sym typeface="Arial"/>
         </a:defRPr>
       </a:lvl7pPr>
-      <a:lvl8pPr lvl="7" marR="0" rtl="0" algn="l">
+      <a:lvl8pPr marR="0" lvl="7" algn="l" rtl="0">
         <a:lnSpc>
           <a:spcPct val="100000"/>
         </a:lnSpc>
@@ -6283,7 +6520,7 @@
           <a:spcPts val="0"/>
         </a:spcAft>
         <a:buNone/>
-        <a:defRPr b="0" i="0" sz="1400" u="none" cap="none" strike="noStrike">
+        <a:defRPr sz="1400" b="0" i="0" u="none" strike="noStrike" cap="none">
           <a:solidFill>
             <a:srgbClr val="000000"/>
           </a:solidFill>
@@ -6293,7 +6530,7 @@
           <a:sym typeface="Arial"/>
         </a:defRPr>
       </a:lvl8pPr>
-      <a:lvl9pPr lvl="8" marR="0" rtl="0" algn="l">
+      <a:lvl9pPr marR="0" lvl="8" algn="l" rtl="0">
         <a:lnSpc>
           <a:spcPct val="100000"/>
         </a:lnSpc>
@@ -6304,7 +6541,7 @@
           <a:spcPts val="0"/>
         </a:spcAft>
         <a:buNone/>
-        <a:defRPr b="0" i="0" sz="1400" u="none" cap="none" strike="noStrike">
+        <a:defRPr sz="1400" b="0" i="0" u="none" strike="noStrike" cap="none">
           <a:solidFill>
             <a:srgbClr val="000000"/>
           </a:solidFill>
@@ -6316,7 +6553,7 @@
       </a:lvl9pPr>
     </p:bodyStyle>
     <p:otherStyle>
-      <a:defPPr lvl="0" marR="0" rtl="0" algn="l">
+      <a:defPPr marR="0" lvl="0" algn="l" rtl="0">
         <a:lnSpc>
           <a:spcPct val="100000"/>
         </a:lnSpc>
@@ -6327,7 +6564,7 @@
           <a:spcPts val="0"/>
         </a:spcAft>
       </a:defPPr>
-      <a:lvl1pPr lvl="0" marR="0" rtl="0" algn="l">
+      <a:lvl1pPr marR="0" lvl="0" algn="l" rtl="0">
         <a:lnSpc>
           <a:spcPct val="100000"/>
         </a:lnSpc>
@@ -6338,7 +6575,7 @@
           <a:spcPts val="0"/>
         </a:spcAft>
         <a:buNone/>
-        <a:defRPr b="0" i="0" sz="1400" u="none" cap="none" strike="noStrike">
+        <a:defRPr sz="1400" b="0" i="0" u="none" strike="noStrike" cap="none">
           <a:solidFill>
             <a:srgbClr val="000000"/>
           </a:solidFill>
@@ -6348,7 +6585,7 @@
           <a:sym typeface="Arial"/>
         </a:defRPr>
       </a:lvl1pPr>
-      <a:lvl2pPr lvl="1" marR="0" rtl="0" algn="l">
+      <a:lvl2pPr marR="0" lvl="1" algn="l" rtl="0">
         <a:lnSpc>
           <a:spcPct val="100000"/>
         </a:lnSpc>
@@ -6359,7 +6596,7 @@
           <a:spcPts val="0"/>
         </a:spcAft>
         <a:buNone/>
-        <a:defRPr b="0" i="0" sz="1400" u="none" cap="none" strike="noStrike">
+        <a:defRPr sz="1400" b="0" i="0" u="none" strike="noStrike" cap="none">
           <a:solidFill>
             <a:srgbClr val="000000"/>
           </a:solidFill>
@@ -6369,7 +6606,7 @@
           <a:sym typeface="Arial"/>
         </a:defRPr>
       </a:lvl2pPr>
-      <a:lvl3pPr lvl="2" marR="0" rtl="0" algn="l">
+      <a:lvl3pPr marR="0" lvl="2" algn="l" rtl="0">
         <a:lnSpc>
           <a:spcPct val="100000"/>
         </a:lnSpc>
@@ -6380,7 +6617,7 @@
           <a:spcPts val="0"/>
         </a:spcAft>
         <a:buNone/>
-        <a:defRPr b="0" i="0" sz="1400" u="none" cap="none" strike="noStrike">
+        <a:defRPr sz="1400" b="0" i="0" u="none" strike="noStrike" cap="none">
           <a:solidFill>
             <a:srgbClr val="000000"/>
           </a:solidFill>
@@ -6390,7 +6627,7 @@
           <a:sym typeface="Arial"/>
         </a:defRPr>
       </a:lvl3pPr>
-      <a:lvl4pPr lvl="3" marR="0" rtl="0" algn="l">
+      <a:lvl4pPr marR="0" lvl="3" algn="l" rtl="0">
         <a:lnSpc>
           <a:spcPct val="100000"/>
         </a:lnSpc>
@@ -6401,7 +6638,7 @@
           <a:spcPts val="0"/>
         </a:spcAft>
         <a:buNone/>
-        <a:defRPr b="0" i="0" sz="1400" u="none" cap="none" strike="noStrike">
+        <a:defRPr sz="1400" b="0" i="0" u="none" strike="noStrike" cap="none">
           <a:solidFill>
             <a:srgbClr val="000000"/>
           </a:solidFill>
@@ -6411,7 +6648,7 @@
           <a:sym typeface="Arial"/>
         </a:defRPr>
       </a:lvl4pPr>
-      <a:lvl5pPr lvl="4" marR="0" rtl="0" algn="l">
+      <a:lvl5pPr marR="0" lvl="4" algn="l" rtl="0">
         <a:lnSpc>
           <a:spcPct val="100000"/>
         </a:lnSpc>
@@ -6422,7 +6659,7 @@
           <a:spcPts val="0"/>
         </a:spcAft>
         <a:buNone/>
-        <a:defRPr b="0" i="0" sz="1400" u="none" cap="none" strike="noStrike">
+        <a:defRPr sz="1400" b="0" i="0" u="none" strike="noStrike" cap="none">
           <a:solidFill>
             <a:srgbClr val="000000"/>
           </a:solidFill>
@@ -6432,7 +6669,7 @@
           <a:sym typeface="Arial"/>
         </a:defRPr>
       </a:lvl5pPr>
-      <a:lvl6pPr lvl="5" marR="0" rtl="0" algn="l">
+      <a:lvl6pPr marR="0" lvl="5" algn="l" rtl="0">
         <a:lnSpc>
           <a:spcPct val="100000"/>
         </a:lnSpc>
@@ -6443,7 +6680,7 @@
           <a:spcPts val="0"/>
         </a:spcAft>
         <a:buNone/>
-        <a:defRPr b="0" i="0" sz="1400" u="none" cap="none" strike="noStrike">
+        <a:defRPr sz="1400" b="0" i="0" u="none" strike="noStrike" cap="none">
           <a:solidFill>
             <a:srgbClr val="000000"/>
           </a:solidFill>
@@ -6453,7 +6690,7 @@
           <a:sym typeface="Arial"/>
         </a:defRPr>
       </a:lvl6pPr>
-      <a:lvl7pPr lvl="6" marR="0" rtl="0" algn="l">
+      <a:lvl7pPr marR="0" lvl="6" algn="l" rtl="0">
         <a:lnSpc>
           <a:spcPct val="100000"/>
         </a:lnSpc>
@@ -6464,7 +6701,7 @@
           <a:spcPts val="0"/>
         </a:spcAft>
         <a:buNone/>
-        <a:defRPr b="0" i="0" sz="1400" u="none" cap="none" strike="noStrike">
+        <a:defRPr sz="1400" b="0" i="0" u="none" strike="noStrike" cap="none">
           <a:solidFill>
             <a:srgbClr val="000000"/>
           </a:solidFill>
@@ -6474,7 +6711,7 @@
           <a:sym typeface="Arial"/>
         </a:defRPr>
       </a:lvl7pPr>
-      <a:lvl8pPr lvl="7" marR="0" rtl="0" algn="l">
+      <a:lvl8pPr marR="0" lvl="7" algn="l" rtl="0">
         <a:lnSpc>
           <a:spcPct val="100000"/>
         </a:lnSpc>
@@ -6485,7 +6722,7 @@
           <a:spcPts val="0"/>
         </a:spcAft>
         <a:buNone/>
-        <a:defRPr b="0" i="0" sz="1400" u="none" cap="none" strike="noStrike">
+        <a:defRPr sz="1400" b="0" i="0" u="none" strike="noStrike" cap="none">
           <a:solidFill>
             <a:srgbClr val="000000"/>
           </a:solidFill>
@@ -6495,7 +6732,7 @@
           <a:sym typeface="Arial"/>
         </a:defRPr>
       </a:lvl8pPr>
-      <a:lvl9pPr lvl="8" marR="0" rtl="0" algn="l">
+      <a:lvl9pPr marR="0" lvl="8" algn="l" rtl="0">
         <a:lnSpc>
           <a:spcPct val="100000"/>
         </a:lnSpc>
@@ -6506,7 +6743,7 @@
           <a:spcPts val="0"/>
         </a:spcAft>
         <a:buNone/>
-        <a:defRPr b="0" i="0" sz="1400" u="none" cap="none" strike="noStrike">
+        <a:defRPr sz="1400" b="0" i="0" u="none" strike="noStrike" cap="none">
           <a:solidFill>
             <a:srgbClr val="000000"/>
           </a:solidFill>
@@ -6522,11 +6759,11 @@
 </file>
 
 <file path=ppt/slides/slide1.xml><?xml version="1.0" encoding="utf-8"?>
-<p:sld xmlns:a="http://schemas.openxmlformats.org/drawingml/2006/main" xmlns:r="http://schemas.openxmlformats.org/officeDocument/2006/relationships" xmlns:mc="http://schemas.openxmlformats.org/markup-compatibility/2006" xmlns:mv="urn:schemas-microsoft-com:mac:vml" xmlns:p="http://schemas.openxmlformats.org/presentationml/2006/main" xmlns:c="http://schemas.openxmlformats.org/drawingml/2006/chart" xmlns:dgm="http://schemas.openxmlformats.org/drawingml/2006/diagram" xmlns:o="urn:schemas-microsoft-com:office:office" xmlns:v="urn:schemas-microsoft-com:vml" xmlns:pvml="urn:schemas-microsoft-com:office:powerpoint" xmlns:com="http://schemas.openxmlformats.org/drawingml/2006/compatibility" xmlns:p14="http://schemas.microsoft.com/office/powerpoint/2010/main" xmlns:p15="http://schemas.microsoft.com/office/powerpoint/2012/main">
+<p:sld xmlns:a="http://schemas.openxmlformats.org/drawingml/2006/main" xmlns:r="http://schemas.openxmlformats.org/officeDocument/2006/relationships" xmlns:p="http://schemas.openxmlformats.org/presentationml/2006/main">
   <p:cSld>
     <p:spTree>
       <p:nvGrpSpPr>
-        <p:cNvPr id="85" name="Shape 85"/>
+        <p:cNvPr id="1" name="Shape 85"/>
         <p:cNvGrpSpPr/>
         <p:nvPr/>
       </p:nvGrpSpPr>
@@ -6541,7 +6778,9 @@
       <p:sp>
         <p:nvSpPr>
           <p:cNvPr id="86" name="Shape 86"/>
-          <p:cNvSpPr txBox="1"/>
+          <p:cNvSpPr txBox="1">
+            <a:spLocks noGrp="1"/>
+          </p:cNvSpPr>
           <p:nvPr>
             <p:ph type="ctrTitle"/>
           </p:nvPr>
@@ -6556,12 +6795,12 @@
           </a:prstGeom>
         </p:spPr>
         <p:txBody>
-          <a:bodyPr anchorCtr="0" anchor="t" bIns="91425" lIns="91425" rIns="91425" wrap="square" tIns="91425">
+          <a:bodyPr wrap="square" lIns="91425" tIns="91425" rIns="91425" bIns="91425" anchor="t" anchorCtr="0">
             <a:noAutofit/>
           </a:bodyPr>
           <a:lstStyle/>
           <a:p>
-            <a:pPr indent="0" lvl="0" marL="0" rtl="0" algn="ctr">
+            <a:pPr marL="0" lvl="0" indent="0" algn="ctr" rtl="0">
               <a:lnSpc>
                 <a:spcPct val="150000"/>
               </a:lnSpc>
@@ -6576,7 +6815,7 @@
             </a:r>
           </a:p>
           <a:p>
-            <a:pPr indent="0" lvl="0" marL="0" rtl="0" algn="ctr">
+            <a:pPr marL="0" lvl="0" indent="0" algn="ctr" rtl="0">
               <a:lnSpc>
                 <a:spcPct val="150000"/>
               </a:lnSpc>
@@ -6599,15 +6838,12 @@
             </a:r>
           </a:p>
           <a:p>
-            <a:pPr indent="0" lvl="0" marL="0" algn="ctr">
+            <a:pPr marL="0" lvl="0" indent="0" algn="ctr">
               <a:spcBef>
                 <a:spcPts val="0"/>
               </a:spcBef>
               <a:buNone/>
             </a:pPr>
-            <a:r>
-              <a:t/>
-            </a:r>
             <a:endParaRPr sz="2800"/>
           </a:p>
         </p:txBody>
@@ -6615,9 +6851,11 @@
       <p:sp>
         <p:nvSpPr>
           <p:cNvPr id="87" name="Shape 87"/>
-          <p:cNvSpPr txBox="1"/>
+          <p:cNvSpPr txBox="1">
+            <a:spLocks noGrp="1"/>
+          </p:cNvSpPr>
           <p:nvPr>
-            <p:ph idx="1" type="subTitle"/>
+            <p:ph type="subTitle" idx="1"/>
           </p:nvPr>
         </p:nvSpPr>
         <p:spPr>
@@ -6630,45 +6868,68 @@
           </a:prstGeom>
         </p:spPr>
         <p:txBody>
-          <a:bodyPr anchorCtr="0" anchor="t" bIns="91425" lIns="91425" rIns="91425" wrap="square" tIns="91425">
+          <a:bodyPr wrap="square" lIns="91425" tIns="91425" rIns="91425" bIns="91425" anchor="t" anchorCtr="0">
             <a:noAutofit/>
           </a:bodyPr>
           <a:lstStyle/>
           <a:p>
-            <a:pPr indent="0" lvl="0" marL="0" algn="ctr">
+            <a:pPr marL="0" lvl="0" indent="0" algn="ctr">
               <a:spcBef>
                 <a:spcPts val="0"/>
               </a:spcBef>
               <a:buNone/>
             </a:pPr>
             <a:r>
-              <a:rPr lang="zh-TW" sz="1800"/>
+              <a:rPr lang="zh-TW" sz="1800" dirty="0"/>
               <a:t>     0656011 Sunner Li</a:t>
             </a:r>
           </a:p>
           <a:p>
-            <a:pPr indent="0" lvl="0" marL="0" algn="ctr">
+            <a:pPr marL="0" lvl="0" indent="0" algn="ctr">
               <a:spcBef>
                 <a:spcPts val="0"/>
               </a:spcBef>
               <a:buNone/>
             </a:pPr>
             <a:r>
-              <a:rPr lang="zh-TW" sz="1800"/>
-              <a:t>0656126 Liu Yen</a:t>
+              <a:rPr lang="zh-TW" sz="1800" dirty="0"/>
+              <a:t>0656126 Liu </a:t>
             </a:r>
+            <a:r>
+              <a:rPr lang="zh-TW" sz="1800" dirty="0" smtClean="0"/>
+              <a:t>Yen</a:t>
+            </a:r>
+            <a:endParaRPr lang="en-US" altLang="zh-TW" sz="1800" dirty="0" smtClean="0"/>
           </a:p>
           <a:p>
-            <a:pPr indent="0" lvl="0" marL="0" algn="l">
+            <a:pPr marL="0" lvl="0" indent="0" algn="ctr">
               <a:spcBef>
                 <a:spcPts val="0"/>
               </a:spcBef>
               <a:buNone/>
             </a:pPr>
             <a:r>
-              <a:t/>
+              <a:rPr lang="en-US" altLang="zh-TW" sz="1800" dirty="0" smtClean="0"/>
+              <a:t>0656605</a:t>
             </a:r>
-            <a:endParaRPr sz="1800"/>
+            <a:r>
+              <a:rPr lang="zh-TW" altLang="en-US" sz="1800" dirty="0" smtClean="0"/>
+              <a:t> </a:t>
+            </a:r>
+            <a:r>
+              <a:rPr lang="en-US" altLang="zh-TW" sz="1800" dirty="0" smtClean="0"/>
+              <a:t>Peter Chuang</a:t>
+            </a:r>
+            <a:endParaRPr lang="zh-TW" sz="1800" dirty="0"/>
+          </a:p>
+          <a:p>
+            <a:pPr marL="0" lvl="0" indent="0" algn="l">
+              <a:spcBef>
+                <a:spcPts val="0"/>
+              </a:spcBef>
+              <a:buNone/>
+            </a:pPr>
+            <a:endParaRPr sz="1800" dirty="0"/>
           </a:p>
         </p:txBody>
       </p:sp>
@@ -6681,11 +6942,11 @@
 </file>
 
 <file path=ppt/slides/slide10.xml><?xml version="1.0" encoding="utf-8"?>
-<p:sld xmlns:a="http://schemas.openxmlformats.org/drawingml/2006/main" xmlns:r="http://schemas.openxmlformats.org/officeDocument/2006/relationships" xmlns:mc="http://schemas.openxmlformats.org/markup-compatibility/2006" xmlns:mv="urn:schemas-microsoft-com:mac:vml" xmlns:p="http://schemas.openxmlformats.org/presentationml/2006/main" xmlns:c="http://schemas.openxmlformats.org/drawingml/2006/chart" xmlns:dgm="http://schemas.openxmlformats.org/drawingml/2006/diagram" xmlns:o="urn:schemas-microsoft-com:office:office" xmlns:v="urn:schemas-microsoft-com:vml" xmlns:pvml="urn:schemas-microsoft-com:office:powerpoint" xmlns:com="http://schemas.openxmlformats.org/drawingml/2006/compatibility" xmlns:p14="http://schemas.microsoft.com/office/powerpoint/2010/main" xmlns:p15="http://schemas.microsoft.com/office/powerpoint/2012/main">
+<p:sld xmlns:a="http://schemas.openxmlformats.org/drawingml/2006/main" xmlns:r="http://schemas.openxmlformats.org/officeDocument/2006/relationships" xmlns:p="http://schemas.openxmlformats.org/presentationml/2006/main">
   <p:cSld>
     <p:spTree>
       <p:nvGrpSpPr>
-        <p:cNvPr id="137" name="Shape 137"/>
+        <p:cNvPr id="1" name="Shape 137"/>
         <p:cNvGrpSpPr/>
         <p:nvPr/>
       </p:nvGrpSpPr>
@@ -6700,7 +6961,9 @@
       <p:sp>
         <p:nvSpPr>
           <p:cNvPr id="138" name="Shape 138"/>
-          <p:cNvSpPr txBox="1"/>
+          <p:cNvSpPr txBox="1">
+            <a:spLocks noGrp="1"/>
+          </p:cNvSpPr>
           <p:nvPr>
             <p:ph type="title"/>
           </p:nvPr>
@@ -6715,12 +6978,12 @@
           </a:prstGeom>
         </p:spPr>
         <p:txBody>
-          <a:bodyPr anchorCtr="0" anchor="ctr" bIns="91425" lIns="91425" rIns="91425" wrap="square" tIns="91425">
+          <a:bodyPr wrap="square" lIns="91425" tIns="91425" rIns="91425" bIns="91425" anchor="ctr" anchorCtr="0">
             <a:noAutofit/>
           </a:bodyPr>
           <a:lstStyle/>
           <a:p>
-            <a:pPr indent="0" lvl="0" marL="0" algn="ctr">
+            <a:pPr marL="0" lvl="0" indent="0" algn="ctr">
               <a:spcBef>
                 <a:spcPts val="0"/>
               </a:spcBef>
@@ -6742,11 +7005,11 @@
 </file>
 
 <file path=ppt/slides/slide2.xml><?xml version="1.0" encoding="utf-8"?>
-<p:sld xmlns:a="http://schemas.openxmlformats.org/drawingml/2006/main" xmlns:r="http://schemas.openxmlformats.org/officeDocument/2006/relationships" xmlns:mc="http://schemas.openxmlformats.org/markup-compatibility/2006" xmlns:mv="urn:schemas-microsoft-com:mac:vml" xmlns:p="http://schemas.openxmlformats.org/presentationml/2006/main" xmlns:c="http://schemas.openxmlformats.org/drawingml/2006/chart" xmlns:dgm="http://schemas.openxmlformats.org/drawingml/2006/diagram" xmlns:o="urn:schemas-microsoft-com:office:office" xmlns:v="urn:schemas-microsoft-com:vml" xmlns:pvml="urn:schemas-microsoft-com:office:powerpoint" xmlns:com="http://schemas.openxmlformats.org/drawingml/2006/compatibility" xmlns:p14="http://schemas.microsoft.com/office/powerpoint/2010/main" xmlns:p15="http://schemas.microsoft.com/office/powerpoint/2012/main">
+<p:sld xmlns:a="http://schemas.openxmlformats.org/drawingml/2006/main" xmlns:r="http://schemas.openxmlformats.org/officeDocument/2006/relationships" xmlns:p="http://schemas.openxmlformats.org/presentationml/2006/main">
   <p:cSld>
     <p:spTree>
       <p:nvGrpSpPr>
-        <p:cNvPr id="91" name="Shape 91"/>
+        <p:cNvPr id="1" name="Shape 91"/>
         <p:cNvGrpSpPr/>
         <p:nvPr/>
       </p:nvGrpSpPr>
@@ -6761,7 +7024,9 @@
       <p:sp>
         <p:nvSpPr>
           <p:cNvPr id="92" name="Shape 92"/>
-          <p:cNvSpPr txBox="1"/>
+          <p:cNvSpPr txBox="1">
+            <a:spLocks noGrp="1"/>
+          </p:cNvSpPr>
           <p:nvPr>
             <p:ph type="title"/>
           </p:nvPr>
@@ -6776,12 +7041,12 @@
           </a:prstGeom>
         </p:spPr>
         <p:txBody>
-          <a:bodyPr anchorCtr="0" anchor="t" bIns="91425" lIns="91425" rIns="91425" wrap="square" tIns="91425">
+          <a:bodyPr wrap="square" lIns="91425" tIns="91425" rIns="91425" bIns="91425" anchor="t" anchorCtr="0">
             <a:noAutofit/>
           </a:bodyPr>
           <a:lstStyle/>
           <a:p>
-            <a:pPr indent="0" lvl="0" marL="0">
+            <a:pPr marL="0" lvl="0" indent="0">
               <a:spcBef>
                 <a:spcPts val="0"/>
               </a:spcBef>
@@ -6797,9 +7062,11 @@
       <p:sp>
         <p:nvSpPr>
           <p:cNvPr id="93" name="Shape 93"/>
-          <p:cNvSpPr txBox="1"/>
+          <p:cNvSpPr txBox="1">
+            <a:spLocks noGrp="1"/>
+          </p:cNvSpPr>
           <p:nvPr>
-            <p:ph idx="1" type="body"/>
+            <p:ph type="body" idx="1"/>
           </p:nvPr>
         </p:nvSpPr>
         <p:spPr>
@@ -6812,12 +7079,12 @@
           </a:prstGeom>
         </p:spPr>
         <p:txBody>
-          <a:bodyPr anchorCtr="0" anchor="t" bIns="91425" lIns="91425" rIns="91425" wrap="square" tIns="91425">
+          <a:bodyPr wrap="square" lIns="91425" tIns="91425" rIns="91425" bIns="91425" anchor="t" anchorCtr="0">
             <a:noAutofit/>
           </a:bodyPr>
           <a:lstStyle/>
           <a:p>
-            <a:pPr indent="-342900" lvl="0" marL="457200" rtl="0">
+            <a:pPr marL="457200" lvl="0" indent="-342900" rtl="0">
               <a:spcBef>
                 <a:spcPts val="0"/>
               </a:spcBef>
@@ -6828,12 +7095,12 @@
               <a:buChar char="❖"/>
             </a:pPr>
             <a:r>
-              <a:rPr lang="zh-TW" sz="1800"/>
+              <a:rPr lang="zh-TW" sz="1800" dirty="0"/>
               <a:t>Introduction</a:t>
             </a:r>
           </a:p>
           <a:p>
-            <a:pPr indent="-342900" lvl="0" marL="457200" rtl="0">
+            <a:pPr marL="457200" lvl="0" indent="-342900" rtl="0">
               <a:spcBef>
                 <a:spcPts val="0"/>
               </a:spcBef>
@@ -6844,12 +7111,12 @@
               <a:buChar char="❖"/>
             </a:pPr>
             <a:r>
-              <a:rPr lang="zh-TW" sz="1800"/>
+              <a:rPr lang="zh-TW" sz="1800" dirty="0"/>
               <a:t>Problem statement</a:t>
             </a:r>
           </a:p>
           <a:p>
-            <a:pPr indent="-342900" lvl="1" marL="914400" rtl="0">
+            <a:pPr marL="914400" lvl="1" indent="-342900" rtl="0">
               <a:spcBef>
                 <a:spcPts val="0"/>
               </a:spcBef>
@@ -6860,12 +7127,12 @@
               <a:buChar char="➢"/>
             </a:pPr>
             <a:r>
-              <a:rPr lang="zh-TW" sz="1800"/>
+              <a:rPr lang="zh-TW" sz="1800" dirty="0"/>
               <a:t>Changes made after the proposal</a:t>
             </a:r>
           </a:p>
           <a:p>
-            <a:pPr indent="-342900" lvl="0" marL="457200" rtl="0">
+            <a:pPr marL="457200" lvl="0" indent="-342900" rtl="0">
               <a:spcBef>
                 <a:spcPts val="0"/>
               </a:spcBef>
@@ -6876,12 +7143,12 @@
               <a:buChar char="❖"/>
             </a:pPr>
             <a:r>
-              <a:rPr lang="zh-TW" sz="1800"/>
+              <a:rPr lang="zh-TW" sz="1800" dirty="0"/>
               <a:t>Proposed solution</a:t>
             </a:r>
           </a:p>
           <a:p>
-            <a:pPr indent="-342900" lvl="0" marL="457200" rtl="0">
+            <a:pPr marL="457200" lvl="0" indent="-342900" rtl="0">
               <a:spcBef>
                 <a:spcPts val="0"/>
               </a:spcBef>
@@ -6892,12 +7159,12 @@
               <a:buChar char="❖"/>
             </a:pPr>
             <a:r>
-              <a:rPr lang="zh-TW" sz="1800"/>
+              <a:rPr lang="zh-TW" sz="1800" dirty="0"/>
               <a:t>Evaluation</a:t>
             </a:r>
           </a:p>
           <a:p>
-            <a:pPr indent="-342900" lvl="0" marL="457200" rtl="0">
+            <a:pPr marL="457200" lvl="0" indent="-342900" rtl="0">
               <a:spcBef>
                 <a:spcPts val="0"/>
               </a:spcBef>
@@ -6908,12 +7175,12 @@
               <a:buChar char="❖"/>
             </a:pPr>
             <a:r>
-              <a:rPr lang="zh-TW" sz="1800"/>
+              <a:rPr lang="zh-TW" sz="1800" dirty="0"/>
               <a:t>Related work</a:t>
             </a:r>
           </a:p>
           <a:p>
-            <a:pPr indent="-342900" lvl="0" marL="457200" rtl="0">
+            <a:pPr marL="457200" lvl="0" indent="-342900" rtl="0">
               <a:spcBef>
                 <a:spcPts val="0"/>
               </a:spcBef>
@@ -6924,12 +7191,12 @@
               <a:buChar char="❖"/>
             </a:pPr>
             <a:r>
-              <a:rPr lang="zh-TW" sz="1800"/>
+              <a:rPr lang="zh-TW" sz="1800" dirty="0"/>
               <a:t>Conclusion</a:t>
             </a:r>
           </a:p>
           <a:p>
-            <a:pPr indent="-342900" lvl="0" marL="457200">
+            <a:pPr marL="457200" lvl="0" indent="-342900">
               <a:spcBef>
                 <a:spcPts val="0"/>
               </a:spcBef>
@@ -6937,7 +7204,7 @@
               <a:buChar char="❖"/>
             </a:pPr>
             <a:r>
-              <a:rPr lang="zh-TW" sz="1800"/>
+              <a:rPr lang="zh-TW" sz="1800" dirty="0"/>
               <a:t>Contributions of each member</a:t>
             </a:r>
           </a:p>
@@ -6952,11 +7219,11 @@
 </file>
 
 <file path=ppt/slides/slide3.xml><?xml version="1.0" encoding="utf-8"?>
-<p:sld xmlns:a="http://schemas.openxmlformats.org/drawingml/2006/main" xmlns:r="http://schemas.openxmlformats.org/officeDocument/2006/relationships" xmlns:mc="http://schemas.openxmlformats.org/markup-compatibility/2006" xmlns:mv="urn:schemas-microsoft-com:mac:vml" xmlns:p="http://schemas.openxmlformats.org/presentationml/2006/main" xmlns:c="http://schemas.openxmlformats.org/drawingml/2006/chart" xmlns:dgm="http://schemas.openxmlformats.org/drawingml/2006/diagram" xmlns:o="urn:schemas-microsoft-com:office:office" xmlns:v="urn:schemas-microsoft-com:vml" xmlns:pvml="urn:schemas-microsoft-com:office:powerpoint" xmlns:com="http://schemas.openxmlformats.org/drawingml/2006/compatibility" xmlns:p14="http://schemas.microsoft.com/office/powerpoint/2010/main" xmlns:p15="http://schemas.microsoft.com/office/powerpoint/2012/main">
+<p:sld xmlns:a="http://schemas.openxmlformats.org/drawingml/2006/main" xmlns:r="http://schemas.openxmlformats.org/officeDocument/2006/relationships" xmlns:p="http://schemas.openxmlformats.org/presentationml/2006/main">
   <p:cSld>
     <p:spTree>
       <p:nvGrpSpPr>
-        <p:cNvPr id="97" name="Shape 97"/>
+        <p:cNvPr id="1" name="Shape 97"/>
         <p:cNvGrpSpPr/>
         <p:nvPr/>
       </p:nvGrpSpPr>
@@ -6971,7 +7238,9 @@
       <p:sp>
         <p:nvSpPr>
           <p:cNvPr id="98" name="Shape 98"/>
-          <p:cNvSpPr txBox="1"/>
+          <p:cNvSpPr txBox="1">
+            <a:spLocks noGrp="1"/>
+          </p:cNvSpPr>
           <p:nvPr>
             <p:ph type="title"/>
           </p:nvPr>
@@ -6986,12 +7255,12 @@
           </a:prstGeom>
         </p:spPr>
         <p:txBody>
-          <a:bodyPr anchorCtr="0" anchor="t" bIns="91425" lIns="91425" rIns="91425" wrap="square" tIns="91425">
+          <a:bodyPr wrap="square" lIns="91425" tIns="91425" rIns="91425" bIns="91425" anchor="t" anchorCtr="0">
             <a:noAutofit/>
           </a:bodyPr>
           <a:lstStyle/>
           <a:p>
-            <a:pPr indent="0" lvl="0" marL="0" rtl="0">
+            <a:pPr marL="0" lvl="0" indent="0" rtl="0">
               <a:spcBef>
                 <a:spcPts val="0"/>
               </a:spcBef>
@@ -7007,39 +7276,130 @@
       <p:sp>
         <p:nvSpPr>
           <p:cNvPr id="99" name="Shape 99"/>
-          <p:cNvSpPr txBox="1"/>
+          <p:cNvSpPr txBox="1">
+            <a:spLocks noGrp="1"/>
+          </p:cNvSpPr>
           <p:nvPr>
-            <p:ph idx="1" type="body"/>
+            <p:ph type="body" idx="1"/>
           </p:nvPr>
         </p:nvSpPr>
         <p:spPr>
           <a:xfrm>
             <a:off x="727650" y="1441200"/>
-            <a:ext cx="7688700" cy="2694600"/>
+            <a:ext cx="4593098" cy="2694600"/>
           </a:xfrm>
           <a:prstGeom prst="rect">
             <a:avLst/>
           </a:prstGeom>
         </p:spPr>
         <p:txBody>
-          <a:bodyPr anchorCtr="0" anchor="t" bIns="91425" lIns="91425" rIns="91425" wrap="square" tIns="91425">
+          <a:bodyPr wrap="square" lIns="91425" tIns="91425" rIns="91425" bIns="91425" anchor="t" anchorCtr="0">
             <a:noAutofit/>
           </a:bodyPr>
           <a:lstStyle/>
           <a:p>
-            <a:pPr indent="0" lvl="0" marL="0" rtl="0">
-              <a:spcBef>
-                <a:spcPts val="0"/>
-              </a:spcBef>
-              <a:buNone/>
-            </a:pPr>
+            <a:pPr marL="285750" indent="-285750"/>
             <a:r>
-              <a:t/>
+              <a:rPr lang="en-US" altLang="zh-TW" sz="1800" dirty="0"/>
+              <a:t>S</a:t>
             </a:r>
-            <a:endParaRPr sz="1800"/>
+            <a:r>
+              <a:rPr lang="en-US" sz="1800" dirty="0" smtClean="0"/>
+              <a:t>tyle transform network is a popular issue these years ,</a:t>
+            </a:r>
+            <a:r>
+              <a:rPr lang="zh-TW" altLang="en-US" sz="1800" dirty="0" smtClean="0"/>
+              <a:t> </a:t>
+            </a:r>
+            <a:r>
+              <a:rPr lang="en-US" altLang="zh-TW" sz="1800" dirty="0" smtClean="0"/>
+              <a:t>but there are still some performance problems needs to be enhance.</a:t>
+            </a:r>
+          </a:p>
+          <a:p>
+            <a:pPr marL="285750" indent="-285750"/>
+            <a:r>
+              <a:rPr lang="en-US" sz="1800" dirty="0" smtClean="0"/>
+              <a:t>The original method of our project is use </a:t>
+            </a:r>
+            <a:r>
+              <a:rPr lang="en-US" sz="1800" dirty="0" err="1" smtClean="0"/>
+              <a:t>tensorflow</a:t>
+            </a:r>
+            <a:r>
+              <a:rPr lang="en-US" sz="1800" dirty="0" smtClean="0"/>
+              <a:t> to implement the style transfer.</a:t>
+            </a:r>
+          </a:p>
+          <a:p>
+            <a:pPr marL="285750" indent="-285750"/>
+            <a:r>
+              <a:rPr lang="en-US" sz="1800" dirty="0" smtClean="0"/>
+              <a:t>We adjust the network architecture and use multi-GPU to speed up  in training stage.</a:t>
+            </a:r>
           </a:p>
         </p:txBody>
       </p:sp>
+      <p:pic>
+        <p:nvPicPr>
+          <p:cNvPr id="2" name="圖片 1"/>
+          <p:cNvPicPr>
+            <a:picLocks noChangeAspect="1"/>
+          </p:cNvPicPr>
+          <p:nvPr/>
+        </p:nvPicPr>
+        <p:blipFill>
+          <a:blip r:embed="rId3">
+            <a:extLst>
+              <a:ext uri="{28A0092B-C50C-407E-A947-70E740481C1C}">
+                <a14:useLocalDpi xmlns:a14="http://schemas.microsoft.com/office/drawing/2010/main" val="0"/>
+              </a:ext>
+            </a:extLst>
+          </a:blip>
+          <a:stretch>
+            <a:fillRect/>
+          </a:stretch>
+        </p:blipFill>
+        <p:spPr>
+          <a:xfrm>
+            <a:off x="5835596" y="1143425"/>
+            <a:ext cx="2733500" cy="1819774"/>
+          </a:xfrm>
+          <a:prstGeom prst="rect">
+            <a:avLst/>
+          </a:prstGeom>
+        </p:spPr>
+      </p:pic>
+      <p:pic>
+        <p:nvPicPr>
+          <p:cNvPr id="3" name="圖片 2"/>
+          <p:cNvPicPr>
+            <a:picLocks noChangeAspect="1"/>
+          </p:cNvPicPr>
+          <p:nvPr/>
+        </p:nvPicPr>
+        <p:blipFill>
+          <a:blip r:embed="rId4">
+            <a:extLst>
+              <a:ext uri="{28A0092B-C50C-407E-A947-70E740481C1C}">
+                <a14:useLocalDpi xmlns:a14="http://schemas.microsoft.com/office/drawing/2010/main" val="0"/>
+              </a:ext>
+            </a:extLst>
+          </a:blip>
+          <a:stretch>
+            <a:fillRect/>
+          </a:stretch>
+        </p:blipFill>
+        <p:spPr>
+          <a:xfrm>
+            <a:off x="5835596" y="3225913"/>
+            <a:ext cx="2733500" cy="1819774"/>
+          </a:xfrm>
+          <a:prstGeom prst="rect">
+            <a:avLst/>
+          </a:prstGeom>
+        </p:spPr>
+      </p:pic>
     </p:spTree>
   </p:cSld>
   <p:clrMapOvr>
@@ -7049,11 +7409,11 @@
 </file>
 
 <file path=ppt/slides/slide4.xml><?xml version="1.0" encoding="utf-8"?>
-<p:sld xmlns:a="http://schemas.openxmlformats.org/drawingml/2006/main" xmlns:r="http://schemas.openxmlformats.org/officeDocument/2006/relationships" xmlns:mc="http://schemas.openxmlformats.org/markup-compatibility/2006" xmlns:mv="urn:schemas-microsoft-com:mac:vml" xmlns:p="http://schemas.openxmlformats.org/presentationml/2006/main" xmlns:c="http://schemas.openxmlformats.org/drawingml/2006/chart" xmlns:dgm="http://schemas.openxmlformats.org/drawingml/2006/diagram" xmlns:o="urn:schemas-microsoft-com:office:office" xmlns:v="urn:schemas-microsoft-com:vml" xmlns:pvml="urn:schemas-microsoft-com:office:powerpoint" xmlns:com="http://schemas.openxmlformats.org/drawingml/2006/compatibility" xmlns:p14="http://schemas.microsoft.com/office/powerpoint/2010/main" xmlns:p15="http://schemas.microsoft.com/office/powerpoint/2012/main">
+<p:sld xmlns:a="http://schemas.openxmlformats.org/drawingml/2006/main" xmlns:r="http://schemas.openxmlformats.org/officeDocument/2006/relationships" xmlns:p="http://schemas.openxmlformats.org/presentationml/2006/main">
   <p:cSld>
     <p:spTree>
       <p:nvGrpSpPr>
-        <p:cNvPr id="103" name="Shape 103"/>
+        <p:cNvPr id="1" name="Shape 103"/>
         <p:cNvGrpSpPr/>
         <p:nvPr/>
       </p:nvGrpSpPr>
@@ -7068,7 +7428,9 @@
       <p:sp>
         <p:nvSpPr>
           <p:cNvPr id="104" name="Shape 104"/>
-          <p:cNvSpPr txBox="1"/>
+          <p:cNvSpPr txBox="1">
+            <a:spLocks noGrp="1"/>
+          </p:cNvSpPr>
           <p:nvPr>
             <p:ph type="title"/>
           </p:nvPr>
@@ -7083,19 +7445,19 @@
           </a:prstGeom>
         </p:spPr>
         <p:txBody>
-          <a:bodyPr anchorCtr="0" anchor="t" bIns="91425" lIns="91425" rIns="91425" wrap="square" tIns="91425">
+          <a:bodyPr wrap="square" lIns="91425" tIns="91425" rIns="91425" bIns="91425" anchor="t" anchorCtr="0">
             <a:noAutofit/>
           </a:bodyPr>
           <a:lstStyle/>
           <a:p>
-            <a:pPr indent="0" lvl="0" marL="0" rtl="0">
+            <a:pPr marL="0" lvl="0" indent="0" rtl="0">
               <a:spcBef>
                 <a:spcPts val="0"/>
               </a:spcBef>
               <a:buNone/>
             </a:pPr>
             <a:r>
-              <a:rPr lang="zh-TW"/>
+              <a:rPr lang="zh-TW" dirty="0"/>
               <a:t>Problem statement</a:t>
             </a:r>
           </a:p>
@@ -7104,9 +7466,11 @@
       <p:sp>
         <p:nvSpPr>
           <p:cNvPr id="105" name="Shape 105"/>
-          <p:cNvSpPr txBox="1"/>
+          <p:cNvSpPr txBox="1">
+            <a:spLocks noGrp="1"/>
+          </p:cNvSpPr>
           <p:nvPr>
-            <p:ph idx="1" type="body"/>
+            <p:ph type="body" idx="1"/>
           </p:nvPr>
         </p:nvSpPr>
         <p:spPr>
@@ -7119,21 +7483,45 @@
           </a:prstGeom>
         </p:spPr>
         <p:txBody>
-          <a:bodyPr anchorCtr="0" anchor="t" bIns="91425" lIns="91425" rIns="91425" wrap="square" tIns="91425">
+          <a:bodyPr wrap="square" lIns="91425" tIns="91425" rIns="91425" bIns="91425" anchor="t" anchorCtr="0">
             <a:noAutofit/>
           </a:bodyPr>
           <a:lstStyle/>
           <a:p>
-            <a:pPr indent="0" lvl="0" marL="0" rtl="0">
-              <a:spcBef>
-                <a:spcPts val="0"/>
-              </a:spcBef>
+            <a:pPr>
               <a:buNone/>
             </a:pPr>
             <a:r>
-              <a:t/>
+              <a:rPr lang="zh-TW" altLang="zh-TW" sz="1800" dirty="0"/>
+              <a:t>Changes made after the </a:t>
             </a:r>
-            <a:endParaRPr sz="1800"/>
+            <a:r>
+              <a:rPr lang="zh-TW" altLang="zh-TW" sz="1800" dirty="0" smtClean="0"/>
+              <a:t>proposal</a:t>
+            </a:r>
+            <a:r>
+              <a:rPr lang="en-US" altLang="zh-TW" sz="1800" dirty="0" smtClean="0"/>
+              <a:t>:</a:t>
+            </a:r>
+          </a:p>
+          <a:p>
+            <a:pPr marL="342900" indent="-342900">
+              <a:buAutoNum type="arabicPeriod"/>
+            </a:pPr>
+            <a:r>
+              <a:rPr lang="en-US" altLang="zh-TW" sz="1800" dirty="0" smtClean="0"/>
+              <a:t>At first we decided to speed up the progress of the transformation, but we found that the original network architecture is too large.</a:t>
+            </a:r>
+            <a:endParaRPr lang="zh-TW" altLang="zh-TW" sz="1800" dirty="0"/>
+          </a:p>
+          <a:p>
+            <a:pPr marL="0" lvl="0" indent="0" rtl="0">
+              <a:spcBef>
+                <a:spcPts val="0"/>
+              </a:spcBef>
+              <a:buNone/>
+            </a:pPr>
+            <a:endParaRPr sz="1800" dirty="0"/>
           </a:p>
         </p:txBody>
       </p:sp>
@@ -7146,11 +7534,11 @@
 </file>
 
 <file path=ppt/slides/slide5.xml><?xml version="1.0" encoding="utf-8"?>
-<p:sld xmlns:a="http://schemas.openxmlformats.org/drawingml/2006/main" xmlns:r="http://schemas.openxmlformats.org/officeDocument/2006/relationships" xmlns:mc="http://schemas.openxmlformats.org/markup-compatibility/2006" xmlns:mv="urn:schemas-microsoft-com:mac:vml" xmlns:p="http://schemas.openxmlformats.org/presentationml/2006/main" xmlns:c="http://schemas.openxmlformats.org/drawingml/2006/chart" xmlns:dgm="http://schemas.openxmlformats.org/drawingml/2006/diagram" xmlns:o="urn:schemas-microsoft-com:office:office" xmlns:v="urn:schemas-microsoft-com:vml" xmlns:pvml="urn:schemas-microsoft-com:office:powerpoint" xmlns:com="http://schemas.openxmlformats.org/drawingml/2006/compatibility" xmlns:p14="http://schemas.microsoft.com/office/powerpoint/2010/main" xmlns:p15="http://schemas.microsoft.com/office/powerpoint/2012/main">
+<p:sld xmlns:a="http://schemas.openxmlformats.org/drawingml/2006/main" xmlns:r="http://schemas.openxmlformats.org/officeDocument/2006/relationships" xmlns:p="http://schemas.openxmlformats.org/presentationml/2006/main">
   <p:cSld>
     <p:spTree>
       <p:nvGrpSpPr>
-        <p:cNvPr id="109" name="Shape 109"/>
+        <p:cNvPr id="1" name="Shape 109"/>
         <p:cNvGrpSpPr/>
         <p:nvPr/>
       </p:nvGrpSpPr>
@@ -7165,7 +7553,9 @@
       <p:sp>
         <p:nvSpPr>
           <p:cNvPr id="110" name="Shape 110"/>
-          <p:cNvSpPr txBox="1"/>
+          <p:cNvSpPr txBox="1">
+            <a:spLocks noGrp="1"/>
+          </p:cNvSpPr>
           <p:nvPr>
             <p:ph type="title"/>
           </p:nvPr>
@@ -7180,12 +7570,12 @@
           </a:prstGeom>
         </p:spPr>
         <p:txBody>
-          <a:bodyPr anchorCtr="0" anchor="t" bIns="91425" lIns="91425" rIns="91425" wrap="square" tIns="91425">
+          <a:bodyPr wrap="square" lIns="91425" tIns="91425" rIns="91425" bIns="91425" anchor="t" anchorCtr="0">
             <a:noAutofit/>
           </a:bodyPr>
           <a:lstStyle/>
           <a:p>
-            <a:pPr indent="0" lvl="0" marL="0" rtl="0">
+            <a:pPr marL="0" lvl="0" indent="0" rtl="0">
               <a:spcBef>
                 <a:spcPts val="0"/>
               </a:spcBef>
@@ -7201,9 +7591,11 @@
       <p:sp>
         <p:nvSpPr>
           <p:cNvPr id="111" name="Shape 111"/>
-          <p:cNvSpPr txBox="1"/>
+          <p:cNvSpPr txBox="1">
+            <a:spLocks noGrp="1"/>
+          </p:cNvSpPr>
           <p:nvPr>
-            <p:ph idx="1" type="body"/>
+            <p:ph type="body" idx="1"/>
           </p:nvPr>
         </p:nvSpPr>
         <p:spPr>
@@ -7216,21 +7608,39 @@
           </a:prstGeom>
         </p:spPr>
         <p:txBody>
-          <a:bodyPr anchorCtr="0" anchor="t" bIns="91425" lIns="91425" rIns="91425" wrap="square" tIns="91425">
+          <a:bodyPr wrap="square" lIns="91425" tIns="91425" rIns="91425" bIns="91425" anchor="t" anchorCtr="0">
             <a:noAutofit/>
           </a:bodyPr>
           <a:lstStyle/>
           <a:p>
-            <a:pPr indent="0" lvl="0" marL="0" rtl="0">
-              <a:spcBef>
-                <a:spcPts val="0"/>
-              </a:spcBef>
+            <a:pPr>
               <a:buNone/>
             </a:pPr>
             <a:r>
-              <a:t/>
+              <a:rPr lang="en-US" altLang="zh-TW" sz="1800" dirty="0" smtClean="0"/>
+              <a:t>1. we </a:t>
             </a:r>
-            <a:endParaRPr sz="1800"/>
+            <a:r>
+              <a:rPr lang="en-US" altLang="zh-TW" sz="1800" dirty="0"/>
+              <a:t>decided to make the </a:t>
+            </a:r>
+            <a:r>
+              <a:rPr lang="en-US" altLang="zh-TW" sz="1800" dirty="0" err="1"/>
+              <a:t>tranning</a:t>
+            </a:r>
+            <a:r>
+              <a:rPr lang="en-US" altLang="zh-TW" sz="1800" dirty="0"/>
+              <a:t> progress more efficient, rather than speed up the transformation.</a:t>
+            </a:r>
+          </a:p>
+          <a:p>
+            <a:pPr marL="0" lvl="0" indent="0" rtl="0">
+              <a:spcBef>
+                <a:spcPts val="0"/>
+              </a:spcBef>
+              <a:buNone/>
+            </a:pPr>
+            <a:endParaRPr sz="1800" dirty="0"/>
           </a:p>
         </p:txBody>
       </p:sp>
@@ -7243,11 +7653,11 @@
 </file>
 
 <file path=ppt/slides/slide6.xml><?xml version="1.0" encoding="utf-8"?>
-<p:sld xmlns:a="http://schemas.openxmlformats.org/drawingml/2006/main" xmlns:r="http://schemas.openxmlformats.org/officeDocument/2006/relationships" xmlns:mc="http://schemas.openxmlformats.org/markup-compatibility/2006" xmlns:mv="urn:schemas-microsoft-com:mac:vml" xmlns:p="http://schemas.openxmlformats.org/presentationml/2006/main" xmlns:c="http://schemas.openxmlformats.org/drawingml/2006/chart" xmlns:dgm="http://schemas.openxmlformats.org/drawingml/2006/diagram" xmlns:o="urn:schemas-microsoft-com:office:office" xmlns:v="urn:schemas-microsoft-com:vml" xmlns:pvml="urn:schemas-microsoft-com:office:powerpoint" xmlns:com="http://schemas.openxmlformats.org/drawingml/2006/compatibility" xmlns:p14="http://schemas.microsoft.com/office/powerpoint/2010/main" xmlns:p15="http://schemas.microsoft.com/office/powerpoint/2012/main">
+<p:sld xmlns:a="http://schemas.openxmlformats.org/drawingml/2006/main" xmlns:r="http://schemas.openxmlformats.org/officeDocument/2006/relationships" xmlns:p="http://schemas.openxmlformats.org/presentationml/2006/main">
   <p:cSld>
     <p:spTree>
       <p:nvGrpSpPr>
-        <p:cNvPr id="115" name="Shape 115"/>
+        <p:cNvPr id="1" name="Shape 115"/>
         <p:cNvGrpSpPr/>
         <p:nvPr/>
       </p:nvGrpSpPr>
@@ -7262,7 +7672,9 @@
       <p:sp>
         <p:nvSpPr>
           <p:cNvPr id="116" name="Shape 116"/>
-          <p:cNvSpPr txBox="1"/>
+          <p:cNvSpPr txBox="1">
+            <a:spLocks noGrp="1"/>
+          </p:cNvSpPr>
           <p:nvPr>
             <p:ph type="title"/>
           </p:nvPr>
@@ -7277,19 +7689,19 @@
           </a:prstGeom>
         </p:spPr>
         <p:txBody>
-          <a:bodyPr anchorCtr="0" anchor="t" bIns="91425" lIns="91425" rIns="91425" wrap="square" tIns="91425">
+          <a:bodyPr wrap="square" lIns="91425" tIns="91425" rIns="91425" bIns="91425" anchor="t" anchorCtr="0">
             <a:noAutofit/>
           </a:bodyPr>
           <a:lstStyle/>
           <a:p>
-            <a:pPr indent="0" lvl="0" marL="0" rtl="0">
+            <a:pPr marL="0" lvl="0" indent="0" rtl="0">
               <a:spcBef>
                 <a:spcPts val="0"/>
               </a:spcBef>
               <a:buNone/>
             </a:pPr>
             <a:r>
-              <a:rPr lang="zh-TW"/>
+              <a:rPr lang="zh-TW" dirty="0"/>
               <a:t>Evaluation</a:t>
             </a:r>
           </a:p>
@@ -7298,9 +7710,11 @@
       <p:sp>
         <p:nvSpPr>
           <p:cNvPr id="117" name="Shape 117"/>
-          <p:cNvSpPr txBox="1"/>
+          <p:cNvSpPr txBox="1">
+            <a:spLocks noGrp="1"/>
+          </p:cNvSpPr>
           <p:nvPr>
-            <p:ph idx="1" type="body"/>
+            <p:ph type="body" idx="1"/>
           </p:nvPr>
         </p:nvSpPr>
         <p:spPr>
@@ -7313,20 +7727,17 @@
           </a:prstGeom>
         </p:spPr>
         <p:txBody>
-          <a:bodyPr anchorCtr="0" anchor="t" bIns="91425" lIns="91425" rIns="91425" wrap="square" tIns="91425">
+          <a:bodyPr wrap="square" lIns="91425" tIns="91425" rIns="91425" bIns="91425" anchor="t" anchorCtr="0">
             <a:noAutofit/>
           </a:bodyPr>
           <a:lstStyle/>
           <a:p>
-            <a:pPr indent="0" lvl="0" marL="0" rtl="0">
+            <a:pPr marL="0" lvl="0" indent="0" rtl="0">
               <a:spcBef>
                 <a:spcPts val="0"/>
               </a:spcBef>
               <a:buNone/>
             </a:pPr>
-            <a:r>
-              <a:t/>
-            </a:r>
             <a:endParaRPr sz="1800"/>
           </a:p>
         </p:txBody>
@@ -7340,11 +7751,11 @@
 </file>
 
 <file path=ppt/slides/slide7.xml><?xml version="1.0" encoding="utf-8"?>
-<p:sld xmlns:a="http://schemas.openxmlformats.org/drawingml/2006/main" xmlns:r="http://schemas.openxmlformats.org/officeDocument/2006/relationships" xmlns:mc="http://schemas.openxmlformats.org/markup-compatibility/2006" xmlns:mv="urn:schemas-microsoft-com:mac:vml" xmlns:p="http://schemas.openxmlformats.org/presentationml/2006/main" xmlns:c="http://schemas.openxmlformats.org/drawingml/2006/chart" xmlns:dgm="http://schemas.openxmlformats.org/drawingml/2006/diagram" xmlns:o="urn:schemas-microsoft-com:office:office" xmlns:v="urn:schemas-microsoft-com:vml" xmlns:pvml="urn:schemas-microsoft-com:office:powerpoint" xmlns:com="http://schemas.openxmlformats.org/drawingml/2006/compatibility" xmlns:p14="http://schemas.microsoft.com/office/powerpoint/2010/main" xmlns:p15="http://schemas.microsoft.com/office/powerpoint/2012/main">
+<p:sld xmlns:a="http://schemas.openxmlformats.org/drawingml/2006/main" xmlns:r="http://schemas.openxmlformats.org/officeDocument/2006/relationships" xmlns:p="http://schemas.openxmlformats.org/presentationml/2006/main">
   <p:cSld>
     <p:spTree>
       <p:nvGrpSpPr>
-        <p:cNvPr id="121" name="Shape 121"/>
+        <p:cNvPr id="1" name="Shape 121"/>
         <p:cNvGrpSpPr/>
         <p:nvPr/>
       </p:nvGrpSpPr>
@@ -7359,7 +7770,9 @@
       <p:sp>
         <p:nvSpPr>
           <p:cNvPr id="122" name="Shape 122"/>
-          <p:cNvSpPr txBox="1"/>
+          <p:cNvSpPr txBox="1">
+            <a:spLocks noGrp="1"/>
+          </p:cNvSpPr>
           <p:nvPr>
             <p:ph type="title"/>
           </p:nvPr>
@@ -7374,12 +7787,12 @@
           </a:prstGeom>
         </p:spPr>
         <p:txBody>
-          <a:bodyPr anchorCtr="0" anchor="t" bIns="91425" lIns="91425" rIns="91425" wrap="square" tIns="91425">
+          <a:bodyPr wrap="square" lIns="91425" tIns="91425" rIns="91425" bIns="91425" anchor="t" anchorCtr="0">
             <a:noAutofit/>
           </a:bodyPr>
           <a:lstStyle/>
           <a:p>
-            <a:pPr indent="0" lvl="0" marL="0" rtl="0">
+            <a:pPr marL="0" lvl="0" indent="0" rtl="0">
               <a:spcBef>
                 <a:spcPts val="0"/>
               </a:spcBef>
@@ -7395,9 +7808,11 @@
       <p:sp>
         <p:nvSpPr>
           <p:cNvPr id="123" name="Shape 123"/>
-          <p:cNvSpPr txBox="1"/>
+          <p:cNvSpPr txBox="1">
+            <a:spLocks noGrp="1"/>
+          </p:cNvSpPr>
           <p:nvPr>
-            <p:ph idx="1" type="body"/>
+            <p:ph type="body" idx="1"/>
           </p:nvPr>
         </p:nvSpPr>
         <p:spPr>
@@ -7410,21 +7825,140 @@
           </a:prstGeom>
         </p:spPr>
         <p:txBody>
-          <a:bodyPr anchorCtr="0" anchor="t" bIns="91425" lIns="91425" rIns="91425" wrap="square" tIns="91425">
+          <a:bodyPr wrap="square" lIns="91425" tIns="91425" rIns="91425" bIns="91425" anchor="t" anchorCtr="0">
             <a:noAutofit/>
           </a:bodyPr>
           <a:lstStyle/>
           <a:p>
-            <a:pPr indent="0" lvl="0" marL="0" rtl="0">
-              <a:spcBef>
-                <a:spcPts val="0"/>
-              </a:spcBef>
+            <a:pPr>
               <a:buNone/>
             </a:pPr>
             <a:r>
-              <a:t/>
+              <a:rPr lang="en-US" altLang="zh-TW" dirty="0"/>
+              <a:t>[</a:t>
             </a:r>
-            <a:endParaRPr sz="1800"/>
+            <a:r>
+              <a:rPr lang="en-US" altLang="zh-TW" dirty="0" smtClean="0"/>
+              <a:t>1]Leon </a:t>
+            </a:r>
+            <a:r>
+              <a:rPr lang="en-US" altLang="zh-TW" dirty="0"/>
+              <a:t>A. </a:t>
+            </a:r>
+            <a:r>
+              <a:rPr lang="en-US" altLang="zh-TW" dirty="0" err="1"/>
+              <a:t>Gatys</a:t>
+            </a:r>
+            <a:r>
+              <a:rPr lang="en-US" altLang="zh-TW" dirty="0"/>
+              <a:t>, Alexander S. Ecker, and Matthias </a:t>
+            </a:r>
+            <a:r>
+              <a:rPr lang="en-US" altLang="zh-TW" dirty="0" err="1"/>
+              <a:t>Bethge</a:t>
+            </a:r>
+            <a:r>
+              <a:rPr lang="en-US" altLang="zh-TW" dirty="0"/>
+              <a:t>, “Image Style Transfer Using Convolutional Neural Networks,” In </a:t>
+            </a:r>
+            <a:r>
+              <a:rPr lang="en-US" altLang="zh-TW" i="1" dirty="0"/>
+              <a:t>2016 Computer Vision and Pattern Recognition (CVPR)</a:t>
+            </a:r>
+            <a:r>
+              <a:rPr lang="en-US" altLang="zh-TW" dirty="0"/>
+              <a:t>, Las Vegas, Nevada, USA, 27-30 June, 2016, pp. 2414-2423. </a:t>
+            </a:r>
+            <a:endParaRPr lang="zh-TW" altLang="zh-TW" dirty="0"/>
+          </a:p>
+          <a:p>
+            <a:pPr>
+              <a:buNone/>
+            </a:pPr>
+            <a:r>
+              <a:rPr lang="en-US" altLang="zh-TW" dirty="0"/>
+              <a:t>[</a:t>
+            </a:r>
+            <a:r>
+              <a:rPr lang="en-US" altLang="zh-TW" dirty="0" smtClean="0"/>
+              <a:t>2]Dmitry </a:t>
+            </a:r>
+            <a:r>
+              <a:rPr lang="en-US" altLang="zh-TW" dirty="0"/>
+              <a:t>Ulyanov, Andrea </a:t>
+            </a:r>
+            <a:r>
+              <a:rPr lang="en-US" altLang="zh-TW" dirty="0" err="1"/>
+              <a:t>Vedaldi</a:t>
+            </a:r>
+            <a:r>
+              <a:rPr lang="en-US" altLang="zh-TW" dirty="0"/>
+              <a:t>, and Victor </a:t>
+            </a:r>
+            <a:r>
+              <a:rPr lang="en-US" altLang="zh-TW" dirty="0" err="1"/>
+              <a:t>Lempitsky</a:t>
+            </a:r>
+            <a:r>
+              <a:rPr lang="en-US" altLang="zh-TW" dirty="0"/>
+              <a:t>, “Instance Normalization: The Missing Ingredient for Fast Stylization,” </a:t>
+            </a:r>
+            <a:r>
+              <a:rPr lang="en-US" altLang="zh-TW" dirty="0" err="1"/>
+              <a:t>arXiv</a:t>
+            </a:r>
+            <a:r>
+              <a:rPr lang="en-US" altLang="zh-TW" dirty="0"/>
+              <a:t>: 1607.08022v2 [cs.CV], Sep. 2016. </a:t>
+            </a:r>
+            <a:endParaRPr lang="zh-TW" altLang="zh-TW" dirty="0"/>
+          </a:p>
+          <a:p>
+            <a:pPr>
+              <a:buNone/>
+            </a:pPr>
+            <a:r>
+              <a:rPr lang="en-US" altLang="zh-TW" dirty="0"/>
+              <a:t>[</a:t>
+            </a:r>
+            <a:r>
+              <a:rPr lang="en-US" altLang="zh-TW" dirty="0" smtClean="0"/>
+              <a:t>3]Justin </a:t>
+            </a:r>
+            <a:r>
+              <a:rPr lang="en-US" altLang="zh-TW" dirty="0" err="1"/>
+              <a:t>Juhnson</a:t>
+            </a:r>
+            <a:r>
+              <a:rPr lang="en-US" altLang="zh-TW" dirty="0"/>
+              <a:t>, Alexandre </a:t>
+            </a:r>
+            <a:r>
+              <a:rPr lang="en-US" altLang="zh-TW" dirty="0" err="1"/>
+              <a:t>Alahi</a:t>
+            </a:r>
+            <a:r>
+              <a:rPr lang="en-US" altLang="zh-TW" dirty="0"/>
+              <a:t>, and Li Dei-Dei, “Perceptual Losses for Real-Time Style Transfer and Super-Resolution,” </a:t>
+            </a:r>
+            <a:r>
+              <a:rPr lang="en-US" altLang="zh-TW" dirty="0" err="1"/>
+              <a:t>arXiv</a:t>
+            </a:r>
+            <a:r>
+              <a:rPr lang="en-US" altLang="zh-TW" dirty="0"/>
+              <a:t>: 1603.08155v1 [cs.CV], March 2016. </a:t>
+            </a:r>
+            <a:endParaRPr lang="zh-TW" altLang="zh-TW" dirty="0"/>
+          </a:p>
+          <a:p>
+            <a:pPr marL="0" lvl="0" indent="0" rtl="0">
+              <a:spcBef>
+                <a:spcPts val="0"/>
+              </a:spcBef>
+              <a:buNone/>
+            </a:pPr>
+            <a:endParaRPr sz="1800" dirty="0"/>
           </a:p>
         </p:txBody>
       </p:sp>
@@ -7437,11 +7971,11 @@
 </file>
 
 <file path=ppt/slides/slide8.xml><?xml version="1.0" encoding="utf-8"?>
-<p:sld xmlns:a="http://schemas.openxmlformats.org/drawingml/2006/main" xmlns:r="http://schemas.openxmlformats.org/officeDocument/2006/relationships" xmlns:mc="http://schemas.openxmlformats.org/markup-compatibility/2006" xmlns:mv="urn:schemas-microsoft-com:mac:vml" xmlns:p="http://schemas.openxmlformats.org/presentationml/2006/main" xmlns:c="http://schemas.openxmlformats.org/drawingml/2006/chart" xmlns:dgm="http://schemas.openxmlformats.org/drawingml/2006/diagram" xmlns:o="urn:schemas-microsoft-com:office:office" xmlns:v="urn:schemas-microsoft-com:vml" xmlns:pvml="urn:schemas-microsoft-com:office:powerpoint" xmlns:com="http://schemas.openxmlformats.org/drawingml/2006/compatibility" xmlns:p14="http://schemas.microsoft.com/office/powerpoint/2010/main" xmlns:p15="http://schemas.microsoft.com/office/powerpoint/2012/main">
+<p:sld xmlns:a="http://schemas.openxmlformats.org/drawingml/2006/main" xmlns:r="http://schemas.openxmlformats.org/officeDocument/2006/relationships" xmlns:p="http://schemas.openxmlformats.org/presentationml/2006/main">
   <p:cSld>
     <p:spTree>
       <p:nvGrpSpPr>
-        <p:cNvPr id="127" name="Shape 127"/>
+        <p:cNvPr id="1" name="Shape 127"/>
         <p:cNvGrpSpPr/>
         <p:nvPr/>
       </p:nvGrpSpPr>
@@ -7456,7 +7990,9 @@
       <p:sp>
         <p:nvSpPr>
           <p:cNvPr id="128" name="Shape 128"/>
-          <p:cNvSpPr txBox="1"/>
+          <p:cNvSpPr txBox="1">
+            <a:spLocks noGrp="1"/>
+          </p:cNvSpPr>
           <p:nvPr>
             <p:ph type="title"/>
           </p:nvPr>
@@ -7471,12 +8007,12 @@
           </a:prstGeom>
         </p:spPr>
         <p:txBody>
-          <a:bodyPr anchorCtr="0" anchor="ctr" bIns="91425" lIns="91425" rIns="91425" wrap="square" tIns="91425">
+          <a:bodyPr wrap="square" lIns="91425" tIns="91425" rIns="91425" bIns="91425" anchor="ctr" anchorCtr="0">
             <a:noAutofit/>
           </a:bodyPr>
           <a:lstStyle/>
           <a:p>
-            <a:pPr indent="0" lvl="0" marL="0" rtl="0">
+            <a:pPr marL="0" lvl="0" indent="0" rtl="0">
               <a:spcBef>
                 <a:spcPts val="0"/>
               </a:spcBef>
@@ -7498,11 +8034,11 @@
 </file>
 
 <file path=ppt/slides/slide9.xml><?xml version="1.0" encoding="utf-8"?>
-<p:sld xmlns:a="http://schemas.openxmlformats.org/drawingml/2006/main" xmlns:r="http://schemas.openxmlformats.org/officeDocument/2006/relationships" xmlns:mc="http://schemas.openxmlformats.org/markup-compatibility/2006" xmlns:mv="urn:schemas-microsoft-com:mac:vml" xmlns:p="http://schemas.openxmlformats.org/presentationml/2006/main" xmlns:c="http://schemas.openxmlformats.org/drawingml/2006/chart" xmlns:dgm="http://schemas.openxmlformats.org/drawingml/2006/diagram" xmlns:o="urn:schemas-microsoft-com:office:office" xmlns:v="urn:schemas-microsoft-com:vml" xmlns:pvml="urn:schemas-microsoft-com:office:powerpoint" xmlns:com="http://schemas.openxmlformats.org/drawingml/2006/compatibility" xmlns:p14="http://schemas.microsoft.com/office/powerpoint/2010/main" xmlns:p15="http://schemas.microsoft.com/office/powerpoint/2012/main">
+<p:sld xmlns:a="http://schemas.openxmlformats.org/drawingml/2006/main" xmlns:r="http://schemas.openxmlformats.org/officeDocument/2006/relationships" xmlns:p="http://schemas.openxmlformats.org/presentationml/2006/main">
   <p:cSld>
     <p:spTree>
       <p:nvGrpSpPr>
-        <p:cNvPr id="132" name="Shape 132"/>
+        <p:cNvPr id="1" name="Shape 132"/>
         <p:cNvGrpSpPr/>
         <p:nvPr/>
       </p:nvGrpSpPr>
@@ -7517,7 +8053,9 @@
       <p:sp>
         <p:nvSpPr>
           <p:cNvPr id="133" name="Shape 133"/>
-          <p:cNvSpPr txBox="1"/>
+          <p:cNvSpPr txBox="1">
+            <a:spLocks noGrp="1"/>
+          </p:cNvSpPr>
           <p:nvPr>
             <p:ph type="title"/>
           </p:nvPr>
@@ -7532,12 +8070,12 @@
           </a:prstGeom>
         </p:spPr>
         <p:txBody>
-          <a:bodyPr anchorCtr="0" anchor="t" bIns="91425" lIns="91425" rIns="91425" wrap="square" tIns="91425">
+          <a:bodyPr wrap="square" lIns="91425" tIns="91425" rIns="91425" bIns="91425" anchor="t" anchorCtr="0">
             <a:noAutofit/>
           </a:bodyPr>
           <a:lstStyle/>
           <a:p>
-            <a:pPr indent="0" lvl="0" marL="0">
+            <a:pPr marL="0" lvl="0" indent="0">
               <a:spcBef>
                 <a:spcPts val="0"/>
               </a:spcBef>
@@ -7559,7 +8097,288 @@
 </file>
 
 <file path=ppt/theme/theme1.xml><?xml version="1.0" encoding="utf-8"?>
-<a:theme xmlns:a="http://schemas.openxmlformats.org/drawingml/2006/main" xmlns:r="http://schemas.openxmlformats.org/officeDocument/2006/relationships" name="Custom Theme">
+<a:theme xmlns:a="http://schemas.openxmlformats.org/drawingml/2006/main" name="Streamline">
+  <a:themeElements>
+    <a:clrScheme name="Streamline">
+      <a:dk1>
+        <a:srgbClr val="1A9988"/>
+      </a:dk1>
+      <a:lt1>
+        <a:srgbClr val="FFFFFF"/>
+      </a:lt1>
+      <a:dk2>
+        <a:srgbClr val="1A1A1A"/>
+      </a:dk2>
+      <a:lt2>
+        <a:srgbClr val="E9EDEE"/>
+      </a:lt2>
+      <a:accent1>
+        <a:srgbClr val="595959"/>
+      </a:accent1>
+      <a:accent2>
+        <a:srgbClr val="6AA4C8"/>
+      </a:accent2>
+      <a:accent3>
+        <a:srgbClr val="EB5600"/>
+      </a:accent3>
+      <a:accent4>
+        <a:srgbClr val="A2FFE8"/>
+      </a:accent4>
+      <a:accent5>
+        <a:srgbClr val="1C3678"/>
+      </a:accent5>
+      <a:accent6>
+        <a:srgbClr val="FFB8A2"/>
+      </a:accent6>
+      <a:hlink>
+        <a:srgbClr val="1C3678"/>
+      </a:hlink>
+      <a:folHlink>
+        <a:srgbClr val="1C3678"/>
+      </a:folHlink>
+    </a:clrScheme>
+    <a:fontScheme name="Office">
+      <a:majorFont>
+        <a:latin typeface="Arial"/>
+        <a:ea typeface=""/>
+        <a:cs typeface=""/>
+        <a:font script="Jpan" typeface="ＭＳ Ｐゴシック"/>
+        <a:font script="Hang" typeface="맑은 고딕"/>
+        <a:font script="Hans" typeface="宋体"/>
+        <a:font script="Hant" typeface="新細明體"/>
+        <a:font script="Arab" typeface="Times New Roman"/>
+        <a:font script="Hebr" typeface="Times New Roman"/>
+        <a:font script="Thai" typeface="Angsana New"/>
+        <a:font script="Ethi" typeface="Nyala"/>
+        <a:font script="Beng" typeface="Vrinda"/>
+        <a:font script="Gujr" typeface="Shruti"/>
+        <a:font script="Khmr" typeface="MoolBoran"/>
+        <a:font script="Knda" typeface="Tunga"/>
+        <a:font script="Guru" typeface="Raavi"/>
+        <a:font script="Cans" typeface="Euphemia"/>
+        <a:font script="Cher" typeface="Plantagenet Cherokee"/>
+        <a:font script="Yiii" typeface="Microsoft Yi Baiti"/>
+        <a:font script="Tibt" typeface="Microsoft Himalaya"/>
+        <a:font script="Thaa" typeface="MV Boli"/>
+        <a:font script="Deva" typeface="Mangal"/>
+        <a:font script="Telu" typeface="Gautami"/>
+        <a:font script="Taml" typeface="Latha"/>
+        <a:font script="Syrc" typeface="Estrangelo Edessa"/>
+        <a:font script="Orya" typeface="Kalinga"/>
+        <a:font script="Mlym" typeface="Kartika"/>
+        <a:font script="Laoo" typeface="DokChampa"/>
+        <a:font script="Sinh" typeface="Iskoola Pota"/>
+        <a:font script="Mong" typeface="Mongolian Baiti"/>
+        <a:font script="Viet" typeface="Times New Roman"/>
+        <a:font script="Uigh" typeface="Microsoft Uighur"/>
+        <a:font script="Geor" typeface="Sylfaen"/>
+      </a:majorFont>
+      <a:minorFont>
+        <a:latin typeface="Arial"/>
+        <a:ea typeface=""/>
+        <a:cs typeface=""/>
+        <a:font script="Jpan" typeface="ＭＳ Ｐゴシック"/>
+        <a:font script="Hang" typeface="맑은 고딕"/>
+        <a:font script="Hans" typeface="宋体"/>
+        <a:font script="Hant" typeface="新細明體"/>
+        <a:font script="Arab" typeface="Arial"/>
+        <a:font script="Hebr" typeface="Arial"/>
+        <a:font script="Thai" typeface="Cordia New"/>
+        <a:font script="Ethi" typeface="Nyala"/>
+        <a:font script="Beng" typeface="Vrinda"/>
+        <a:font script="Gujr" typeface="Shruti"/>
+        <a:font script="Khmr" typeface="DaunPenh"/>
+        <a:font script="Knda" typeface="Tunga"/>
+        <a:font script="Guru" typeface="Raavi"/>
+        <a:font script="Cans" typeface="Euphemia"/>
+        <a:font script="Cher" typeface="Plantagenet Cherokee"/>
+        <a:font script="Yiii" typeface="Microsoft Yi Baiti"/>
+        <a:font script="Tibt" typeface="Microsoft Himalaya"/>
+        <a:font script="Thaa" typeface="MV Boli"/>
+        <a:font script="Deva" typeface="Mangal"/>
+        <a:font script="Telu" typeface="Gautami"/>
+        <a:font script="Taml" typeface="Latha"/>
+        <a:font script="Syrc" typeface="Estrangelo Edessa"/>
+        <a:font script="Orya" typeface="Kalinga"/>
+        <a:font script="Mlym" typeface="Kartika"/>
+        <a:font script="Laoo" typeface="DokChampa"/>
+        <a:font script="Sinh" typeface="Iskoola Pota"/>
+        <a:font script="Mong" typeface="Mongolian Baiti"/>
+        <a:font script="Viet" typeface="Arial"/>
+        <a:font script="Uigh" typeface="Microsoft Uighur"/>
+        <a:font script="Geor" typeface="Sylfaen"/>
+      </a:minorFont>
+    </a:fontScheme>
+    <a:fmtScheme name="Office">
+      <a:fillStyleLst>
+        <a:solidFill>
+          <a:schemeClr val="phClr"/>
+        </a:solidFill>
+        <a:gradFill rotWithShape="1">
+          <a:gsLst>
+            <a:gs pos="0">
+              <a:schemeClr val="phClr">
+                <a:tint val="50000"/>
+                <a:satMod val="300000"/>
+              </a:schemeClr>
+            </a:gs>
+            <a:gs pos="35000">
+              <a:schemeClr val="phClr">
+                <a:tint val="37000"/>
+                <a:satMod val="300000"/>
+              </a:schemeClr>
+            </a:gs>
+            <a:gs pos="100000">
+              <a:schemeClr val="phClr">
+                <a:tint val="15000"/>
+                <a:satMod val="350000"/>
+              </a:schemeClr>
+            </a:gs>
+          </a:gsLst>
+          <a:lin ang="16200000" scaled="1"/>
+        </a:gradFill>
+        <a:gradFill rotWithShape="1">
+          <a:gsLst>
+            <a:gs pos="0">
+              <a:schemeClr val="phClr">
+                <a:tint val="100000"/>
+                <a:shade val="100000"/>
+                <a:satMod val="130000"/>
+              </a:schemeClr>
+            </a:gs>
+            <a:gs pos="100000">
+              <a:schemeClr val="phClr">
+                <a:tint val="50000"/>
+                <a:shade val="100000"/>
+                <a:satMod val="350000"/>
+              </a:schemeClr>
+            </a:gs>
+          </a:gsLst>
+          <a:lin ang="16200000" scaled="0"/>
+        </a:gradFill>
+      </a:fillStyleLst>
+      <a:lnStyleLst>
+        <a:ln w="9525" cap="flat" cmpd="sng" algn="ctr">
+          <a:solidFill>
+            <a:schemeClr val="phClr">
+              <a:shade val="95000"/>
+              <a:satMod val="105000"/>
+            </a:schemeClr>
+          </a:solidFill>
+          <a:prstDash val="solid"/>
+        </a:ln>
+        <a:ln w="25400" cap="flat" cmpd="sng" algn="ctr">
+          <a:solidFill>
+            <a:schemeClr val="phClr"/>
+          </a:solidFill>
+          <a:prstDash val="solid"/>
+        </a:ln>
+        <a:ln w="38100" cap="flat" cmpd="sng" algn="ctr">
+          <a:solidFill>
+            <a:schemeClr val="phClr"/>
+          </a:solidFill>
+          <a:prstDash val="solid"/>
+        </a:ln>
+      </a:lnStyleLst>
+      <a:effectStyleLst>
+        <a:effectStyle>
+          <a:effectLst>
+            <a:outerShdw blurRad="40000" dist="20000" dir="5400000" rotWithShape="0">
+              <a:srgbClr val="000000">
+                <a:alpha val="38000"/>
+              </a:srgbClr>
+            </a:outerShdw>
+          </a:effectLst>
+        </a:effectStyle>
+        <a:effectStyle>
+          <a:effectLst>
+            <a:outerShdw blurRad="40000" dist="23000" dir="5400000" rotWithShape="0">
+              <a:srgbClr val="000000">
+                <a:alpha val="35000"/>
+              </a:srgbClr>
+            </a:outerShdw>
+          </a:effectLst>
+        </a:effectStyle>
+        <a:effectStyle>
+          <a:effectLst>
+            <a:outerShdw blurRad="40000" dist="23000" dir="5400000" rotWithShape="0">
+              <a:srgbClr val="000000">
+                <a:alpha val="35000"/>
+              </a:srgbClr>
+            </a:outerShdw>
+          </a:effectLst>
+          <a:scene3d>
+            <a:camera prst="orthographicFront">
+              <a:rot lat="0" lon="0" rev="0"/>
+            </a:camera>
+            <a:lightRig rig="threePt" dir="t">
+              <a:rot lat="0" lon="0" rev="1200000"/>
+            </a:lightRig>
+          </a:scene3d>
+          <a:sp3d>
+            <a:bevelT w="63500" h="25400"/>
+          </a:sp3d>
+        </a:effectStyle>
+      </a:effectStyleLst>
+      <a:bgFillStyleLst>
+        <a:solidFill>
+          <a:schemeClr val="phClr"/>
+        </a:solidFill>
+        <a:gradFill rotWithShape="1">
+          <a:gsLst>
+            <a:gs pos="0">
+              <a:schemeClr val="phClr">
+                <a:tint val="40000"/>
+                <a:satMod val="350000"/>
+              </a:schemeClr>
+            </a:gs>
+            <a:gs pos="40000">
+              <a:schemeClr val="phClr">
+                <a:tint val="45000"/>
+                <a:shade val="99000"/>
+                <a:satMod val="350000"/>
+              </a:schemeClr>
+            </a:gs>
+            <a:gs pos="100000">
+              <a:schemeClr val="phClr">
+                <a:shade val="20000"/>
+                <a:satMod val="255000"/>
+              </a:schemeClr>
+            </a:gs>
+          </a:gsLst>
+          <a:path path="circle">
+            <a:fillToRect l="50000" t="-80000" r="50000" b="180000"/>
+          </a:path>
+        </a:gradFill>
+        <a:gradFill rotWithShape="1">
+          <a:gsLst>
+            <a:gs pos="0">
+              <a:schemeClr val="phClr">
+                <a:tint val="80000"/>
+                <a:satMod val="300000"/>
+              </a:schemeClr>
+            </a:gs>
+            <a:gs pos="100000">
+              <a:schemeClr val="phClr">
+                <a:shade val="30000"/>
+                <a:satMod val="200000"/>
+              </a:schemeClr>
+            </a:gs>
+          </a:gsLst>
+          <a:path path="circle">
+            <a:fillToRect l="50000" t="50000" r="50000" b="50000"/>
+          </a:path>
+        </a:gradFill>
+      </a:bgFillStyleLst>
+    </a:fmtScheme>
+  </a:themeElements>
+  <a:objectDefaults/>
+  <a:extraClrSchemeLst/>
+</a:theme>
+</file>
+
+<file path=ppt/theme/theme2.xml><?xml version="1.0" encoding="utf-8"?>
+<a:theme xmlns:a="http://schemas.openxmlformats.org/drawingml/2006/main" name="Custom Theme">
   <a:themeElements>
     <a:clrScheme name="Default">
       <a:dk1>
@@ -7834,284 +8653,7 @@
       </a:bgFillStyleLst>
     </a:fmtScheme>
   </a:themeElements>
-</a:theme>
-</file>
-
-<file path=ppt/theme/theme2.xml><?xml version="1.0" encoding="utf-8"?>
-<a:theme xmlns:a="http://schemas.openxmlformats.org/drawingml/2006/main" xmlns:r="http://schemas.openxmlformats.org/officeDocument/2006/relationships" name="Streamline">
-  <a:themeElements>
-    <a:clrScheme name="Streamline">
-      <a:dk1>
-        <a:srgbClr val="1A9988"/>
-      </a:dk1>
-      <a:lt1>
-        <a:srgbClr val="FFFFFF"/>
-      </a:lt1>
-      <a:dk2>
-        <a:srgbClr val="1A1A1A"/>
-      </a:dk2>
-      <a:lt2>
-        <a:srgbClr val="E9EDEE"/>
-      </a:lt2>
-      <a:accent1>
-        <a:srgbClr val="595959"/>
-      </a:accent1>
-      <a:accent2>
-        <a:srgbClr val="6AA4C8"/>
-      </a:accent2>
-      <a:accent3>
-        <a:srgbClr val="EB5600"/>
-      </a:accent3>
-      <a:accent4>
-        <a:srgbClr val="A2FFE8"/>
-      </a:accent4>
-      <a:accent5>
-        <a:srgbClr val="1C3678"/>
-      </a:accent5>
-      <a:accent6>
-        <a:srgbClr val="FFB8A2"/>
-      </a:accent6>
-      <a:hlink>
-        <a:srgbClr val="1C3678"/>
-      </a:hlink>
-      <a:folHlink>
-        <a:srgbClr val="1C3678"/>
-      </a:folHlink>
-    </a:clrScheme>
-    <a:fontScheme name="Office">
-      <a:majorFont>
-        <a:latin typeface="Arial"/>
-        <a:ea typeface=""/>
-        <a:cs typeface=""/>
-        <a:font script="Jpan" typeface="ＭＳ Ｐゴシック"/>
-        <a:font script="Hang" typeface="맑은 고딕"/>
-        <a:font script="Hans" typeface="宋体"/>
-        <a:font script="Hant" typeface="新細明體"/>
-        <a:font script="Arab" typeface="Times New Roman"/>
-        <a:font script="Hebr" typeface="Times New Roman"/>
-        <a:font script="Thai" typeface="Angsana New"/>
-        <a:font script="Ethi" typeface="Nyala"/>
-        <a:font script="Beng" typeface="Vrinda"/>
-        <a:font script="Gujr" typeface="Shruti"/>
-        <a:font script="Khmr" typeface="MoolBoran"/>
-        <a:font script="Knda" typeface="Tunga"/>
-        <a:font script="Guru" typeface="Raavi"/>
-        <a:font script="Cans" typeface="Euphemia"/>
-        <a:font script="Cher" typeface="Plantagenet Cherokee"/>
-        <a:font script="Yiii" typeface="Microsoft Yi Baiti"/>
-        <a:font script="Tibt" typeface="Microsoft Himalaya"/>
-        <a:font script="Thaa" typeface="MV Boli"/>
-        <a:font script="Deva" typeface="Mangal"/>
-        <a:font script="Telu" typeface="Gautami"/>
-        <a:font script="Taml" typeface="Latha"/>
-        <a:font script="Syrc" typeface="Estrangelo Edessa"/>
-        <a:font script="Orya" typeface="Kalinga"/>
-        <a:font script="Mlym" typeface="Kartika"/>
-        <a:font script="Laoo" typeface="DokChampa"/>
-        <a:font script="Sinh" typeface="Iskoola Pota"/>
-        <a:font script="Mong" typeface="Mongolian Baiti"/>
-        <a:font script="Viet" typeface="Times New Roman"/>
-        <a:font script="Uigh" typeface="Microsoft Uighur"/>
-        <a:font script="Geor" typeface="Sylfaen"/>
-      </a:majorFont>
-      <a:minorFont>
-        <a:latin typeface="Arial"/>
-        <a:ea typeface=""/>
-        <a:cs typeface=""/>
-        <a:font script="Jpan" typeface="ＭＳ Ｐゴシック"/>
-        <a:font script="Hang" typeface="맑은 고딕"/>
-        <a:font script="Hans" typeface="宋体"/>
-        <a:font script="Hant" typeface="新細明體"/>
-        <a:font script="Arab" typeface="Arial"/>
-        <a:font script="Hebr" typeface="Arial"/>
-        <a:font script="Thai" typeface="Cordia New"/>
-        <a:font script="Ethi" typeface="Nyala"/>
-        <a:font script="Beng" typeface="Vrinda"/>
-        <a:font script="Gujr" typeface="Shruti"/>
-        <a:font script="Khmr" typeface="DaunPenh"/>
-        <a:font script="Knda" typeface="Tunga"/>
-        <a:font script="Guru" typeface="Raavi"/>
-        <a:font script="Cans" typeface="Euphemia"/>
-        <a:font script="Cher" typeface="Plantagenet Cherokee"/>
-        <a:font script="Yiii" typeface="Microsoft Yi Baiti"/>
-        <a:font script="Tibt" typeface="Microsoft Himalaya"/>
-        <a:font script="Thaa" typeface="MV Boli"/>
-        <a:font script="Deva" typeface="Mangal"/>
-        <a:font script="Telu" typeface="Gautami"/>
-        <a:font script="Taml" typeface="Latha"/>
-        <a:font script="Syrc" typeface="Estrangelo Edessa"/>
-        <a:font script="Orya" typeface="Kalinga"/>
-        <a:font script="Mlym" typeface="Kartika"/>
-        <a:font script="Laoo" typeface="DokChampa"/>
-        <a:font script="Sinh" typeface="Iskoola Pota"/>
-        <a:font script="Mong" typeface="Mongolian Baiti"/>
-        <a:font script="Viet" typeface="Arial"/>
-        <a:font script="Uigh" typeface="Microsoft Uighur"/>
-        <a:font script="Geor" typeface="Sylfaen"/>
-      </a:minorFont>
-    </a:fontScheme>
-    <a:fmtScheme name="Office">
-      <a:fillStyleLst>
-        <a:solidFill>
-          <a:schemeClr val="phClr"/>
-        </a:solidFill>
-        <a:gradFill rotWithShape="1">
-          <a:gsLst>
-            <a:gs pos="0">
-              <a:schemeClr val="phClr">
-                <a:tint val="50000"/>
-                <a:satMod val="300000"/>
-              </a:schemeClr>
-            </a:gs>
-            <a:gs pos="35000">
-              <a:schemeClr val="phClr">
-                <a:tint val="37000"/>
-                <a:satMod val="300000"/>
-              </a:schemeClr>
-            </a:gs>
-            <a:gs pos="100000">
-              <a:schemeClr val="phClr">
-                <a:tint val="15000"/>
-                <a:satMod val="350000"/>
-              </a:schemeClr>
-            </a:gs>
-          </a:gsLst>
-          <a:lin ang="16200000" scaled="1"/>
-        </a:gradFill>
-        <a:gradFill rotWithShape="1">
-          <a:gsLst>
-            <a:gs pos="0">
-              <a:schemeClr val="phClr">
-                <a:tint val="100000"/>
-                <a:shade val="100000"/>
-                <a:satMod val="130000"/>
-              </a:schemeClr>
-            </a:gs>
-            <a:gs pos="100000">
-              <a:schemeClr val="phClr">
-                <a:tint val="50000"/>
-                <a:shade val="100000"/>
-                <a:satMod val="350000"/>
-              </a:schemeClr>
-            </a:gs>
-          </a:gsLst>
-          <a:lin ang="16200000" scaled="0"/>
-        </a:gradFill>
-      </a:fillStyleLst>
-      <a:lnStyleLst>
-        <a:ln w="9525" cap="flat" cmpd="sng" algn="ctr">
-          <a:solidFill>
-            <a:schemeClr val="phClr">
-              <a:shade val="95000"/>
-              <a:satMod val="105000"/>
-            </a:schemeClr>
-          </a:solidFill>
-          <a:prstDash val="solid"/>
-        </a:ln>
-        <a:ln w="25400" cap="flat" cmpd="sng" algn="ctr">
-          <a:solidFill>
-            <a:schemeClr val="phClr"/>
-          </a:solidFill>
-          <a:prstDash val="solid"/>
-        </a:ln>
-        <a:ln w="38100" cap="flat" cmpd="sng" algn="ctr">
-          <a:solidFill>
-            <a:schemeClr val="phClr"/>
-          </a:solidFill>
-          <a:prstDash val="solid"/>
-        </a:ln>
-      </a:lnStyleLst>
-      <a:effectStyleLst>
-        <a:effectStyle>
-          <a:effectLst>
-            <a:outerShdw blurRad="40000" dist="20000" dir="5400000" rotWithShape="0">
-              <a:srgbClr val="000000">
-                <a:alpha val="38000"/>
-              </a:srgbClr>
-            </a:outerShdw>
-          </a:effectLst>
-        </a:effectStyle>
-        <a:effectStyle>
-          <a:effectLst>
-            <a:outerShdw blurRad="40000" dist="23000" dir="5400000" rotWithShape="0">
-              <a:srgbClr val="000000">
-                <a:alpha val="35000"/>
-              </a:srgbClr>
-            </a:outerShdw>
-          </a:effectLst>
-        </a:effectStyle>
-        <a:effectStyle>
-          <a:effectLst>
-            <a:outerShdw blurRad="40000" dist="23000" dir="5400000" rotWithShape="0">
-              <a:srgbClr val="000000">
-                <a:alpha val="35000"/>
-              </a:srgbClr>
-            </a:outerShdw>
-          </a:effectLst>
-          <a:scene3d>
-            <a:camera prst="orthographicFront">
-              <a:rot lat="0" lon="0" rev="0"/>
-            </a:camera>
-            <a:lightRig rig="threePt" dir="t">
-              <a:rot lat="0" lon="0" rev="1200000"/>
-            </a:lightRig>
-          </a:scene3d>
-          <a:sp3d>
-            <a:bevelT w="63500" h="25400"/>
-          </a:sp3d>
-        </a:effectStyle>
-      </a:effectStyleLst>
-      <a:bgFillStyleLst>
-        <a:solidFill>
-          <a:schemeClr val="phClr"/>
-        </a:solidFill>
-        <a:gradFill rotWithShape="1">
-          <a:gsLst>
-            <a:gs pos="0">
-              <a:schemeClr val="phClr">
-                <a:tint val="40000"/>
-                <a:satMod val="350000"/>
-              </a:schemeClr>
-            </a:gs>
-            <a:gs pos="40000">
-              <a:schemeClr val="phClr">
-                <a:tint val="45000"/>
-                <a:shade val="99000"/>
-                <a:satMod val="350000"/>
-              </a:schemeClr>
-            </a:gs>
-            <a:gs pos="100000">
-              <a:schemeClr val="phClr">
-                <a:shade val="20000"/>
-                <a:satMod val="255000"/>
-              </a:schemeClr>
-            </a:gs>
-          </a:gsLst>
-          <a:path path="circle">
-            <a:fillToRect l="50000" t="-80000" r="50000" b="180000"/>
-          </a:path>
-        </a:gradFill>
-        <a:gradFill rotWithShape="1">
-          <a:gsLst>
-            <a:gs pos="0">
-              <a:schemeClr val="phClr">
-                <a:tint val="80000"/>
-                <a:satMod val="300000"/>
-              </a:schemeClr>
-            </a:gs>
-            <a:gs pos="100000">
-              <a:schemeClr val="phClr">
-                <a:shade val="30000"/>
-                <a:satMod val="200000"/>
-              </a:schemeClr>
-            </a:gs>
-          </a:gsLst>
-          <a:path path="circle">
-            <a:fillToRect l="50000" t="50000" r="50000" b="50000"/>
-          </a:path>
-        </a:gradFill>
-      </a:bgFillStyleLst>
-    </a:fmtScheme>
-  </a:themeElements>
+  <a:objectDefaults/>
+  <a:extraClrSchemeLst/>
 </a:theme>
 </file>